--- a/Presentation1.pptx
+++ b/Presentation1.pptx
@@ -4,15 +4,20 @@
   <p:sldMasterIdLst>
     <p:sldMasterId id="2147483648" r:id="rId1"/>
   </p:sldMasterIdLst>
+  <p:notesMasterIdLst>
+    <p:notesMasterId r:id="rId12"/>
+  </p:notesMasterIdLst>
   <p:sldIdLst>
     <p:sldId id="256" r:id="rId2"/>
     <p:sldId id="266" r:id="rId3"/>
-    <p:sldId id="260" r:id="rId4"/>
+    <p:sldId id="268" r:id="rId4"/>
     <p:sldId id="263" r:id="rId5"/>
     <p:sldId id="267" r:id="rId6"/>
     <p:sldId id="258" r:id="rId7"/>
     <p:sldId id="262" r:id="rId8"/>
-    <p:sldId id="257" r:id="rId9"/>
+    <p:sldId id="269" r:id="rId9"/>
+    <p:sldId id="257" r:id="rId10"/>
+    <p:sldId id="260" r:id="rId11"/>
   </p:sldIdLst>
   <p:sldSz cx="12192000" cy="6858000"/>
   <p:notesSz cx="6858000" cy="9144000"/>
@@ -117,6 +122,552 @@
     </p:ext>
   </p:extLst>
 </p:presentation>
+</file>
+
+<file path=ppt/notesMasters/notesMaster1.xml><?xml version="1.0" encoding="utf-8"?>
+<p:notesMaster xmlns:a="http://schemas.openxmlformats.org/drawingml/2006/main" xmlns:r="http://schemas.openxmlformats.org/officeDocument/2006/relationships" xmlns:p="http://schemas.openxmlformats.org/presentationml/2006/main">
+  <p:cSld>
+    <p:bg>
+      <p:bgRef idx="1001">
+        <a:schemeClr val="bg1"/>
+      </p:bgRef>
+    </p:bg>
+    <p:spTree>
+      <p:nvGrpSpPr>
+        <p:cNvPr id="1" name=""/>
+        <p:cNvGrpSpPr/>
+        <p:nvPr/>
+      </p:nvGrpSpPr>
+      <p:grpSpPr>
+        <a:xfrm>
+          <a:off x="0" y="0"/>
+          <a:ext cx="0" cy="0"/>
+          <a:chOff x="0" y="0"/>
+          <a:chExt cx="0" cy="0"/>
+        </a:xfrm>
+      </p:grpSpPr>
+      <p:sp>
+        <p:nvSpPr>
+          <p:cNvPr id="2" name="Header Placeholder 1"/>
+          <p:cNvSpPr>
+            <a:spLocks noGrp="1"/>
+          </p:cNvSpPr>
+          <p:nvPr>
+            <p:ph type="hdr" sz="quarter"/>
+          </p:nvPr>
+        </p:nvSpPr>
+        <p:spPr>
+          <a:xfrm>
+            <a:off x="0" y="0"/>
+            <a:ext cx="2971800" cy="458788"/>
+          </a:xfrm>
+          <a:prstGeom prst="rect">
+            <a:avLst/>
+          </a:prstGeom>
+        </p:spPr>
+        <p:txBody>
+          <a:bodyPr vert="horz" lIns="91440" tIns="45720" rIns="91440" bIns="45720" rtlCol="0"/>
+          <a:lstStyle>
+            <a:lvl1pPr algn="l">
+              <a:defRPr sz="1200"/>
+            </a:lvl1pPr>
+          </a:lstStyle>
+          <a:p>
+            <a:endParaRPr lang="en-AU"/>
+          </a:p>
+        </p:txBody>
+      </p:sp>
+      <p:sp>
+        <p:nvSpPr>
+          <p:cNvPr id="3" name="Date Placeholder 2"/>
+          <p:cNvSpPr>
+            <a:spLocks noGrp="1"/>
+          </p:cNvSpPr>
+          <p:nvPr>
+            <p:ph type="dt" idx="1"/>
+          </p:nvPr>
+        </p:nvSpPr>
+        <p:spPr>
+          <a:xfrm>
+            <a:off x="3884613" y="0"/>
+            <a:ext cx="2971800" cy="458788"/>
+          </a:xfrm>
+          <a:prstGeom prst="rect">
+            <a:avLst/>
+          </a:prstGeom>
+        </p:spPr>
+        <p:txBody>
+          <a:bodyPr vert="horz" lIns="91440" tIns="45720" rIns="91440" bIns="45720" rtlCol="0"/>
+          <a:lstStyle>
+            <a:lvl1pPr algn="r">
+              <a:defRPr sz="1200"/>
+            </a:lvl1pPr>
+          </a:lstStyle>
+          <a:p>
+            <a:fld id="{F78DD7F6-B2F6-4764-B5F9-51B2FD2DECCD}" type="datetimeFigureOut">
+              <a:rPr lang="en-AU" smtClean="0"/>
+              <a:t>28/04/2021</a:t>
+            </a:fld>
+            <a:endParaRPr lang="en-AU"/>
+          </a:p>
+        </p:txBody>
+      </p:sp>
+      <p:sp>
+        <p:nvSpPr>
+          <p:cNvPr id="4" name="Slide Image Placeholder 3"/>
+          <p:cNvSpPr>
+            <a:spLocks noGrp="1" noRot="1" noChangeAspect="1"/>
+          </p:cNvSpPr>
+          <p:nvPr>
+            <p:ph type="sldImg" idx="2"/>
+          </p:nvPr>
+        </p:nvSpPr>
+        <p:spPr>
+          <a:xfrm>
+            <a:off x="685800" y="1143000"/>
+            <a:ext cx="5486400" cy="3086100"/>
+          </a:xfrm>
+          <a:prstGeom prst="rect">
+            <a:avLst/>
+          </a:prstGeom>
+          <a:noFill/>
+          <a:ln w="12700">
+            <a:solidFill>
+              <a:prstClr val="black"/>
+            </a:solidFill>
+          </a:ln>
+        </p:spPr>
+        <p:txBody>
+          <a:bodyPr vert="horz" lIns="91440" tIns="45720" rIns="91440" bIns="45720" rtlCol="0" anchor="ctr"/>
+          <a:lstStyle/>
+          <a:p>
+            <a:endParaRPr lang="en-AU"/>
+          </a:p>
+        </p:txBody>
+      </p:sp>
+      <p:sp>
+        <p:nvSpPr>
+          <p:cNvPr id="5" name="Notes Placeholder 4"/>
+          <p:cNvSpPr>
+            <a:spLocks noGrp="1"/>
+          </p:cNvSpPr>
+          <p:nvPr>
+            <p:ph type="body" sz="quarter" idx="3"/>
+          </p:nvPr>
+        </p:nvSpPr>
+        <p:spPr>
+          <a:xfrm>
+            <a:off x="685800" y="4400550"/>
+            <a:ext cx="5486400" cy="3600450"/>
+          </a:xfrm>
+          <a:prstGeom prst="rect">
+            <a:avLst/>
+          </a:prstGeom>
+        </p:spPr>
+        <p:txBody>
+          <a:bodyPr vert="horz" lIns="91440" tIns="45720" rIns="91440" bIns="45720" rtlCol="0"/>
+          <a:lstStyle/>
+          <a:p>
+            <a:pPr lvl="0"/>
+            <a:r>
+              <a:rPr lang="en-US"/>
+              <a:t>Click to edit Master text styles</a:t>
+            </a:r>
+          </a:p>
+          <a:p>
+            <a:pPr lvl="1"/>
+            <a:r>
+              <a:rPr lang="en-US"/>
+              <a:t>Second level</a:t>
+            </a:r>
+          </a:p>
+          <a:p>
+            <a:pPr lvl="2"/>
+            <a:r>
+              <a:rPr lang="en-US"/>
+              <a:t>Third level</a:t>
+            </a:r>
+          </a:p>
+          <a:p>
+            <a:pPr lvl="3"/>
+            <a:r>
+              <a:rPr lang="en-US"/>
+              <a:t>Fourth level</a:t>
+            </a:r>
+          </a:p>
+          <a:p>
+            <a:pPr lvl="4"/>
+            <a:r>
+              <a:rPr lang="en-US"/>
+              <a:t>Fifth level</a:t>
+            </a:r>
+            <a:endParaRPr lang="en-AU"/>
+          </a:p>
+        </p:txBody>
+      </p:sp>
+      <p:sp>
+        <p:nvSpPr>
+          <p:cNvPr id="6" name="Footer Placeholder 5"/>
+          <p:cNvSpPr>
+            <a:spLocks noGrp="1"/>
+          </p:cNvSpPr>
+          <p:nvPr>
+            <p:ph type="ftr" sz="quarter" idx="4"/>
+          </p:nvPr>
+        </p:nvSpPr>
+        <p:spPr>
+          <a:xfrm>
+            <a:off x="0" y="8685213"/>
+            <a:ext cx="2971800" cy="458787"/>
+          </a:xfrm>
+          <a:prstGeom prst="rect">
+            <a:avLst/>
+          </a:prstGeom>
+        </p:spPr>
+        <p:txBody>
+          <a:bodyPr vert="horz" lIns="91440" tIns="45720" rIns="91440" bIns="45720" rtlCol="0" anchor="b"/>
+          <a:lstStyle>
+            <a:lvl1pPr algn="l">
+              <a:defRPr sz="1200"/>
+            </a:lvl1pPr>
+          </a:lstStyle>
+          <a:p>
+            <a:endParaRPr lang="en-AU"/>
+          </a:p>
+        </p:txBody>
+      </p:sp>
+      <p:sp>
+        <p:nvSpPr>
+          <p:cNvPr id="7" name="Slide Number Placeholder 6"/>
+          <p:cNvSpPr>
+            <a:spLocks noGrp="1"/>
+          </p:cNvSpPr>
+          <p:nvPr>
+            <p:ph type="sldNum" sz="quarter" idx="5"/>
+          </p:nvPr>
+        </p:nvSpPr>
+        <p:spPr>
+          <a:xfrm>
+            <a:off x="3884613" y="8685213"/>
+            <a:ext cx="2971800" cy="458787"/>
+          </a:xfrm>
+          <a:prstGeom prst="rect">
+            <a:avLst/>
+          </a:prstGeom>
+        </p:spPr>
+        <p:txBody>
+          <a:bodyPr vert="horz" lIns="91440" tIns="45720" rIns="91440" bIns="45720" rtlCol="0" anchor="b"/>
+          <a:lstStyle>
+            <a:lvl1pPr algn="r">
+              <a:defRPr sz="1200"/>
+            </a:lvl1pPr>
+          </a:lstStyle>
+          <a:p>
+            <a:fld id="{642C7DC8-68F0-4E3C-86F5-A8478297BF26}" type="slidenum">
+              <a:rPr lang="en-AU" smtClean="0"/>
+              <a:t>‹#›</a:t>
+            </a:fld>
+            <a:endParaRPr lang="en-AU"/>
+          </a:p>
+        </p:txBody>
+      </p:sp>
+    </p:spTree>
+    <p:extLst>
+      <p:ext uri="{BB962C8B-B14F-4D97-AF65-F5344CB8AC3E}">
+        <p14:creationId xmlns:p14="http://schemas.microsoft.com/office/powerpoint/2010/main" val="1107825266"/>
+      </p:ext>
+    </p:extLst>
+  </p:cSld>
+  <p:clrMap bg1="lt1" tx1="dk1" bg2="lt2" tx2="dk2" accent1="accent1" accent2="accent2" accent3="accent3" accent4="accent4" accent5="accent5" accent6="accent6" hlink="hlink" folHlink="folHlink"/>
+  <p:notesStyle>
+    <a:lvl1pPr marL="0" algn="l" defTabSz="914400" rtl="0" eaLnBrk="1" latinLnBrk="0" hangingPunct="1">
+      <a:defRPr sz="1200" kern="1200">
+        <a:solidFill>
+          <a:schemeClr val="tx1"/>
+        </a:solidFill>
+        <a:latin typeface="+mn-lt"/>
+        <a:ea typeface="+mn-ea"/>
+        <a:cs typeface="+mn-cs"/>
+      </a:defRPr>
+    </a:lvl1pPr>
+    <a:lvl2pPr marL="457200" algn="l" defTabSz="914400" rtl="0" eaLnBrk="1" latinLnBrk="0" hangingPunct="1">
+      <a:defRPr sz="1200" kern="1200">
+        <a:solidFill>
+          <a:schemeClr val="tx1"/>
+        </a:solidFill>
+        <a:latin typeface="+mn-lt"/>
+        <a:ea typeface="+mn-ea"/>
+        <a:cs typeface="+mn-cs"/>
+      </a:defRPr>
+    </a:lvl2pPr>
+    <a:lvl3pPr marL="914400" algn="l" defTabSz="914400" rtl="0" eaLnBrk="1" latinLnBrk="0" hangingPunct="1">
+      <a:defRPr sz="1200" kern="1200">
+        <a:solidFill>
+          <a:schemeClr val="tx1"/>
+        </a:solidFill>
+        <a:latin typeface="+mn-lt"/>
+        <a:ea typeface="+mn-ea"/>
+        <a:cs typeface="+mn-cs"/>
+      </a:defRPr>
+    </a:lvl3pPr>
+    <a:lvl4pPr marL="1371600" algn="l" defTabSz="914400" rtl="0" eaLnBrk="1" latinLnBrk="0" hangingPunct="1">
+      <a:defRPr sz="1200" kern="1200">
+        <a:solidFill>
+          <a:schemeClr val="tx1"/>
+        </a:solidFill>
+        <a:latin typeface="+mn-lt"/>
+        <a:ea typeface="+mn-ea"/>
+        <a:cs typeface="+mn-cs"/>
+      </a:defRPr>
+    </a:lvl4pPr>
+    <a:lvl5pPr marL="1828800" algn="l" defTabSz="914400" rtl="0" eaLnBrk="1" latinLnBrk="0" hangingPunct="1">
+      <a:defRPr sz="1200" kern="1200">
+        <a:solidFill>
+          <a:schemeClr val="tx1"/>
+        </a:solidFill>
+        <a:latin typeface="+mn-lt"/>
+        <a:ea typeface="+mn-ea"/>
+        <a:cs typeface="+mn-cs"/>
+      </a:defRPr>
+    </a:lvl5pPr>
+    <a:lvl6pPr marL="2286000" algn="l" defTabSz="914400" rtl="0" eaLnBrk="1" latinLnBrk="0" hangingPunct="1">
+      <a:defRPr sz="1200" kern="1200">
+        <a:solidFill>
+          <a:schemeClr val="tx1"/>
+        </a:solidFill>
+        <a:latin typeface="+mn-lt"/>
+        <a:ea typeface="+mn-ea"/>
+        <a:cs typeface="+mn-cs"/>
+      </a:defRPr>
+    </a:lvl6pPr>
+    <a:lvl7pPr marL="2743200" algn="l" defTabSz="914400" rtl="0" eaLnBrk="1" latinLnBrk="0" hangingPunct="1">
+      <a:defRPr sz="1200" kern="1200">
+        <a:solidFill>
+          <a:schemeClr val="tx1"/>
+        </a:solidFill>
+        <a:latin typeface="+mn-lt"/>
+        <a:ea typeface="+mn-ea"/>
+        <a:cs typeface="+mn-cs"/>
+      </a:defRPr>
+    </a:lvl7pPr>
+    <a:lvl8pPr marL="3200400" algn="l" defTabSz="914400" rtl="0" eaLnBrk="1" latinLnBrk="0" hangingPunct="1">
+      <a:defRPr sz="1200" kern="1200">
+        <a:solidFill>
+          <a:schemeClr val="tx1"/>
+        </a:solidFill>
+        <a:latin typeface="+mn-lt"/>
+        <a:ea typeface="+mn-ea"/>
+        <a:cs typeface="+mn-cs"/>
+      </a:defRPr>
+    </a:lvl8pPr>
+    <a:lvl9pPr marL="3657600" algn="l" defTabSz="914400" rtl="0" eaLnBrk="1" latinLnBrk="0" hangingPunct="1">
+      <a:defRPr sz="1200" kern="1200">
+        <a:solidFill>
+          <a:schemeClr val="tx1"/>
+        </a:solidFill>
+        <a:latin typeface="+mn-lt"/>
+        <a:ea typeface="+mn-ea"/>
+        <a:cs typeface="+mn-cs"/>
+      </a:defRPr>
+    </a:lvl9pPr>
+  </p:notesStyle>
+</p:notesMaster>
+</file>
+
+<file path=ppt/notesSlides/notesSlide1.xml><?xml version="1.0" encoding="utf-8"?>
+<p:notes xmlns:a="http://schemas.openxmlformats.org/drawingml/2006/main" xmlns:r="http://schemas.openxmlformats.org/officeDocument/2006/relationships" xmlns:p="http://schemas.openxmlformats.org/presentationml/2006/main">
+  <p:cSld>
+    <p:spTree>
+      <p:nvGrpSpPr>
+        <p:cNvPr id="1" name=""/>
+        <p:cNvGrpSpPr/>
+        <p:nvPr/>
+      </p:nvGrpSpPr>
+      <p:grpSpPr>
+        <a:xfrm>
+          <a:off x="0" y="0"/>
+          <a:ext cx="0" cy="0"/>
+          <a:chOff x="0" y="0"/>
+          <a:chExt cx="0" cy="0"/>
+        </a:xfrm>
+      </p:grpSpPr>
+      <p:sp>
+        <p:nvSpPr>
+          <p:cNvPr id="2" name="Slide Image Placeholder 1"/>
+          <p:cNvSpPr>
+            <a:spLocks noGrp="1" noRot="1" noChangeAspect="1"/>
+          </p:cNvSpPr>
+          <p:nvPr>
+            <p:ph type="sldImg"/>
+          </p:nvPr>
+        </p:nvSpPr>
+        <p:spPr/>
+      </p:sp>
+      <p:sp>
+        <p:nvSpPr>
+          <p:cNvPr id="3" name="Notes Placeholder 2"/>
+          <p:cNvSpPr>
+            <a:spLocks noGrp="1"/>
+          </p:cNvSpPr>
+          <p:nvPr>
+            <p:ph type="body" idx="1"/>
+          </p:nvPr>
+        </p:nvSpPr>
+        <p:spPr/>
+        <p:txBody>
+          <a:bodyPr/>
+          <a:lstStyle/>
+          <a:p>
+            <a:endParaRPr lang="en-AU" dirty="0"/>
+          </a:p>
+        </p:txBody>
+      </p:sp>
+      <p:sp>
+        <p:nvSpPr>
+          <p:cNvPr id="4" name="Slide Number Placeholder 3"/>
+          <p:cNvSpPr>
+            <a:spLocks noGrp="1"/>
+          </p:cNvSpPr>
+          <p:nvPr>
+            <p:ph type="sldNum" sz="quarter" idx="5"/>
+          </p:nvPr>
+        </p:nvSpPr>
+        <p:spPr/>
+        <p:txBody>
+          <a:bodyPr/>
+          <a:lstStyle/>
+          <a:p>
+            <a:fld id="{642C7DC8-68F0-4E3C-86F5-A8478297BF26}" type="slidenum">
+              <a:rPr lang="en-AU" smtClean="0"/>
+              <a:t>1</a:t>
+            </a:fld>
+            <a:endParaRPr lang="en-AU"/>
+          </a:p>
+        </p:txBody>
+      </p:sp>
+    </p:spTree>
+    <p:extLst>
+      <p:ext uri="{BB962C8B-B14F-4D97-AF65-F5344CB8AC3E}">
+        <p14:creationId xmlns:p14="http://schemas.microsoft.com/office/powerpoint/2010/main" val="1439919350"/>
+      </p:ext>
+    </p:extLst>
+  </p:cSld>
+  <p:clrMapOvr>
+    <a:masterClrMapping/>
+  </p:clrMapOvr>
+</p:notes>
+</file>
+
+<file path=ppt/notesSlides/notesSlide2.xml><?xml version="1.0" encoding="utf-8"?>
+<p:notes xmlns:a="http://schemas.openxmlformats.org/drawingml/2006/main" xmlns:r="http://schemas.openxmlformats.org/officeDocument/2006/relationships" xmlns:p="http://schemas.openxmlformats.org/presentationml/2006/main">
+  <p:cSld>
+    <p:spTree>
+      <p:nvGrpSpPr>
+        <p:cNvPr id="1" name=""/>
+        <p:cNvGrpSpPr/>
+        <p:nvPr/>
+      </p:nvGrpSpPr>
+      <p:grpSpPr>
+        <a:xfrm>
+          <a:off x="0" y="0"/>
+          <a:ext cx="0" cy="0"/>
+          <a:chOff x="0" y="0"/>
+          <a:chExt cx="0" cy="0"/>
+        </a:xfrm>
+      </p:grpSpPr>
+      <p:sp>
+        <p:nvSpPr>
+          <p:cNvPr id="2" name="Slide Image Placeholder 1"/>
+          <p:cNvSpPr>
+            <a:spLocks noGrp="1" noRot="1" noChangeAspect="1"/>
+          </p:cNvSpPr>
+          <p:nvPr>
+            <p:ph type="sldImg"/>
+          </p:nvPr>
+        </p:nvSpPr>
+        <p:spPr/>
+      </p:sp>
+      <p:sp>
+        <p:nvSpPr>
+          <p:cNvPr id="3" name="Notes Placeholder 2"/>
+          <p:cNvSpPr>
+            <a:spLocks noGrp="1"/>
+          </p:cNvSpPr>
+          <p:nvPr>
+            <p:ph type="body" idx="1"/>
+          </p:nvPr>
+        </p:nvSpPr>
+        <p:spPr/>
+        <p:txBody>
+          <a:bodyPr/>
+          <a:lstStyle/>
+          <a:p>
+            <a:pPr marL="171450" indent="-171450">
+              <a:buFontTx/>
+              <a:buChar char="-"/>
+            </a:pPr>
+            <a:r>
+              <a:rPr lang="en-US" dirty="0"/>
+              <a:t>We first wanted to examine the effects covid related lockdowns had on domestic violence in WA since we have heard of increased trends in news headlines</a:t>
+            </a:r>
+          </a:p>
+          <a:p>
+            <a:pPr marL="171450" indent="-171450">
+              <a:buFontTx/>
+              <a:buChar char="-"/>
+            </a:pPr>
+            <a:r>
+              <a:rPr lang="en-US" dirty="0"/>
+              <a:t>After an initial search for data we could not find any recent statistics on domestic violence available to us for the WA lockdown period March to June 2020</a:t>
+            </a:r>
+          </a:p>
+          <a:p>
+            <a:pPr marL="171450" indent="-171450">
+              <a:buFontTx/>
+              <a:buChar char="-"/>
+            </a:pPr>
+            <a:r>
+              <a:rPr lang="en-US" dirty="0"/>
+              <a:t>We decided to look at crime as a whole after finding monthly statics from WAPOL</a:t>
+            </a:r>
+            <a:endParaRPr lang="en-AU" dirty="0"/>
+          </a:p>
+        </p:txBody>
+      </p:sp>
+      <p:sp>
+        <p:nvSpPr>
+          <p:cNvPr id="4" name="Slide Number Placeholder 3"/>
+          <p:cNvSpPr>
+            <a:spLocks noGrp="1"/>
+          </p:cNvSpPr>
+          <p:nvPr>
+            <p:ph type="sldNum" sz="quarter" idx="5"/>
+          </p:nvPr>
+        </p:nvSpPr>
+        <p:spPr/>
+        <p:txBody>
+          <a:bodyPr/>
+          <a:lstStyle/>
+          <a:p>
+            <a:fld id="{642C7DC8-68F0-4E3C-86F5-A8478297BF26}" type="slidenum">
+              <a:rPr lang="en-AU" smtClean="0"/>
+              <a:t>2</a:t>
+            </a:fld>
+            <a:endParaRPr lang="en-AU"/>
+          </a:p>
+        </p:txBody>
+      </p:sp>
+    </p:spTree>
+    <p:extLst>
+      <p:ext uri="{BB962C8B-B14F-4D97-AF65-F5344CB8AC3E}">
+        <p14:creationId xmlns:p14="http://schemas.microsoft.com/office/powerpoint/2010/main" val="2623984319"/>
+      </p:ext>
+    </p:extLst>
+  </p:cSld>
+  <p:clrMapOvr>
+    <a:masterClrMapping/>
+  </p:clrMapOvr>
+</p:notes>
 </file>
 
 <file path=ppt/slideLayouts/slideLayout1.xml><?xml version="1.0" encoding="utf-8"?>
@@ -3370,37 +3921,76 @@
             <p:ph type="ctrTitle"/>
           </p:nvPr>
         </p:nvSpPr>
+        <p:spPr>
+          <a:solidFill>
+            <a:schemeClr val="bg2">
+              <a:lumMod val="25000"/>
+            </a:schemeClr>
+          </a:solidFill>
+        </p:spPr>
+        <p:txBody>
+          <a:bodyPr anchor="ctr"/>
+          <a:lstStyle/>
+          <a:p>
+            <a:r>
+              <a:rPr lang="en-US" dirty="0">
+                <a:solidFill>
+                  <a:schemeClr val="bg1"/>
+                </a:solidFill>
+              </a:rPr>
+              <a:t>The Effect of Covid-19 on Domestic Violence in WA</a:t>
+            </a:r>
+            <a:endParaRPr lang="en-AU" dirty="0">
+              <a:solidFill>
+                <a:schemeClr val="bg1"/>
+              </a:solidFill>
+            </a:endParaRPr>
+          </a:p>
+        </p:txBody>
+      </p:sp>
+      <p:sp>
+        <p:nvSpPr>
+          <p:cNvPr id="3" name="Subtitle 2">
+            <a:extLst>
+              <a:ext uri="{FF2B5EF4-FFF2-40B4-BE49-F238E27FC236}">
+                <a16:creationId xmlns:a16="http://schemas.microsoft.com/office/drawing/2014/main" id="{94454114-CA73-482F-AB1B-973DE478F746}"/>
+              </a:ext>
+            </a:extLst>
+          </p:cNvPr>
+          <p:cNvSpPr>
+            <a:spLocks noGrp="1"/>
+          </p:cNvSpPr>
+          <p:nvPr>
+            <p:ph type="subTitle" idx="1"/>
+          </p:nvPr>
+        </p:nvSpPr>
         <p:spPr/>
         <p:txBody>
           <a:bodyPr/>
           <a:lstStyle/>
           <a:p>
+            <a:r>
+              <a:rPr lang="en-US" dirty="0"/>
+              <a:t>Fern Bradder</a:t>
+            </a:r>
+          </a:p>
+          <a:p>
+            <a:r>
+              <a:rPr lang="en-US" dirty="0"/>
+              <a:t>Sri </a:t>
+            </a:r>
+            <a:r>
+              <a:rPr lang="en-US" dirty="0" err="1"/>
+              <a:t>Vegunta</a:t>
+            </a:r>
+            <a:endParaRPr lang="en-US" dirty="0"/>
+          </a:p>
+          <a:p>
+            <a:r>
+              <a:rPr lang="en-US" dirty="0"/>
+              <a:t>Petra Moyle</a:t>
+            </a:r>
             <a:endParaRPr lang="en-AU" dirty="0"/>
-          </a:p>
-        </p:txBody>
-      </p:sp>
-      <p:sp>
-        <p:nvSpPr>
-          <p:cNvPr id="3" name="Subtitle 2">
-            <a:extLst>
-              <a:ext uri="{FF2B5EF4-FFF2-40B4-BE49-F238E27FC236}">
-                <a16:creationId xmlns:a16="http://schemas.microsoft.com/office/drawing/2014/main" id="{94454114-CA73-482F-AB1B-973DE478F746}"/>
-              </a:ext>
-            </a:extLst>
-          </p:cNvPr>
-          <p:cNvSpPr>
-            <a:spLocks noGrp="1"/>
-          </p:cNvSpPr>
-          <p:nvPr>
-            <p:ph type="subTitle" idx="1"/>
-          </p:nvPr>
-        </p:nvSpPr>
-        <p:spPr/>
-        <p:txBody>
-          <a:bodyPr/>
-          <a:lstStyle/>
-          <a:p>
-            <a:endParaRPr lang="en-AU"/>
           </a:p>
         </p:txBody>
       </p:sp>
@@ -3408,6 +3998,623 @@
     <p:extLst>
       <p:ext uri="{BB962C8B-B14F-4D97-AF65-F5344CB8AC3E}">
         <p14:creationId xmlns:p14="http://schemas.microsoft.com/office/powerpoint/2010/main" val="4096346876"/>
+      </p:ext>
+    </p:extLst>
+  </p:cSld>
+  <p:clrMapOvr>
+    <a:masterClrMapping/>
+  </p:clrMapOvr>
+</p:sld>
+</file>
+
+<file path=ppt/slides/slide10.xml><?xml version="1.0" encoding="utf-8"?>
+<p:sld xmlns:a="http://schemas.openxmlformats.org/drawingml/2006/main" xmlns:r="http://schemas.openxmlformats.org/officeDocument/2006/relationships" xmlns:p="http://schemas.openxmlformats.org/presentationml/2006/main">
+  <p:cSld>
+    <p:bg>
+      <p:bgPr>
+        <a:solidFill>
+          <a:schemeClr val="bg1"/>
+        </a:solidFill>
+        <a:effectLst/>
+      </p:bgPr>
+    </p:bg>
+    <p:spTree>
+      <p:nvGrpSpPr>
+        <p:cNvPr id="1" name=""/>
+        <p:cNvGrpSpPr/>
+        <p:nvPr/>
+      </p:nvGrpSpPr>
+      <p:grpSpPr>
+        <a:xfrm>
+          <a:off x="0" y="0"/>
+          <a:ext cx="0" cy="0"/>
+          <a:chOff x="0" y="0"/>
+          <a:chExt cx="0" cy="0"/>
+        </a:xfrm>
+      </p:grpSpPr>
+      <p:sp>
+        <p:nvSpPr>
+          <p:cNvPr id="13" name="Rectangle 12">
+            <a:extLst>
+              <a:ext uri="{FF2B5EF4-FFF2-40B4-BE49-F238E27FC236}">
+                <a16:creationId xmlns:a16="http://schemas.microsoft.com/office/drawing/2014/main" id="{FF9B822F-893E-44C8-963C-64F50ACECBB2}"/>
+              </a:ext>
+              <a:ext uri="{C183D7F6-B498-43B3-948B-1728B52AA6E4}">
+                <adec:decorative xmlns:adec="http://schemas.microsoft.com/office/drawing/2017/decorative" val="1"/>
+              </a:ext>
+            </a:extLst>
+          </p:cNvPr>
+          <p:cNvSpPr>
+            <a:spLocks noGrp="1" noRot="1" noChangeAspect="1" noMove="1" noResize="1" noEditPoints="1" noAdjustHandles="1" noChangeArrowheads="1" noChangeShapeType="1" noTextEdit="1"/>
+          </p:cNvSpPr>
+          <p:nvPr>
+            <p:extLst>
+              <p:ext uri="{386F3935-93C4-4BCD-93E2-E3B085C9AB24}">
+                <p16:designElem xmlns:p16="http://schemas.microsoft.com/office/powerpoint/2015/main" val="1"/>
+              </p:ext>
+            </p:extLst>
+          </p:nvPr>
+        </p:nvSpPr>
+        <p:spPr>
+          <a:xfrm>
+            <a:off x="0" y="0"/>
+            <a:ext cx="12192000" cy="6858000"/>
+          </a:xfrm>
+          <a:prstGeom prst="rect">
+            <a:avLst/>
+          </a:prstGeom>
+          <a:solidFill>
+            <a:schemeClr val="bg1"/>
+          </a:solidFill>
+          <a:ln w="12700" cap="flat" cmpd="sng" algn="ctr">
+            <a:noFill/>
+            <a:prstDash val="solid"/>
+            <a:miter lim="800000"/>
+          </a:ln>
+          <a:effectLst/>
+          <a:extLst>
+            <a:ext uri="{91240B29-F687-4F45-9708-019B960494DF}">
+              <a14:hiddenLine xmlns:a14="http://schemas.microsoft.com/office/drawing/2010/main" w="12700" cap="flat" cmpd="sng" algn="ctr">
+                <a:solidFill>
+                  <a:schemeClr val="accent1">
+                    <a:shade val="50000"/>
+                  </a:schemeClr>
+                </a:solidFill>
+                <a:prstDash val="solid"/>
+                <a:miter lim="800000"/>
+              </a14:hiddenLine>
+            </a:ext>
+          </a:extLst>
+        </p:spPr>
+        <p:style>
+          <a:lnRef idx="2">
+            <a:schemeClr val="accent1">
+              <a:shade val="50000"/>
+            </a:schemeClr>
+          </a:lnRef>
+          <a:fillRef idx="1">
+            <a:schemeClr val="accent1"/>
+          </a:fillRef>
+          <a:effectRef idx="0">
+            <a:schemeClr val="accent1"/>
+          </a:effectRef>
+          <a:fontRef idx="minor">
+            <a:schemeClr val="lt1"/>
+          </a:fontRef>
+        </p:style>
+        <p:txBody>
+          <a:bodyPr rtlCol="0" anchor="ctr"/>
+          <a:lstStyle/>
+          <a:p>
+            <a:pPr algn="ctr"/>
+            <a:endParaRPr lang="en-US"/>
+          </a:p>
+        </p:txBody>
+      </p:sp>
+      <p:sp>
+        <p:nvSpPr>
+          <p:cNvPr id="15" name="Rectangle 14">
+            <a:extLst>
+              <a:ext uri="{FF2B5EF4-FFF2-40B4-BE49-F238E27FC236}">
+                <a16:creationId xmlns:a16="http://schemas.microsoft.com/office/drawing/2014/main" id="{EBF87945-A001-489F-9D9B-7D9435F0B9CA}"/>
+              </a:ext>
+              <a:ext uri="{C183D7F6-B498-43B3-948B-1728B52AA6E4}">
+                <adec:decorative xmlns:adec="http://schemas.microsoft.com/office/drawing/2017/decorative" val="1"/>
+              </a:ext>
+            </a:extLst>
+          </p:cNvPr>
+          <p:cNvSpPr>
+            <a:spLocks noGrp="1" noRot="1" noChangeAspect="1" noMove="1" noResize="1" noEditPoints="1" noAdjustHandles="1" noChangeArrowheads="1" noChangeShapeType="1" noTextEdit="1"/>
+          </p:cNvSpPr>
+          <p:nvPr>
+            <p:extLst>
+              <p:ext uri="{386F3935-93C4-4BCD-93E2-E3B085C9AB24}">
+                <p16:designElem xmlns:p16="http://schemas.microsoft.com/office/powerpoint/2015/main" val="1"/>
+              </p:ext>
+            </p:extLst>
+          </p:nvPr>
+        </p:nvSpPr>
+        <p:spPr>
+          <a:xfrm>
+            <a:off x="548639" y="347471"/>
+            <a:ext cx="11100816" cy="1801368"/>
+          </a:xfrm>
+          <a:prstGeom prst="rect">
+            <a:avLst/>
+          </a:prstGeom>
+          <a:solidFill>
+            <a:schemeClr val="tx1">
+              <a:lumMod val="75000"/>
+              <a:lumOff val="25000"/>
+            </a:schemeClr>
+          </a:solidFill>
+          <a:ln>
+            <a:noFill/>
+          </a:ln>
+        </p:spPr>
+        <p:style>
+          <a:lnRef idx="2">
+            <a:schemeClr val="accent1">
+              <a:shade val="50000"/>
+            </a:schemeClr>
+          </a:lnRef>
+          <a:fillRef idx="1">
+            <a:schemeClr val="accent1"/>
+          </a:fillRef>
+          <a:effectRef idx="0">
+            <a:schemeClr val="accent1"/>
+          </a:effectRef>
+          <a:fontRef idx="minor">
+            <a:schemeClr val="lt1"/>
+          </a:fontRef>
+        </p:style>
+        <p:txBody>
+          <a:bodyPr rtlCol="0" anchor="ctr"/>
+          <a:lstStyle/>
+          <a:p>
+            <a:pPr algn="ctr"/>
+            <a:endParaRPr lang="en-US"/>
+          </a:p>
+        </p:txBody>
+      </p:sp>
+      <p:sp>
+        <p:nvSpPr>
+          <p:cNvPr id="2" name="Title 1">
+            <a:extLst>
+              <a:ext uri="{FF2B5EF4-FFF2-40B4-BE49-F238E27FC236}">
+                <a16:creationId xmlns:a16="http://schemas.microsoft.com/office/drawing/2014/main" id="{8C29985F-696A-4D65-B7B5-62E63D61278B}"/>
+              </a:ext>
+            </a:extLst>
+          </p:cNvPr>
+          <p:cNvSpPr>
+            <a:spLocks noGrp="1"/>
+          </p:cNvSpPr>
+          <p:nvPr>
+            <p:ph type="title"/>
+          </p:nvPr>
+        </p:nvSpPr>
+        <p:spPr>
+          <a:xfrm>
+            <a:off x="838200" y="573632"/>
+            <a:ext cx="10515600" cy="1325563"/>
+          </a:xfrm>
+        </p:spPr>
+        <p:txBody>
+          <a:bodyPr vert="horz" lIns="91440" tIns="45720" rIns="91440" bIns="45720" rtlCol="0" anchor="ctr">
+            <a:normAutofit/>
+          </a:bodyPr>
+          <a:lstStyle/>
+          <a:p>
+            <a:r>
+              <a:rPr lang="en-US" sz="4400" dirty="0">
+                <a:solidFill>
+                  <a:schemeClr val="bg1"/>
+                </a:solidFill>
+              </a:rPr>
+              <a:t>Sources</a:t>
+            </a:r>
+          </a:p>
+        </p:txBody>
+      </p:sp>
+      <p:sp>
+        <p:nvSpPr>
+          <p:cNvPr id="4" name="Text Placeholder 3">
+            <a:extLst>
+              <a:ext uri="{FF2B5EF4-FFF2-40B4-BE49-F238E27FC236}">
+                <a16:creationId xmlns:a16="http://schemas.microsoft.com/office/drawing/2014/main" id="{56E0BC9C-BDAA-465D-BE62-F3774E1F886A}"/>
+              </a:ext>
+            </a:extLst>
+          </p:cNvPr>
+          <p:cNvSpPr>
+            <a:spLocks noGrp="1"/>
+          </p:cNvSpPr>
+          <p:nvPr>
+            <p:ph type="body" sz="half" idx="2"/>
+          </p:nvPr>
+        </p:nvSpPr>
+        <p:spPr>
+          <a:xfrm>
+            <a:off x="548639" y="2675854"/>
+            <a:ext cx="4667938" cy="3886200"/>
+          </a:xfrm>
+        </p:spPr>
+        <p:txBody>
+          <a:bodyPr vert="horz" lIns="91440" tIns="45720" rIns="91440" bIns="45720" rtlCol="0" anchor="ctr">
+            <a:normAutofit fontScale="70000" lnSpcReduction="20000"/>
+          </a:bodyPr>
+          <a:lstStyle/>
+          <a:p>
+            <a:pPr marL="228600" indent="-457200">
+              <a:buFont typeface="+mj-lt"/>
+              <a:buAutoNum type="arabicPeriod"/>
+            </a:pPr>
+            <a:r>
+              <a:rPr lang="en-US" sz="2200" dirty="0"/>
+              <a:t>WA crime statistics - </a:t>
+            </a:r>
+            <a:r>
+              <a:rPr lang="en-US" sz="2200" dirty="0">
+                <a:hlinkClick r:id="rId2"/>
+              </a:rPr>
+              <a:t>https://www.police.wa.gov.au/Crime/CrimeStatistics#/</a:t>
+            </a:r>
+            <a:endParaRPr lang="en-US" sz="2200" dirty="0"/>
+          </a:p>
+          <a:p>
+            <a:pPr marL="228600" indent="-457200">
+              <a:buFont typeface="+mj-lt"/>
+              <a:buAutoNum type="arabicPeriod"/>
+            </a:pPr>
+            <a:endParaRPr lang="en-US" sz="2200" dirty="0"/>
+          </a:p>
+          <a:p>
+            <a:pPr marL="228600" indent="-457200">
+              <a:buFont typeface="+mj-lt"/>
+              <a:buAutoNum type="arabicPeriod"/>
+            </a:pPr>
+            <a:r>
+              <a:rPr lang="en-US" sz="2200" dirty="0"/>
+              <a:t>WA Parliamentary Library - </a:t>
+            </a:r>
+            <a:r>
+              <a:rPr lang="en-US" sz="2200" dirty="0">
+                <a:hlinkClick r:id="rId3"/>
+              </a:rPr>
+              <a:t>https://profile.id.com.au/wapl/population-estimate?BMID=40</a:t>
+            </a:r>
+            <a:endParaRPr lang="en-US" sz="2200" dirty="0"/>
+          </a:p>
+          <a:p>
+            <a:pPr marL="228600" indent="-457200">
+              <a:buFont typeface="+mj-lt"/>
+              <a:buAutoNum type="arabicPeriod"/>
+            </a:pPr>
+            <a:endParaRPr lang="en-US" sz="2200" dirty="0"/>
+          </a:p>
+          <a:p>
+            <a:pPr marL="228600" indent="-457200">
+              <a:buFont typeface="+mj-lt"/>
+              <a:buAutoNum type="arabicPeriod"/>
+            </a:pPr>
+            <a:r>
+              <a:rPr lang="en-US" sz="2200" dirty="0"/>
+              <a:t>ABS Crime </a:t>
+            </a:r>
+            <a:r>
+              <a:rPr lang="en-US" sz="2200" dirty="0" err="1"/>
+              <a:t>Victimisation</a:t>
+            </a:r>
+            <a:r>
+              <a:rPr lang="en-US" sz="2200" dirty="0"/>
+              <a:t> Report  - </a:t>
+            </a:r>
+            <a:r>
+              <a:rPr lang="en-US" sz="2200" dirty="0">
+                <a:hlinkClick r:id="rId4"/>
+              </a:rPr>
+              <a:t>https://www.abs.gov.au/statistics/people/crime-and-justice/crime-victimisation-australia/latest-release</a:t>
+            </a:r>
+            <a:endParaRPr lang="en-US" sz="2200" dirty="0"/>
+          </a:p>
+          <a:p>
+            <a:pPr marL="228600" indent="-457200">
+              <a:buFont typeface="+mj-lt"/>
+              <a:buAutoNum type="arabicPeriod"/>
+            </a:pPr>
+            <a:endParaRPr lang="en-US" sz="2200" dirty="0"/>
+          </a:p>
+          <a:p>
+            <a:pPr marL="228600" indent="-457200">
+              <a:buFont typeface="+mj-lt"/>
+              <a:buAutoNum type="arabicPeriod"/>
+            </a:pPr>
+            <a:r>
+              <a:rPr lang="en-US" sz="2200" dirty="0"/>
+              <a:t>ABS Personal Safety Report – </a:t>
+            </a:r>
+            <a:r>
+              <a:rPr lang="en-US" sz="2200" dirty="0">
+                <a:hlinkClick r:id="rId5"/>
+              </a:rPr>
+              <a:t>https://www.abs.gov.au/statistics/people/crime-and-justice/personal-safety-australia/latest-release</a:t>
+            </a:r>
+            <a:endParaRPr lang="en-US" sz="2200" dirty="0"/>
+          </a:p>
+          <a:p>
+            <a:pPr indent="-228600">
+              <a:buFont typeface="Arial" panose="020B0604020202020204" pitchFamily="34" charset="0"/>
+              <a:buChar char="•"/>
+            </a:pPr>
+            <a:endParaRPr lang="en-US" sz="2200" dirty="0"/>
+          </a:p>
+          <a:p>
+            <a:endParaRPr lang="en-US" sz="2200" dirty="0"/>
+          </a:p>
+          <a:p>
+            <a:pPr indent="-228600">
+              <a:buFont typeface="Arial" panose="020B0604020202020204" pitchFamily="34" charset="0"/>
+              <a:buChar char="•"/>
+            </a:pPr>
+            <a:endParaRPr lang="en-US" sz="2200" dirty="0"/>
+          </a:p>
+        </p:txBody>
+      </p:sp>
+      <p:sp>
+        <p:nvSpPr>
+          <p:cNvPr id="16" name="Text Placeholder 3">
+            <a:extLst>
+              <a:ext uri="{FF2B5EF4-FFF2-40B4-BE49-F238E27FC236}">
+                <a16:creationId xmlns:a16="http://schemas.microsoft.com/office/drawing/2014/main" id="{2204A806-418A-499B-90E0-FFF27EC32384}"/>
+              </a:ext>
+            </a:extLst>
+          </p:cNvPr>
+          <p:cNvSpPr txBox="1">
+            <a:spLocks/>
+          </p:cNvSpPr>
+          <p:nvPr/>
+        </p:nvSpPr>
+        <p:spPr>
+          <a:xfrm>
+            <a:off x="6370319" y="2145525"/>
+            <a:ext cx="4667938" cy="3886200"/>
+          </a:xfrm>
+          <a:prstGeom prst="rect">
+            <a:avLst/>
+          </a:prstGeom>
+        </p:spPr>
+        <p:txBody>
+          <a:bodyPr vert="horz" lIns="91440" tIns="45720" rIns="91440" bIns="45720" rtlCol="0" anchor="ctr">
+            <a:normAutofit lnSpcReduction="10000"/>
+          </a:bodyPr>
+          <a:lstStyle>
+            <a:lvl1pPr marL="0" indent="0" algn="l" defTabSz="914400" rtl="0" eaLnBrk="1" latinLnBrk="0" hangingPunct="1">
+              <a:lnSpc>
+                <a:spcPct val="90000"/>
+              </a:lnSpc>
+              <a:spcBef>
+                <a:spcPts val="1000"/>
+              </a:spcBef>
+              <a:buFont typeface="Arial" panose="020B0604020202020204" pitchFamily="34" charset="0"/>
+              <a:buNone/>
+              <a:defRPr sz="1600" kern="1200">
+                <a:solidFill>
+                  <a:schemeClr val="tx1"/>
+                </a:solidFill>
+                <a:latin typeface="+mn-lt"/>
+                <a:ea typeface="+mn-ea"/>
+                <a:cs typeface="+mn-cs"/>
+              </a:defRPr>
+            </a:lvl1pPr>
+            <a:lvl2pPr marL="457200" indent="0" algn="l" defTabSz="914400" rtl="0" eaLnBrk="1" latinLnBrk="0" hangingPunct="1">
+              <a:lnSpc>
+                <a:spcPct val="90000"/>
+              </a:lnSpc>
+              <a:spcBef>
+                <a:spcPts val="500"/>
+              </a:spcBef>
+              <a:buFont typeface="Arial" panose="020B0604020202020204" pitchFamily="34" charset="0"/>
+              <a:buNone/>
+              <a:defRPr sz="1400" kern="1200">
+                <a:solidFill>
+                  <a:schemeClr val="tx1"/>
+                </a:solidFill>
+                <a:latin typeface="+mn-lt"/>
+                <a:ea typeface="+mn-ea"/>
+                <a:cs typeface="+mn-cs"/>
+              </a:defRPr>
+            </a:lvl2pPr>
+            <a:lvl3pPr marL="914400" indent="0" algn="l" defTabSz="914400" rtl="0" eaLnBrk="1" latinLnBrk="0" hangingPunct="1">
+              <a:lnSpc>
+                <a:spcPct val="90000"/>
+              </a:lnSpc>
+              <a:spcBef>
+                <a:spcPts val="500"/>
+              </a:spcBef>
+              <a:buFont typeface="Arial" panose="020B0604020202020204" pitchFamily="34" charset="0"/>
+              <a:buNone/>
+              <a:defRPr sz="1200" kern="1200">
+                <a:solidFill>
+                  <a:schemeClr val="tx1"/>
+                </a:solidFill>
+                <a:latin typeface="+mn-lt"/>
+                <a:ea typeface="+mn-ea"/>
+                <a:cs typeface="+mn-cs"/>
+              </a:defRPr>
+            </a:lvl3pPr>
+            <a:lvl4pPr marL="1371600" indent="0" algn="l" defTabSz="914400" rtl="0" eaLnBrk="1" latinLnBrk="0" hangingPunct="1">
+              <a:lnSpc>
+                <a:spcPct val="90000"/>
+              </a:lnSpc>
+              <a:spcBef>
+                <a:spcPts val="500"/>
+              </a:spcBef>
+              <a:buFont typeface="Arial" panose="020B0604020202020204" pitchFamily="34" charset="0"/>
+              <a:buNone/>
+              <a:defRPr sz="1000" kern="1200">
+                <a:solidFill>
+                  <a:schemeClr val="tx1"/>
+                </a:solidFill>
+                <a:latin typeface="+mn-lt"/>
+                <a:ea typeface="+mn-ea"/>
+                <a:cs typeface="+mn-cs"/>
+              </a:defRPr>
+            </a:lvl4pPr>
+            <a:lvl5pPr marL="1828800" indent="0" algn="l" defTabSz="914400" rtl="0" eaLnBrk="1" latinLnBrk="0" hangingPunct="1">
+              <a:lnSpc>
+                <a:spcPct val="90000"/>
+              </a:lnSpc>
+              <a:spcBef>
+                <a:spcPts val="500"/>
+              </a:spcBef>
+              <a:buFont typeface="Arial" panose="020B0604020202020204" pitchFamily="34" charset="0"/>
+              <a:buNone/>
+              <a:defRPr sz="1000" kern="1200">
+                <a:solidFill>
+                  <a:schemeClr val="tx1"/>
+                </a:solidFill>
+                <a:latin typeface="+mn-lt"/>
+                <a:ea typeface="+mn-ea"/>
+                <a:cs typeface="+mn-cs"/>
+              </a:defRPr>
+            </a:lvl5pPr>
+            <a:lvl6pPr marL="2286000" indent="0" algn="l" defTabSz="914400" rtl="0" eaLnBrk="1" latinLnBrk="0" hangingPunct="1">
+              <a:lnSpc>
+                <a:spcPct val="90000"/>
+              </a:lnSpc>
+              <a:spcBef>
+                <a:spcPts val="500"/>
+              </a:spcBef>
+              <a:buFont typeface="Arial" panose="020B0604020202020204" pitchFamily="34" charset="0"/>
+              <a:buNone/>
+              <a:defRPr sz="1000" kern="1200">
+                <a:solidFill>
+                  <a:schemeClr val="tx1"/>
+                </a:solidFill>
+                <a:latin typeface="+mn-lt"/>
+                <a:ea typeface="+mn-ea"/>
+                <a:cs typeface="+mn-cs"/>
+              </a:defRPr>
+            </a:lvl6pPr>
+            <a:lvl7pPr marL="2743200" indent="0" algn="l" defTabSz="914400" rtl="0" eaLnBrk="1" latinLnBrk="0" hangingPunct="1">
+              <a:lnSpc>
+                <a:spcPct val="90000"/>
+              </a:lnSpc>
+              <a:spcBef>
+                <a:spcPts val="500"/>
+              </a:spcBef>
+              <a:buFont typeface="Arial" panose="020B0604020202020204" pitchFamily="34" charset="0"/>
+              <a:buNone/>
+              <a:defRPr sz="1000" kern="1200">
+                <a:solidFill>
+                  <a:schemeClr val="tx1"/>
+                </a:solidFill>
+                <a:latin typeface="+mn-lt"/>
+                <a:ea typeface="+mn-ea"/>
+                <a:cs typeface="+mn-cs"/>
+              </a:defRPr>
+            </a:lvl7pPr>
+            <a:lvl8pPr marL="3200400" indent="0" algn="l" defTabSz="914400" rtl="0" eaLnBrk="1" latinLnBrk="0" hangingPunct="1">
+              <a:lnSpc>
+                <a:spcPct val="90000"/>
+              </a:lnSpc>
+              <a:spcBef>
+                <a:spcPts val="500"/>
+              </a:spcBef>
+              <a:buFont typeface="Arial" panose="020B0604020202020204" pitchFamily="34" charset="0"/>
+              <a:buNone/>
+              <a:defRPr sz="1000" kern="1200">
+                <a:solidFill>
+                  <a:schemeClr val="tx1"/>
+                </a:solidFill>
+                <a:latin typeface="+mn-lt"/>
+                <a:ea typeface="+mn-ea"/>
+                <a:cs typeface="+mn-cs"/>
+              </a:defRPr>
+            </a:lvl8pPr>
+            <a:lvl9pPr marL="3657600" indent="0" algn="l" defTabSz="914400" rtl="0" eaLnBrk="1" latinLnBrk="0" hangingPunct="1">
+              <a:lnSpc>
+                <a:spcPct val="90000"/>
+              </a:lnSpc>
+              <a:spcBef>
+                <a:spcPts val="500"/>
+              </a:spcBef>
+              <a:buFont typeface="Arial" panose="020B0604020202020204" pitchFamily="34" charset="0"/>
+              <a:buNone/>
+              <a:defRPr sz="1000" kern="1200">
+                <a:solidFill>
+                  <a:schemeClr val="tx1"/>
+                </a:solidFill>
+                <a:latin typeface="+mn-lt"/>
+                <a:ea typeface="+mn-ea"/>
+                <a:cs typeface="+mn-cs"/>
+              </a:defRPr>
+            </a:lvl9pPr>
+          </a:lstStyle>
+          <a:p>
+            <a:endParaRPr lang="en-US" sz="2200" dirty="0"/>
+          </a:p>
+          <a:p>
+            <a:r>
+              <a:rPr lang="en-US" sz="2200" dirty="0"/>
+              <a:t>5. WAPOL District Boundaries - </a:t>
+            </a:r>
+            <a:r>
+              <a:rPr lang="en-US" sz="2200" dirty="0">
+                <a:hlinkClick r:id="rId6"/>
+              </a:rPr>
+              <a:t>https://catalogue.data.wa.gov.au/dataset/wa-police-district-boundaries</a:t>
+            </a:r>
+            <a:endParaRPr lang="en-US" sz="2200" dirty="0"/>
+          </a:p>
+          <a:p>
+            <a:endParaRPr lang="en-US" sz="2200" dirty="0"/>
+          </a:p>
+          <a:p>
+            <a:r>
+              <a:rPr lang="en-US" sz="2200" dirty="0"/>
+              <a:t>6. The Guardian API – </a:t>
+            </a:r>
+            <a:r>
+              <a:rPr lang="en-US" sz="2200" dirty="0">
+                <a:hlinkClick r:id="rId7"/>
+              </a:rPr>
+              <a:t>https://open-platform.theguardian.com/</a:t>
+            </a:r>
+            <a:endParaRPr lang="en-US" sz="2200" dirty="0"/>
+          </a:p>
+          <a:p>
+            <a:pPr indent="-228600">
+              <a:buFont typeface="Arial" panose="020B0604020202020204" pitchFamily="34" charset="0"/>
+              <a:buChar char="•"/>
+            </a:pPr>
+            <a:endParaRPr lang="en-US" sz="2200" dirty="0"/>
+          </a:p>
+          <a:p>
+            <a:r>
+              <a:rPr lang="en-US" sz="2200" dirty="0"/>
+              <a:t>7. Google Trends - </a:t>
+            </a:r>
+            <a:r>
+              <a:rPr lang="en-US" sz="2200" dirty="0">
+                <a:hlinkClick r:id="rId8"/>
+              </a:rPr>
+              <a:t>https://trends.google.com/trends/?geo=AU</a:t>
+            </a:r>
+            <a:endParaRPr lang="en-US" sz="2200" dirty="0"/>
+          </a:p>
+          <a:p>
+            <a:pPr indent="-228600">
+              <a:buFont typeface="Arial" panose="020B0604020202020204" pitchFamily="34" charset="0"/>
+              <a:buChar char="•"/>
+            </a:pPr>
+            <a:endParaRPr lang="en-US" sz="2200" dirty="0"/>
+          </a:p>
+        </p:txBody>
+      </p:sp>
+    </p:spTree>
+    <p:extLst>
+      <p:ext uri="{BB962C8B-B14F-4D97-AF65-F5344CB8AC3E}">
+        <p14:creationId xmlns:p14="http://schemas.microsoft.com/office/powerpoint/2010/main" val="2417921969"/>
       </p:ext>
     </p:extLst>
   </p:cSld>
@@ -3423,9 +4630,8 @@
     <p:bg>
       <p:bgPr>
         <a:solidFill>
-          <a:schemeClr val="tx1">
-            <a:lumMod val="65000"/>
-            <a:lumOff val="35000"/>
+          <a:schemeClr val="bg2">
+            <a:lumMod val="25000"/>
           </a:schemeClr>
         </a:solidFill>
         <a:effectLst/>
@@ -3462,7 +4668,7 @@
           </p:nvPr>
         </p:nvPicPr>
         <p:blipFill>
-          <a:blip r:embed="rId2">
+          <a:blip r:embed="rId3">
             <a:extLst>
               <a:ext uri="{28A0092B-C50C-407E-A947-70E740481C1C}">
                 <a14:useLocalDpi xmlns:a14="http://schemas.microsoft.com/office/drawing/2010/main" val="0"/>
@@ -4059,10 +5265,50 @@
           </a:p>
         </p:txBody>
       </p:sp>
+      <p:sp>
+        <p:nvSpPr>
+          <p:cNvPr id="6" name="TextBox 5">
+            <a:extLst>
+              <a:ext uri="{FF2B5EF4-FFF2-40B4-BE49-F238E27FC236}">
+                <a16:creationId xmlns:a16="http://schemas.microsoft.com/office/drawing/2014/main" id="{C987D19C-AF58-4261-85BD-EC96F1129277}"/>
+              </a:ext>
+            </a:extLst>
+          </p:cNvPr>
+          <p:cNvSpPr txBox="1"/>
+          <p:nvPr/>
+        </p:nvSpPr>
+        <p:spPr>
+          <a:xfrm>
+            <a:off x="548639" y="6299651"/>
+            <a:ext cx="1774836" cy="369332"/>
+          </a:xfrm>
+          <a:prstGeom prst="rect">
+            <a:avLst/>
+          </a:prstGeom>
+          <a:noFill/>
+        </p:spPr>
+        <p:txBody>
+          <a:bodyPr wrap="square" rtlCol="0">
+            <a:spAutoFit/>
+          </a:bodyPr>
+          <a:lstStyle/>
+          <a:p>
+            <a:r>
+              <a:rPr lang="en-US" dirty="0"/>
+              <a:t>Calculated</a:t>
+            </a:r>
+            <a:r>
+              <a:rPr lang="en-US" baseline="30000" dirty="0"/>
+              <a:t>1,2</a:t>
+            </a:r>
+            <a:endParaRPr lang="en-AU" baseline="30000" dirty="0"/>
+          </a:p>
+        </p:txBody>
+      </p:sp>
     </p:spTree>
     <p:extLst>
       <p:ext uri="{BB962C8B-B14F-4D97-AF65-F5344CB8AC3E}">
-        <p14:creationId xmlns:p14="http://schemas.microsoft.com/office/powerpoint/2010/main" val="2417921969"/>
+        <p14:creationId xmlns:p14="http://schemas.microsoft.com/office/powerpoint/2010/main" val="1004985326"/>
       </p:ext>
     </p:extLst>
   </p:cSld>
@@ -4364,6 +5610,46 @@
               <a:rPr lang="en-US" sz="2200" dirty="0"/>
               <a:t>Most crimes have decreased, stealing had decreased the most (enter %)</a:t>
             </a:r>
+          </a:p>
+        </p:txBody>
+      </p:sp>
+      <p:sp>
+        <p:nvSpPr>
+          <p:cNvPr id="7" name="TextBox 6">
+            <a:extLst>
+              <a:ext uri="{FF2B5EF4-FFF2-40B4-BE49-F238E27FC236}">
+                <a16:creationId xmlns:a16="http://schemas.microsoft.com/office/drawing/2014/main" id="{5072554C-8D6D-4F35-98DF-B3969817DD47}"/>
+              </a:ext>
+            </a:extLst>
+          </p:cNvPr>
+          <p:cNvSpPr txBox="1"/>
+          <p:nvPr/>
+        </p:nvSpPr>
+        <p:spPr>
+          <a:xfrm>
+            <a:off x="548639" y="6299651"/>
+            <a:ext cx="1774836" cy="369332"/>
+          </a:xfrm>
+          <a:prstGeom prst="rect">
+            <a:avLst/>
+          </a:prstGeom>
+          <a:noFill/>
+        </p:spPr>
+        <p:txBody>
+          <a:bodyPr wrap="square" rtlCol="0">
+            <a:spAutoFit/>
+          </a:bodyPr>
+          <a:lstStyle/>
+          <a:p>
+            <a:r>
+              <a:rPr lang="en-US" dirty="0"/>
+              <a:t>Calculated</a:t>
+            </a:r>
+            <a:r>
+              <a:rPr lang="en-US" baseline="30000" dirty="0"/>
+              <a:t>1,2</a:t>
+            </a:r>
+            <a:endParaRPr lang="en-AU" baseline="30000" dirty="0"/>
           </a:p>
         </p:txBody>
       </p:sp>
@@ -4604,7 +5890,7 @@
           <p:nvPr>
             <p:extLst>
               <p:ext uri="{D42A27DB-BD31-4B8C-83A1-F6EECF244321}">
-                <p14:modId xmlns:p14="http://schemas.microsoft.com/office/powerpoint/2010/main" val="1783391493"/>
+                <p14:modId xmlns:p14="http://schemas.microsoft.com/office/powerpoint/2010/main" val="2452158900"/>
               </p:ext>
             </p:extLst>
           </p:nvPr>
@@ -4639,7 +5925,11 @@
                         <a:rPr lang="en-US" dirty="0"/>
                         <a:t>Selection from 200 Guardian headlines on DV and lockdown</a:t>
                       </a:r>
-                      <a:endParaRPr lang="en-AU" dirty="0"/>
+                      <a:r>
+                        <a:rPr lang="en-US" baseline="30000" dirty="0"/>
+                        <a:t>6</a:t>
+                      </a:r>
+                      <a:endParaRPr lang="en-AU" baseline="30000" dirty="0"/>
                     </a:p>
                   </a:txBody>
                   <a:tcPr/>
@@ -5238,6 +6528,86 @@
           </a:p>
         </p:txBody>
       </p:sp>
+      <p:sp>
+        <p:nvSpPr>
+          <p:cNvPr id="13" name="TextBox 12">
+            <a:extLst>
+              <a:ext uri="{FF2B5EF4-FFF2-40B4-BE49-F238E27FC236}">
+                <a16:creationId xmlns:a16="http://schemas.microsoft.com/office/drawing/2014/main" id="{0A6475A5-6185-45DD-977A-AAAE4AD03418}"/>
+              </a:ext>
+            </a:extLst>
+          </p:cNvPr>
+          <p:cNvSpPr txBox="1"/>
+          <p:nvPr/>
+        </p:nvSpPr>
+        <p:spPr>
+          <a:xfrm>
+            <a:off x="548639" y="6299651"/>
+            <a:ext cx="1774836" cy="369332"/>
+          </a:xfrm>
+          <a:prstGeom prst="rect">
+            <a:avLst/>
+          </a:prstGeom>
+          <a:noFill/>
+        </p:spPr>
+        <p:txBody>
+          <a:bodyPr wrap="square" rtlCol="0">
+            <a:spAutoFit/>
+          </a:bodyPr>
+          <a:lstStyle/>
+          <a:p>
+            <a:r>
+              <a:rPr lang="en-US" dirty="0"/>
+              <a:t>Calculated</a:t>
+            </a:r>
+            <a:r>
+              <a:rPr lang="en-US" baseline="30000" dirty="0"/>
+              <a:t>1,2</a:t>
+            </a:r>
+            <a:endParaRPr lang="en-AU" baseline="30000" dirty="0"/>
+          </a:p>
+        </p:txBody>
+      </p:sp>
+      <p:sp>
+        <p:nvSpPr>
+          <p:cNvPr id="14" name="TextBox 13">
+            <a:extLst>
+              <a:ext uri="{FF2B5EF4-FFF2-40B4-BE49-F238E27FC236}">
+                <a16:creationId xmlns:a16="http://schemas.microsoft.com/office/drawing/2014/main" id="{D53F5D02-D8CF-428B-B180-C7CAB3D1B658}"/>
+              </a:ext>
+            </a:extLst>
+          </p:cNvPr>
+          <p:cNvSpPr txBox="1"/>
+          <p:nvPr/>
+        </p:nvSpPr>
+        <p:spPr>
+          <a:xfrm>
+            <a:off x="1837130" y="6299651"/>
+            <a:ext cx="1774836" cy="369332"/>
+          </a:xfrm>
+          <a:prstGeom prst="rect">
+            <a:avLst/>
+          </a:prstGeom>
+          <a:noFill/>
+        </p:spPr>
+        <p:txBody>
+          <a:bodyPr wrap="square" rtlCol="0">
+            <a:spAutoFit/>
+          </a:bodyPr>
+          <a:lstStyle/>
+          <a:p>
+            <a:r>
+              <a:rPr lang="en-US" dirty="0"/>
+              <a:t>Map</a:t>
+            </a:r>
+            <a:r>
+              <a:rPr lang="en-US" baseline="30000" dirty="0"/>
+              <a:t>5</a:t>
+            </a:r>
+            <a:endParaRPr lang="en-AU" baseline="30000" dirty="0"/>
+          </a:p>
+        </p:txBody>
+      </p:sp>
     </p:spTree>
     <p:extLst>
       <p:ext uri="{BB962C8B-B14F-4D97-AF65-F5344CB8AC3E}">
@@ -5368,6 +6738,10 @@
               <a:rPr lang="en-AU" dirty="0"/>
               <a:t>Google Search Trends</a:t>
             </a:r>
+            <a:r>
+              <a:rPr lang="en-AU" baseline="30000" dirty="0"/>
+              <a:t>7</a:t>
+            </a:r>
           </a:p>
           <a:p>
             <a:pPr marL="742950" lvl="1" indent="-285750">
@@ -5484,107 +6858,24 @@
           <a:chExt cx="0" cy="0"/>
         </a:xfrm>
       </p:grpSpPr>
-      <p:pic>
-        <p:nvPicPr>
-          <p:cNvPr id="6" name="Picture Placeholder 5" descr="Chart, scatter chart&#10;&#10;Description automatically generated">
-            <a:extLst>
-              <a:ext uri="{FF2B5EF4-FFF2-40B4-BE49-F238E27FC236}">
-                <a16:creationId xmlns:a16="http://schemas.microsoft.com/office/drawing/2014/main" id="{AC5D8DF1-BDE2-42E4-82C2-2E4FD20B765D}"/>
-              </a:ext>
-            </a:extLst>
-          </p:cNvPr>
-          <p:cNvPicPr>
-            <a:picLocks noGrp="1" noChangeAspect="1"/>
-          </p:cNvPicPr>
-          <p:nvPr>
-            <p:ph type="pic" idx="1"/>
-          </p:nvPr>
-        </p:nvPicPr>
-        <p:blipFill rotWithShape="1">
-          <a:blip r:embed="rId2">
-            <a:extLst>
-              <a:ext uri="{28A0092B-C50C-407E-A947-70E740481C1C}">
-                <a14:useLocalDpi xmlns:a14="http://schemas.microsoft.com/office/drawing/2010/main" val="0"/>
-              </a:ext>
-            </a:extLst>
-          </a:blip>
-          <a:srcRect l="-485" t="-2670" r="-635" b="-3921"/>
-          <a:stretch/>
-        </p:blipFill>
+      <p:sp>
+        <p:nvSpPr>
+          <p:cNvPr id="5" name="Title 1">
+            <a:extLst>
+              <a:ext uri="{FF2B5EF4-FFF2-40B4-BE49-F238E27FC236}">
+                <a16:creationId xmlns:a16="http://schemas.microsoft.com/office/drawing/2014/main" id="{499D6E07-8883-46CA-BE34-6973CD3D010A}"/>
+              </a:ext>
+            </a:extLst>
+          </p:cNvPr>
+          <p:cNvSpPr txBox="1">
+            <a:spLocks/>
+          </p:cNvSpPr>
+          <p:nvPr/>
+        </p:nvSpPr>
         <p:spPr>
           <a:xfrm>
-            <a:off x="3613213" y="1985487"/>
-            <a:ext cx="8302244" cy="4668326"/>
-          </a:xfrm>
-        </p:spPr>
-      </p:pic>
-      <p:sp>
-        <p:nvSpPr>
-          <p:cNvPr id="4" name="Text Placeholder 3">
-            <a:extLst>
-              <a:ext uri="{FF2B5EF4-FFF2-40B4-BE49-F238E27FC236}">
-                <a16:creationId xmlns:a16="http://schemas.microsoft.com/office/drawing/2014/main" id="{56E0BC9C-BDAA-465D-BE62-F3774E1F886A}"/>
-              </a:ext>
-            </a:extLst>
-          </p:cNvPr>
-          <p:cNvSpPr>
-            <a:spLocks noGrp="1"/>
-          </p:cNvSpPr>
-          <p:nvPr>
-            <p:ph type="body" sz="half" idx="2"/>
-          </p:nvPr>
-        </p:nvSpPr>
-        <p:spPr>
-          <a:xfrm>
-            <a:off x="839789" y="2057400"/>
-            <a:ext cx="2773424" cy="3811588"/>
-          </a:xfrm>
-        </p:spPr>
-        <p:txBody>
-          <a:bodyPr/>
-          <a:lstStyle/>
-          <a:p>
-            <a:pPr marL="285750" indent="-285750">
-              <a:buFont typeface="Arial" panose="020B0604020202020204" pitchFamily="34" charset="0"/>
-              <a:buChar char="•"/>
-            </a:pPr>
-            <a:r>
-              <a:rPr lang="en-US" dirty="0"/>
-              <a:t>Weak correlation between helpline search and crime rate</a:t>
-            </a:r>
-          </a:p>
-          <a:p>
-            <a:pPr marL="285750" indent="-285750">
-              <a:buFont typeface="Arial" panose="020B0604020202020204" pitchFamily="34" charset="0"/>
-              <a:buChar char="•"/>
-            </a:pPr>
-            <a:endParaRPr lang="en-US" dirty="0"/>
-          </a:p>
-          <a:p>
-            <a:endParaRPr lang="en-AU" dirty="0"/>
-          </a:p>
-        </p:txBody>
-      </p:sp>
-      <p:sp>
-        <p:nvSpPr>
-          <p:cNvPr id="5" name="Title 1">
-            <a:extLst>
-              <a:ext uri="{FF2B5EF4-FFF2-40B4-BE49-F238E27FC236}">
-                <a16:creationId xmlns:a16="http://schemas.microsoft.com/office/drawing/2014/main" id="{861F48DA-3189-48D5-84BB-64EAE364A011}"/>
-              </a:ext>
-            </a:extLst>
-          </p:cNvPr>
-          <p:cNvSpPr txBox="1">
-            <a:spLocks noGrp="1"/>
-          </p:cNvSpPr>
-          <p:nvPr>
-            <p:ph type="title"/>
-          </p:nvPr>
-        </p:nvSpPr>
-        <p:spPr>
-          <a:xfrm>
-            <a:off x="484682" y="268288"/>
-            <a:ext cx="11322619" cy="1600200"/>
+            <a:off x="229250" y="186938"/>
+            <a:ext cx="4749554" cy="1216559"/>
           </a:xfrm>
           <a:prstGeom prst="rect">
             <a:avLst/>
@@ -5625,8 +6916,548 @@
                   <a:schemeClr val="bg1"/>
                 </a:solidFill>
               </a:rPr>
+              <a:t>How can we better observe the problem?</a:t>
+            </a:r>
+          </a:p>
+        </p:txBody>
+      </p:sp>
+      <p:pic>
+        <p:nvPicPr>
+          <p:cNvPr id="9" name="Picture 8">
+            <a:extLst>
+              <a:ext uri="{FF2B5EF4-FFF2-40B4-BE49-F238E27FC236}">
+                <a16:creationId xmlns:a16="http://schemas.microsoft.com/office/drawing/2014/main" id="{5B5C5490-4CFE-4705-AFD7-6EFBD20D9BE0}"/>
+              </a:ext>
+            </a:extLst>
+          </p:cNvPr>
+          <p:cNvPicPr>
+            <a:picLocks noChangeAspect="1"/>
+          </p:cNvPicPr>
+          <p:nvPr/>
+        </p:nvPicPr>
+        <p:blipFill>
+          <a:blip r:embed="rId2"/>
+          <a:stretch>
+            <a:fillRect/>
+          </a:stretch>
+        </p:blipFill>
+        <p:spPr>
+          <a:xfrm>
+            <a:off x="5014810" y="136491"/>
+            <a:ext cx="4105275" cy="5457825"/>
+          </a:xfrm>
+          <a:prstGeom prst="rect">
+            <a:avLst/>
+          </a:prstGeom>
+        </p:spPr>
+      </p:pic>
+      <p:cxnSp>
+        <p:nvCxnSpPr>
+          <p:cNvPr id="15" name="Straight Arrow Connector 14">
+            <a:extLst>
+              <a:ext uri="{FF2B5EF4-FFF2-40B4-BE49-F238E27FC236}">
+                <a16:creationId xmlns:a16="http://schemas.microsoft.com/office/drawing/2014/main" id="{EA6FF5A0-8BC4-4A9B-8C75-5200EEC2584C}"/>
+              </a:ext>
+            </a:extLst>
+          </p:cNvPr>
+          <p:cNvCxnSpPr/>
+          <p:nvPr/>
+        </p:nvCxnSpPr>
+        <p:spPr>
+          <a:xfrm>
+            <a:off x="3711243" y="2856023"/>
+            <a:ext cx="1813810" cy="0"/>
+          </a:xfrm>
+          <a:prstGeom prst="straightConnector1">
+            <a:avLst/>
+          </a:prstGeom>
+          <a:ln w="28575">
+            <a:tailEnd type="triangle"/>
+          </a:ln>
+        </p:spPr>
+        <p:style>
+          <a:lnRef idx="1">
+            <a:schemeClr val="accent1"/>
+          </a:lnRef>
+          <a:fillRef idx="0">
+            <a:schemeClr val="accent1"/>
+          </a:fillRef>
+          <a:effectRef idx="0">
+            <a:schemeClr val="accent1"/>
+          </a:effectRef>
+          <a:fontRef idx="minor">
+            <a:schemeClr val="tx1"/>
+          </a:fontRef>
+        </p:style>
+      </p:cxnSp>
+      <p:cxnSp>
+        <p:nvCxnSpPr>
+          <p:cNvPr id="16" name="Straight Arrow Connector 15">
+            <a:extLst>
+              <a:ext uri="{FF2B5EF4-FFF2-40B4-BE49-F238E27FC236}">
+                <a16:creationId xmlns:a16="http://schemas.microsoft.com/office/drawing/2014/main" id="{F8CD50E9-E5B9-425D-BBC2-B187A5CC6D66}"/>
+              </a:ext>
+            </a:extLst>
+          </p:cNvPr>
+          <p:cNvCxnSpPr/>
+          <p:nvPr/>
+        </p:nvCxnSpPr>
+        <p:spPr>
+          <a:xfrm>
+            <a:off x="3934122" y="4694417"/>
+            <a:ext cx="1813810" cy="0"/>
+          </a:xfrm>
+          <a:prstGeom prst="straightConnector1">
+            <a:avLst/>
+          </a:prstGeom>
+          <a:ln w="28575">
+            <a:tailEnd type="triangle"/>
+          </a:ln>
+        </p:spPr>
+        <p:style>
+          <a:lnRef idx="1">
+            <a:schemeClr val="accent1"/>
+          </a:lnRef>
+          <a:fillRef idx="0">
+            <a:schemeClr val="accent1"/>
+          </a:fillRef>
+          <a:effectRef idx="0">
+            <a:schemeClr val="accent1"/>
+          </a:effectRef>
+          <a:fontRef idx="minor">
+            <a:schemeClr val="tx1"/>
+          </a:fontRef>
+        </p:style>
+      </p:cxnSp>
+      <p:sp>
+        <p:nvSpPr>
+          <p:cNvPr id="17" name="TextBox 16">
+            <a:extLst>
+              <a:ext uri="{FF2B5EF4-FFF2-40B4-BE49-F238E27FC236}">
+                <a16:creationId xmlns:a16="http://schemas.microsoft.com/office/drawing/2014/main" id="{DC7D5002-27FF-4C07-BABC-C33D350BAF9C}"/>
+              </a:ext>
+            </a:extLst>
+          </p:cNvPr>
+          <p:cNvSpPr txBox="1"/>
+          <p:nvPr/>
+        </p:nvSpPr>
+        <p:spPr>
+          <a:xfrm>
+            <a:off x="947901" y="1910237"/>
+            <a:ext cx="2763342" cy="1477328"/>
+          </a:xfrm>
+          <a:prstGeom prst="rect">
+            <a:avLst/>
+          </a:prstGeom>
+          <a:noFill/>
+        </p:spPr>
+        <p:txBody>
+          <a:bodyPr wrap="square" rtlCol="0">
+            <a:spAutoFit/>
+          </a:bodyPr>
+          <a:lstStyle/>
+          <a:p>
+            <a:r>
+              <a:rPr lang="en-US" sz="3600" b="1" dirty="0">
+                <a:solidFill>
+                  <a:srgbClr val="0070C0"/>
+                </a:solidFill>
+              </a:rPr>
+              <a:t>52</a:t>
+            </a:r>
+            <a:r>
+              <a:rPr lang="en-US" sz="3600" dirty="0">
+                <a:solidFill>
+                  <a:srgbClr val="0070C0"/>
+                </a:solidFill>
+              </a:rPr>
+              <a:t>% </a:t>
+            </a:r>
+          </a:p>
+          <a:p>
+            <a:r>
+              <a:rPr lang="en-US" dirty="0"/>
+              <a:t>of people experiencing physical assault in 2018 – 2020 made a police report</a:t>
+            </a:r>
+            <a:r>
+              <a:rPr lang="en-US" baseline="30000" dirty="0"/>
+              <a:t>3</a:t>
+            </a:r>
+            <a:endParaRPr lang="en-AU" baseline="30000" dirty="0"/>
+          </a:p>
+        </p:txBody>
+      </p:sp>
+      <p:sp>
+        <p:nvSpPr>
+          <p:cNvPr id="18" name="TextBox 17">
+            <a:extLst>
+              <a:ext uri="{FF2B5EF4-FFF2-40B4-BE49-F238E27FC236}">
+                <a16:creationId xmlns:a16="http://schemas.microsoft.com/office/drawing/2014/main" id="{66C16796-CB0B-4606-8F69-C31EC83BC735}"/>
+              </a:ext>
+            </a:extLst>
+          </p:cNvPr>
+          <p:cNvSpPr txBox="1"/>
+          <p:nvPr/>
+        </p:nvSpPr>
+        <p:spPr>
+          <a:xfrm>
+            <a:off x="1102436" y="3773534"/>
+            <a:ext cx="2763342" cy="1754326"/>
+          </a:xfrm>
+          <a:prstGeom prst="rect">
+            <a:avLst/>
+          </a:prstGeom>
+          <a:noFill/>
+        </p:spPr>
+        <p:txBody>
+          <a:bodyPr wrap="square" rtlCol="0">
+            <a:spAutoFit/>
+          </a:bodyPr>
+          <a:lstStyle/>
+          <a:p>
+            <a:r>
+              <a:rPr lang="en-US" sz="3600" b="1" dirty="0">
+                <a:solidFill>
+                  <a:srgbClr val="0070C0"/>
+                </a:solidFill>
+              </a:rPr>
+              <a:t>54</a:t>
+            </a:r>
+            <a:r>
+              <a:rPr lang="en-US" sz="3600" dirty="0">
+                <a:solidFill>
+                  <a:srgbClr val="0070C0"/>
+                </a:solidFill>
+              </a:rPr>
+              <a:t>% </a:t>
+            </a:r>
+          </a:p>
+          <a:p>
+            <a:r>
+              <a:rPr lang="en-US" dirty="0"/>
+              <a:t>of women experiencing domestic violence from a current partner sought help in 2016</a:t>
+            </a:r>
+            <a:r>
+              <a:rPr lang="en-US" baseline="30000" dirty="0"/>
+              <a:t>4</a:t>
+            </a:r>
+            <a:endParaRPr lang="en-AU" baseline="30000" dirty="0"/>
+          </a:p>
+        </p:txBody>
+      </p:sp>
+      <p:cxnSp>
+        <p:nvCxnSpPr>
+          <p:cNvPr id="19" name="Straight Arrow Connector 18">
+            <a:extLst>
+              <a:ext uri="{FF2B5EF4-FFF2-40B4-BE49-F238E27FC236}">
+                <a16:creationId xmlns:a16="http://schemas.microsoft.com/office/drawing/2014/main" id="{2237EC9C-A5A5-49D5-9EEC-ECB818D85B46}"/>
+              </a:ext>
+            </a:extLst>
+          </p:cNvPr>
+          <p:cNvCxnSpPr>
+            <a:cxnSpLocks/>
+          </p:cNvCxnSpPr>
+          <p:nvPr/>
+        </p:nvCxnSpPr>
+        <p:spPr>
+          <a:xfrm>
+            <a:off x="7707811" y="4947760"/>
+            <a:ext cx="1304190" cy="0"/>
+          </a:xfrm>
+          <a:prstGeom prst="straightConnector1">
+            <a:avLst/>
+          </a:prstGeom>
+          <a:ln w="28575">
+            <a:headEnd type="triangle"/>
+            <a:tailEnd type="none"/>
+          </a:ln>
+        </p:spPr>
+        <p:style>
+          <a:lnRef idx="1">
+            <a:schemeClr val="accent1"/>
+          </a:lnRef>
+          <a:fillRef idx="0">
+            <a:schemeClr val="accent1"/>
+          </a:fillRef>
+          <a:effectRef idx="0">
+            <a:schemeClr val="accent1"/>
+          </a:effectRef>
+          <a:fontRef idx="minor">
+            <a:schemeClr val="tx1"/>
+          </a:fontRef>
+        </p:style>
+      </p:cxnSp>
+      <p:sp>
+        <p:nvSpPr>
+          <p:cNvPr id="21" name="TextBox 20">
+            <a:extLst>
+              <a:ext uri="{FF2B5EF4-FFF2-40B4-BE49-F238E27FC236}">
+                <a16:creationId xmlns:a16="http://schemas.microsoft.com/office/drawing/2014/main" id="{73AEE27D-A0E8-43F8-86C5-B1999AFF0D42}"/>
+              </a:ext>
+            </a:extLst>
+          </p:cNvPr>
+          <p:cNvSpPr txBox="1"/>
+          <p:nvPr/>
+        </p:nvSpPr>
+        <p:spPr>
+          <a:xfrm>
+            <a:off x="9041981" y="3839991"/>
+            <a:ext cx="2763342" cy="1754326"/>
+          </a:xfrm>
+          <a:prstGeom prst="rect">
+            <a:avLst/>
+          </a:prstGeom>
+          <a:noFill/>
+        </p:spPr>
+        <p:txBody>
+          <a:bodyPr wrap="square" rtlCol="0">
+            <a:spAutoFit/>
+          </a:bodyPr>
+          <a:lstStyle/>
+          <a:p>
+            <a:r>
+              <a:rPr lang="en-US" sz="3600" b="1" dirty="0">
+                <a:solidFill>
+                  <a:srgbClr val="0070C0"/>
+                </a:solidFill>
+              </a:rPr>
+              <a:t>29</a:t>
+            </a:r>
+            <a:r>
+              <a:rPr lang="en-US" sz="3600" dirty="0">
+                <a:solidFill>
+                  <a:srgbClr val="0070C0"/>
+                </a:solidFill>
+              </a:rPr>
+              <a:t>% </a:t>
+            </a:r>
+          </a:p>
+          <a:p>
+            <a:r>
+              <a:rPr lang="en-US" dirty="0"/>
+              <a:t>of men experiencing domestic violence from a current partner sought help in 2016</a:t>
+            </a:r>
+            <a:r>
+              <a:rPr lang="en-US" baseline="30000" dirty="0"/>
+              <a:t>4</a:t>
+            </a:r>
+            <a:endParaRPr lang="en-AU" baseline="30000" dirty="0"/>
+          </a:p>
+        </p:txBody>
+      </p:sp>
+    </p:spTree>
+    <p:extLst>
+      <p:ext uri="{BB962C8B-B14F-4D97-AF65-F5344CB8AC3E}">
+        <p14:creationId xmlns:p14="http://schemas.microsoft.com/office/powerpoint/2010/main" val="4187428052"/>
+      </p:ext>
+    </p:extLst>
+  </p:cSld>
+  <p:clrMapOvr>
+    <a:masterClrMapping/>
+  </p:clrMapOvr>
+</p:sld>
+</file>
+
+<file path=ppt/slides/slide9.xml><?xml version="1.0" encoding="utf-8"?>
+<p:sld xmlns:a="http://schemas.openxmlformats.org/drawingml/2006/main" xmlns:r="http://schemas.openxmlformats.org/officeDocument/2006/relationships" xmlns:p="http://schemas.openxmlformats.org/presentationml/2006/main">
+  <p:cSld>
+    <p:spTree>
+      <p:nvGrpSpPr>
+        <p:cNvPr id="1" name=""/>
+        <p:cNvGrpSpPr/>
+        <p:nvPr/>
+      </p:nvGrpSpPr>
+      <p:grpSpPr>
+        <a:xfrm>
+          <a:off x="0" y="0"/>
+          <a:ext cx="0" cy="0"/>
+          <a:chOff x="0" y="0"/>
+          <a:chExt cx="0" cy="0"/>
+        </a:xfrm>
+      </p:grpSpPr>
+      <p:pic>
+        <p:nvPicPr>
+          <p:cNvPr id="6" name="Picture Placeholder 5" descr="Chart, scatter chart&#10;&#10;Description automatically generated">
+            <a:extLst>
+              <a:ext uri="{FF2B5EF4-FFF2-40B4-BE49-F238E27FC236}">
+                <a16:creationId xmlns:a16="http://schemas.microsoft.com/office/drawing/2014/main" id="{AC5D8DF1-BDE2-42E4-82C2-2E4FD20B765D}"/>
+              </a:ext>
+            </a:extLst>
+          </p:cNvPr>
+          <p:cNvPicPr>
+            <a:picLocks noGrp="1" noChangeAspect="1"/>
+          </p:cNvPicPr>
+          <p:nvPr>
+            <p:ph type="pic" idx="1"/>
+          </p:nvPr>
+        </p:nvPicPr>
+        <p:blipFill rotWithShape="1">
+          <a:blip r:embed="rId2">
+            <a:extLst>
+              <a:ext uri="{28A0092B-C50C-407E-A947-70E740481C1C}">
+                <a14:useLocalDpi xmlns:a14="http://schemas.microsoft.com/office/drawing/2010/main" val="0"/>
+              </a:ext>
+            </a:extLst>
+          </a:blip>
+          <a:srcRect l="-485" t="-2670" r="-635" b="-3921"/>
+          <a:stretch/>
+        </p:blipFill>
+        <p:spPr>
+          <a:xfrm>
+            <a:off x="3613213" y="1985487"/>
+            <a:ext cx="8302244" cy="4668326"/>
+          </a:xfrm>
+        </p:spPr>
+      </p:pic>
+      <p:sp>
+        <p:nvSpPr>
+          <p:cNvPr id="4" name="Text Placeholder 3">
+            <a:extLst>
+              <a:ext uri="{FF2B5EF4-FFF2-40B4-BE49-F238E27FC236}">
+                <a16:creationId xmlns:a16="http://schemas.microsoft.com/office/drawing/2014/main" id="{56E0BC9C-BDAA-465D-BE62-F3774E1F886A}"/>
+              </a:ext>
+            </a:extLst>
+          </p:cNvPr>
+          <p:cNvSpPr>
+            <a:spLocks noGrp="1"/>
+          </p:cNvSpPr>
+          <p:nvPr>
+            <p:ph type="body" sz="half" idx="2"/>
+          </p:nvPr>
+        </p:nvSpPr>
+        <p:spPr>
+          <a:xfrm>
+            <a:off x="839789" y="2057400"/>
+            <a:ext cx="2773424" cy="3811588"/>
+          </a:xfrm>
+        </p:spPr>
+        <p:txBody>
+          <a:bodyPr/>
+          <a:lstStyle/>
+          <a:p>
+            <a:pPr marL="285750" indent="-285750">
+              <a:buFont typeface="Arial" panose="020B0604020202020204" pitchFamily="34" charset="0"/>
+              <a:buChar char="•"/>
+            </a:pPr>
+            <a:r>
+              <a:rPr lang="en-US" dirty="0"/>
+              <a:t>Weak correlation between helpline search and crime rate</a:t>
+            </a:r>
+          </a:p>
+          <a:p>
+            <a:pPr marL="285750" indent="-285750">
+              <a:buFont typeface="Arial" panose="020B0604020202020204" pitchFamily="34" charset="0"/>
+              <a:buChar char="•"/>
+            </a:pPr>
+            <a:endParaRPr lang="en-US" dirty="0"/>
+          </a:p>
+          <a:p>
+            <a:endParaRPr lang="en-AU" dirty="0"/>
+          </a:p>
+        </p:txBody>
+      </p:sp>
+      <p:sp>
+        <p:nvSpPr>
+          <p:cNvPr id="5" name="Title 1">
+            <a:extLst>
+              <a:ext uri="{FF2B5EF4-FFF2-40B4-BE49-F238E27FC236}">
+                <a16:creationId xmlns:a16="http://schemas.microsoft.com/office/drawing/2014/main" id="{861F48DA-3189-48D5-84BB-64EAE364A011}"/>
+              </a:ext>
+            </a:extLst>
+          </p:cNvPr>
+          <p:cNvSpPr txBox="1">
+            <a:spLocks noGrp="1"/>
+          </p:cNvSpPr>
+          <p:nvPr>
+            <p:ph type="title"/>
+          </p:nvPr>
+        </p:nvSpPr>
+        <p:spPr>
+          <a:xfrm>
+            <a:off x="484682" y="268288"/>
+            <a:ext cx="11322619" cy="1600200"/>
+          </a:xfrm>
+          <a:prstGeom prst="rect">
+            <a:avLst/>
+          </a:prstGeom>
+          <a:solidFill>
+            <a:schemeClr val="bg2">
+              <a:lumMod val="25000"/>
+            </a:schemeClr>
+          </a:solidFill>
+        </p:spPr>
+        <p:txBody>
+          <a:bodyPr vert="horz" lIns="91440" tIns="45720" rIns="91440" bIns="45720" rtlCol="0" anchor="ctr">
+            <a:normAutofit/>
+          </a:bodyPr>
+          <a:lstStyle>
+            <a:lvl1pPr algn="l" defTabSz="914400" rtl="0" eaLnBrk="1" latinLnBrk="0" hangingPunct="1">
+              <a:lnSpc>
+                <a:spcPct val="90000"/>
+              </a:lnSpc>
+              <a:spcBef>
+                <a:spcPct val="0"/>
+              </a:spcBef>
+              <a:buNone/>
+              <a:defRPr sz="3200" kern="1200">
+                <a:solidFill>
+                  <a:schemeClr val="tx1"/>
+                </a:solidFill>
+                <a:latin typeface="+mj-lt"/>
+                <a:ea typeface="+mj-ea"/>
+                <a:cs typeface="+mj-cs"/>
+              </a:defRPr>
+            </a:lvl1pPr>
+          </a:lstStyle>
+          <a:p>
+            <a:r>
+              <a:rPr lang="en-US" dirty="0">
+                <a:solidFill>
+                  <a:schemeClr val="bg1"/>
+                </a:solidFill>
+              </a:rPr>
               <a:t>Can these be a surrogate for actual crime rates?</a:t>
             </a:r>
+          </a:p>
+        </p:txBody>
+      </p:sp>
+      <p:sp>
+        <p:nvSpPr>
+          <p:cNvPr id="7" name="TextBox 6">
+            <a:extLst>
+              <a:ext uri="{FF2B5EF4-FFF2-40B4-BE49-F238E27FC236}">
+                <a16:creationId xmlns:a16="http://schemas.microsoft.com/office/drawing/2014/main" id="{34AA21B4-7F0F-450A-9FAA-1157C0D42ED6}"/>
+              </a:ext>
+            </a:extLst>
+          </p:cNvPr>
+          <p:cNvSpPr txBox="1"/>
+          <p:nvPr/>
+        </p:nvSpPr>
+        <p:spPr>
+          <a:xfrm>
+            <a:off x="548639" y="6299651"/>
+            <a:ext cx="1774836" cy="369332"/>
+          </a:xfrm>
+          <a:prstGeom prst="rect">
+            <a:avLst/>
+          </a:prstGeom>
+          <a:noFill/>
+        </p:spPr>
+        <p:txBody>
+          <a:bodyPr wrap="square" rtlCol="0">
+            <a:spAutoFit/>
+          </a:bodyPr>
+          <a:lstStyle/>
+          <a:p>
+            <a:r>
+              <a:rPr lang="en-US" dirty="0"/>
+              <a:t>Calculated</a:t>
+            </a:r>
+            <a:r>
+              <a:rPr lang="en-US" baseline="30000" dirty="0"/>
+              <a:t>1,2,7</a:t>
+            </a:r>
+            <a:endParaRPr lang="en-AU" baseline="30000" dirty="0"/>
           </a:p>
         </p:txBody>
       </p:sp>
@@ -5936,4 +7767,299 @@
     </a:ext>
   </a:extLst>
 </a:theme>
+</file>
+
+<file path=ppt/theme/theme2.xml><?xml version="1.0" encoding="utf-8"?>
+<a:theme xmlns:a="http://schemas.openxmlformats.org/drawingml/2006/main" name="Office Theme">
+  <a:themeElements>
+    <a:clrScheme name="Office">
+      <a:dk1>
+        <a:sysClr val="windowText" lastClr="000000"/>
+      </a:dk1>
+      <a:lt1>
+        <a:sysClr val="window" lastClr="FFFFFF"/>
+      </a:lt1>
+      <a:dk2>
+        <a:srgbClr val="44546A"/>
+      </a:dk2>
+      <a:lt2>
+        <a:srgbClr val="E7E6E6"/>
+      </a:lt2>
+      <a:accent1>
+        <a:srgbClr val="4472C4"/>
+      </a:accent1>
+      <a:accent2>
+        <a:srgbClr val="ED7D31"/>
+      </a:accent2>
+      <a:accent3>
+        <a:srgbClr val="A5A5A5"/>
+      </a:accent3>
+      <a:accent4>
+        <a:srgbClr val="FFC000"/>
+      </a:accent4>
+      <a:accent5>
+        <a:srgbClr val="5B9BD5"/>
+      </a:accent5>
+      <a:accent6>
+        <a:srgbClr val="70AD47"/>
+      </a:accent6>
+      <a:hlink>
+        <a:srgbClr val="0563C1"/>
+      </a:hlink>
+      <a:folHlink>
+        <a:srgbClr val="954F72"/>
+      </a:folHlink>
+    </a:clrScheme>
+    <a:fontScheme name="Office">
+      <a:majorFont>
+        <a:latin typeface="Calibri Light" panose="020F0302020204030204"/>
+        <a:ea typeface=""/>
+        <a:cs typeface=""/>
+        <a:font script="Jpan" typeface="游ゴシック Light"/>
+        <a:font script="Hang" typeface="맑은 고딕"/>
+        <a:font script="Hans" typeface="等线 Light"/>
+        <a:font script="Hant" typeface="新細明體"/>
+        <a:font script="Arab" typeface="Times New Roman"/>
+        <a:font script="Hebr" typeface="Times New Roman"/>
+        <a:font script="Thai" typeface="Angsana New"/>
+        <a:font script="Ethi" typeface="Nyala"/>
+        <a:font script="Beng" typeface="Vrinda"/>
+        <a:font script="Gujr" typeface="Shruti"/>
+        <a:font script="Khmr" typeface="MoolBoran"/>
+        <a:font script="Knda" typeface="Tunga"/>
+        <a:font script="Guru" typeface="Raavi"/>
+        <a:font script="Cans" typeface="Euphemia"/>
+        <a:font script="Cher" typeface="Plantagenet Cherokee"/>
+        <a:font script="Yiii" typeface="Microsoft Yi Baiti"/>
+        <a:font script="Tibt" typeface="Microsoft Himalaya"/>
+        <a:font script="Thaa" typeface="MV Boli"/>
+        <a:font script="Deva" typeface="Mangal"/>
+        <a:font script="Telu" typeface="Gautami"/>
+        <a:font script="Taml" typeface="Latha"/>
+        <a:font script="Syrc" typeface="Estrangelo Edessa"/>
+        <a:font script="Orya" typeface="Kalinga"/>
+        <a:font script="Mlym" typeface="Kartika"/>
+        <a:font script="Laoo" typeface="DokChampa"/>
+        <a:font script="Sinh" typeface="Iskoola Pota"/>
+        <a:font script="Mong" typeface="Mongolian Baiti"/>
+        <a:font script="Viet" typeface="Times New Roman"/>
+        <a:font script="Uigh" typeface="Microsoft Uighur"/>
+        <a:font script="Geor" typeface="Sylfaen"/>
+        <a:font script="Armn" typeface="Arial"/>
+        <a:font script="Bugi" typeface="Leelawadee UI"/>
+        <a:font script="Bopo" typeface="Microsoft JhengHei"/>
+        <a:font script="Java" typeface="Javanese Text"/>
+        <a:font script="Lisu" typeface="Segoe UI"/>
+        <a:font script="Mymr" typeface="Myanmar Text"/>
+        <a:font script="Nkoo" typeface="Ebrima"/>
+        <a:font script="Olck" typeface="Nirmala UI"/>
+        <a:font script="Osma" typeface="Ebrima"/>
+        <a:font script="Phag" typeface="Phagspa"/>
+        <a:font script="Syrn" typeface="Estrangelo Edessa"/>
+        <a:font script="Syrj" typeface="Estrangelo Edessa"/>
+        <a:font script="Syre" typeface="Estrangelo Edessa"/>
+        <a:font script="Sora" typeface="Nirmala UI"/>
+        <a:font script="Tale" typeface="Microsoft Tai Le"/>
+        <a:font script="Talu" typeface="Microsoft New Tai Lue"/>
+        <a:font script="Tfng" typeface="Ebrima"/>
+      </a:majorFont>
+      <a:minorFont>
+        <a:latin typeface="Calibri" panose="020F0502020204030204"/>
+        <a:ea typeface=""/>
+        <a:cs typeface=""/>
+        <a:font script="Jpan" typeface="游ゴシック"/>
+        <a:font script="Hang" typeface="맑은 고딕"/>
+        <a:font script="Hans" typeface="等线"/>
+        <a:font script="Hant" typeface="新細明體"/>
+        <a:font script="Arab" typeface="Arial"/>
+        <a:font script="Hebr" typeface="Arial"/>
+        <a:font script="Thai" typeface="Cordia New"/>
+        <a:font script="Ethi" typeface="Nyala"/>
+        <a:font script="Beng" typeface="Vrinda"/>
+        <a:font script="Gujr" typeface="Shruti"/>
+        <a:font script="Khmr" typeface="DaunPenh"/>
+        <a:font script="Knda" typeface="Tunga"/>
+        <a:font script="Guru" typeface="Raavi"/>
+        <a:font script="Cans" typeface="Euphemia"/>
+        <a:font script="Cher" typeface="Plantagenet Cherokee"/>
+        <a:font script="Yiii" typeface="Microsoft Yi Baiti"/>
+        <a:font script="Tibt" typeface="Microsoft Himalaya"/>
+        <a:font script="Thaa" typeface="MV Boli"/>
+        <a:font script="Deva" typeface="Mangal"/>
+        <a:font script="Telu" typeface="Gautami"/>
+        <a:font script="Taml" typeface="Latha"/>
+        <a:font script="Syrc" typeface="Estrangelo Edessa"/>
+        <a:font script="Orya" typeface="Kalinga"/>
+        <a:font script="Mlym" typeface="Kartika"/>
+        <a:font script="Laoo" typeface="DokChampa"/>
+        <a:font script="Sinh" typeface="Iskoola Pota"/>
+        <a:font script="Mong" typeface="Mongolian Baiti"/>
+        <a:font script="Viet" typeface="Arial"/>
+        <a:font script="Uigh" typeface="Microsoft Uighur"/>
+        <a:font script="Geor" typeface="Sylfaen"/>
+        <a:font script="Armn" typeface="Arial"/>
+        <a:font script="Bugi" typeface="Leelawadee UI"/>
+        <a:font script="Bopo" typeface="Microsoft JhengHei"/>
+        <a:font script="Java" typeface="Javanese Text"/>
+        <a:font script="Lisu" typeface="Segoe UI"/>
+        <a:font script="Mymr" typeface="Myanmar Text"/>
+        <a:font script="Nkoo" typeface="Ebrima"/>
+        <a:font script="Olck" typeface="Nirmala UI"/>
+        <a:font script="Osma" typeface="Ebrima"/>
+        <a:font script="Phag" typeface="Phagspa"/>
+        <a:font script="Syrn" typeface="Estrangelo Edessa"/>
+        <a:font script="Syrj" typeface="Estrangelo Edessa"/>
+        <a:font script="Syre" typeface="Estrangelo Edessa"/>
+        <a:font script="Sora" typeface="Nirmala UI"/>
+        <a:font script="Tale" typeface="Microsoft Tai Le"/>
+        <a:font script="Talu" typeface="Microsoft New Tai Lue"/>
+        <a:font script="Tfng" typeface="Ebrima"/>
+      </a:minorFont>
+    </a:fontScheme>
+    <a:fmtScheme name="Office">
+      <a:fillStyleLst>
+        <a:solidFill>
+          <a:schemeClr val="phClr"/>
+        </a:solidFill>
+        <a:gradFill rotWithShape="1">
+          <a:gsLst>
+            <a:gs pos="0">
+              <a:schemeClr val="phClr">
+                <a:lumMod val="110000"/>
+                <a:satMod val="105000"/>
+                <a:tint val="67000"/>
+              </a:schemeClr>
+            </a:gs>
+            <a:gs pos="50000">
+              <a:schemeClr val="phClr">
+                <a:lumMod val="105000"/>
+                <a:satMod val="103000"/>
+                <a:tint val="73000"/>
+              </a:schemeClr>
+            </a:gs>
+            <a:gs pos="100000">
+              <a:schemeClr val="phClr">
+                <a:lumMod val="105000"/>
+                <a:satMod val="109000"/>
+                <a:tint val="81000"/>
+              </a:schemeClr>
+            </a:gs>
+          </a:gsLst>
+          <a:lin ang="5400000" scaled="0"/>
+        </a:gradFill>
+        <a:gradFill rotWithShape="1">
+          <a:gsLst>
+            <a:gs pos="0">
+              <a:schemeClr val="phClr">
+                <a:satMod val="103000"/>
+                <a:lumMod val="102000"/>
+                <a:tint val="94000"/>
+              </a:schemeClr>
+            </a:gs>
+            <a:gs pos="50000">
+              <a:schemeClr val="phClr">
+                <a:satMod val="110000"/>
+                <a:lumMod val="100000"/>
+                <a:shade val="100000"/>
+              </a:schemeClr>
+            </a:gs>
+            <a:gs pos="100000">
+              <a:schemeClr val="phClr">
+                <a:lumMod val="99000"/>
+                <a:satMod val="120000"/>
+                <a:shade val="78000"/>
+              </a:schemeClr>
+            </a:gs>
+          </a:gsLst>
+          <a:lin ang="5400000" scaled="0"/>
+        </a:gradFill>
+      </a:fillStyleLst>
+      <a:lnStyleLst>
+        <a:ln w="6350" cap="flat" cmpd="sng" algn="ctr">
+          <a:solidFill>
+            <a:schemeClr val="phClr"/>
+          </a:solidFill>
+          <a:prstDash val="solid"/>
+          <a:miter lim="800000"/>
+        </a:ln>
+        <a:ln w="12700" cap="flat" cmpd="sng" algn="ctr">
+          <a:solidFill>
+            <a:schemeClr val="phClr"/>
+          </a:solidFill>
+          <a:prstDash val="solid"/>
+          <a:miter lim="800000"/>
+        </a:ln>
+        <a:ln w="19050" cap="flat" cmpd="sng" algn="ctr">
+          <a:solidFill>
+            <a:schemeClr val="phClr"/>
+          </a:solidFill>
+          <a:prstDash val="solid"/>
+          <a:miter lim="800000"/>
+        </a:ln>
+      </a:lnStyleLst>
+      <a:effectStyleLst>
+        <a:effectStyle>
+          <a:effectLst/>
+        </a:effectStyle>
+        <a:effectStyle>
+          <a:effectLst/>
+        </a:effectStyle>
+        <a:effectStyle>
+          <a:effectLst>
+            <a:outerShdw blurRad="57150" dist="19050" dir="5400000" algn="ctr" rotWithShape="0">
+              <a:srgbClr val="000000">
+                <a:alpha val="63000"/>
+              </a:srgbClr>
+            </a:outerShdw>
+          </a:effectLst>
+        </a:effectStyle>
+      </a:effectStyleLst>
+      <a:bgFillStyleLst>
+        <a:solidFill>
+          <a:schemeClr val="phClr"/>
+        </a:solidFill>
+        <a:solidFill>
+          <a:schemeClr val="phClr">
+            <a:tint val="95000"/>
+            <a:satMod val="170000"/>
+          </a:schemeClr>
+        </a:solidFill>
+        <a:gradFill rotWithShape="1">
+          <a:gsLst>
+            <a:gs pos="0">
+              <a:schemeClr val="phClr">
+                <a:tint val="93000"/>
+                <a:satMod val="150000"/>
+                <a:shade val="98000"/>
+                <a:lumMod val="102000"/>
+              </a:schemeClr>
+            </a:gs>
+            <a:gs pos="50000">
+              <a:schemeClr val="phClr">
+                <a:tint val="98000"/>
+                <a:satMod val="130000"/>
+                <a:shade val="90000"/>
+                <a:lumMod val="103000"/>
+              </a:schemeClr>
+            </a:gs>
+            <a:gs pos="100000">
+              <a:schemeClr val="phClr">
+                <a:shade val="63000"/>
+                <a:satMod val="120000"/>
+              </a:schemeClr>
+            </a:gs>
+          </a:gsLst>
+          <a:lin ang="5400000" scaled="0"/>
+        </a:gradFill>
+      </a:bgFillStyleLst>
+    </a:fmtScheme>
+  </a:themeElements>
+  <a:objectDefaults/>
+  <a:extraClrSchemeLst/>
+  <a:extLst>
+    <a:ext uri="{05A4C25C-085E-4340-85A3-A5531E510DB2}">
+      <thm15:themeFamily xmlns:thm15="http://schemas.microsoft.com/office/thememl/2012/main" name="Office Theme" id="{62F939B6-93AF-4DB8-9C6B-D6C7DFDC589F}" vid="{4A3C46E8-61CC-4603-A589-7422A47A8E4A}"/>
+    </a:ext>
+  </a:extLst>
+</a:theme>
 </file>
--- a/Presentation1.pptx
+++ b/Presentation1.pptx
@@ -14,8 +14,8 @@
     <p:sldId id="263" r:id="rId5"/>
     <p:sldId id="267" r:id="rId6"/>
     <p:sldId id="258" r:id="rId7"/>
-    <p:sldId id="262" r:id="rId8"/>
-    <p:sldId id="269" r:id="rId9"/>
+    <p:sldId id="269" r:id="rId8"/>
+    <p:sldId id="262" r:id="rId9"/>
     <p:sldId id="257" r:id="rId10"/>
     <p:sldId id="260" r:id="rId11"/>
   </p:sldIdLst>
@@ -5598,7 +5598,7 @@
             </a:pPr>
             <a:r>
               <a:rPr lang="en-US" sz="2200" dirty="0"/>
-              <a:t>Have all types of crimes decreased? </a:t>
+              <a:t>Top 6 most frequently committed crimes</a:t>
             </a:r>
           </a:p>
           <a:p>
@@ -6282,7 +6282,7 @@
         </p:nvSpPr>
         <p:spPr>
           <a:xfrm>
-            <a:off x="894172" y="3127159"/>
+            <a:off x="1979867" y="3040890"/>
             <a:ext cx="374696" cy="603682"/>
           </a:xfrm>
           <a:prstGeom prst="downArrow">
@@ -6328,7 +6328,7 @@
         </p:nvSpPr>
         <p:spPr>
           <a:xfrm>
-            <a:off x="1473231" y="3081995"/>
+            <a:off x="2458507" y="3046119"/>
             <a:ext cx="1013272" cy="523220"/>
           </a:xfrm>
           <a:prstGeom prst="rect">
@@ -6376,7 +6376,7 @@
         </p:nvSpPr>
         <p:spPr>
           <a:xfrm flipV="1">
-            <a:off x="894172" y="4743776"/>
+            <a:off x="2020659" y="4600461"/>
             <a:ext cx="374696" cy="603682"/>
           </a:xfrm>
           <a:prstGeom prst="downArrow">
@@ -6422,7 +6422,7 @@
         </p:nvSpPr>
         <p:spPr>
           <a:xfrm>
-            <a:off x="1473231" y="4784007"/>
+            <a:off x="2478872" y="4728163"/>
             <a:ext cx="1013272" cy="523220"/>
           </a:xfrm>
           <a:prstGeom prst="rect">
@@ -6470,7 +6470,7 @@
         </p:nvSpPr>
         <p:spPr>
           <a:xfrm>
-            <a:off x="2690866" y="3127159"/>
+            <a:off x="3492144" y="3127159"/>
             <a:ext cx="1411550" cy="369332"/>
           </a:xfrm>
           <a:prstGeom prst="rect">
@@ -6506,7 +6506,7 @@
         </p:nvSpPr>
         <p:spPr>
           <a:xfrm>
-            <a:off x="2724548" y="4860951"/>
+            <a:off x="3506975" y="4800601"/>
             <a:ext cx="1411550" cy="369332"/>
           </a:xfrm>
           <a:prstGeom prst="rect">
@@ -6640,133 +6640,6 @@
       </p:grpSpPr>
       <p:sp>
         <p:nvSpPr>
-          <p:cNvPr id="2" name="Title 1">
-            <a:extLst>
-              <a:ext uri="{FF2B5EF4-FFF2-40B4-BE49-F238E27FC236}">
-                <a16:creationId xmlns:a16="http://schemas.microsoft.com/office/drawing/2014/main" id="{0C61361D-6C8D-44B7-B5D7-993BC95530B4}"/>
-              </a:ext>
-            </a:extLst>
-          </p:cNvPr>
-          <p:cNvSpPr>
-            <a:spLocks noGrp="1"/>
-          </p:cNvSpPr>
-          <p:nvPr>
-            <p:ph type="title"/>
-          </p:nvPr>
-        </p:nvSpPr>
-        <p:spPr/>
-        <p:txBody>
-          <a:bodyPr/>
-          <a:lstStyle/>
-          <a:p>
-            <a:r>
-              <a:rPr lang="en-US" dirty="0"/>
-              <a:t>Is this the best indicator for dv?</a:t>
-            </a:r>
-            <a:endParaRPr lang="en-AU" dirty="0"/>
-          </a:p>
-        </p:txBody>
-      </p:sp>
-      <p:pic>
-        <p:nvPicPr>
-          <p:cNvPr id="6" name="Content Placeholder 5" descr="Chart, line chart&#10;&#10;Description automatically generated">
-            <a:extLst>
-              <a:ext uri="{FF2B5EF4-FFF2-40B4-BE49-F238E27FC236}">
-                <a16:creationId xmlns:a16="http://schemas.microsoft.com/office/drawing/2014/main" id="{A78EBAFA-06E0-42FB-BE25-AB07664A5B49}"/>
-              </a:ext>
-            </a:extLst>
-          </p:cNvPr>
-          <p:cNvPicPr>
-            <a:picLocks noGrp="1" noChangeAspect="1"/>
-          </p:cNvPicPr>
-          <p:nvPr>
-            <p:ph idx="1"/>
-          </p:nvPr>
-        </p:nvPicPr>
-        <p:blipFill>
-          <a:blip r:embed="rId2">
-            <a:extLst>
-              <a:ext uri="{28A0092B-C50C-407E-A947-70E740481C1C}">
-                <a14:useLocalDpi xmlns:a14="http://schemas.microsoft.com/office/drawing/2010/main" val="0"/>
-              </a:ext>
-            </a:extLst>
-          </a:blip>
-          <a:stretch>
-            <a:fillRect/>
-          </a:stretch>
-        </p:blipFill>
-        <p:spPr>
-          <a:xfrm>
-            <a:off x="4772025" y="2265998"/>
-            <a:ext cx="6846018" cy="4134802"/>
-          </a:xfrm>
-        </p:spPr>
-      </p:pic>
-      <p:sp>
-        <p:nvSpPr>
-          <p:cNvPr id="4" name="Text Placeholder 3">
-            <a:extLst>
-              <a:ext uri="{FF2B5EF4-FFF2-40B4-BE49-F238E27FC236}">
-                <a16:creationId xmlns:a16="http://schemas.microsoft.com/office/drawing/2014/main" id="{CF94B3DB-8534-4BA8-A0E7-620618D31101}"/>
-              </a:ext>
-            </a:extLst>
-          </p:cNvPr>
-          <p:cNvSpPr>
-            <a:spLocks noGrp="1"/>
-          </p:cNvSpPr>
-          <p:nvPr>
-            <p:ph type="body" sz="half" idx="2"/>
-          </p:nvPr>
-        </p:nvSpPr>
-        <p:spPr/>
-        <p:txBody>
-          <a:bodyPr/>
-          <a:lstStyle/>
-          <a:p>
-            <a:pPr marL="285750" indent="-285750">
-              <a:buFont typeface="Arial" panose="020B0604020202020204" pitchFamily="34" charset="0"/>
-              <a:buChar char="•"/>
-            </a:pPr>
-            <a:endParaRPr lang="en-US" dirty="0"/>
-          </a:p>
-          <a:p>
-            <a:pPr marL="285750" indent="-285750">
-              <a:buFont typeface="Arial" panose="020B0604020202020204" pitchFamily="34" charset="0"/>
-              <a:buChar char="•"/>
-            </a:pPr>
-            <a:r>
-              <a:rPr lang="en-AU" dirty="0"/>
-              <a:t>Google Search Trends</a:t>
-            </a:r>
-            <a:r>
-              <a:rPr lang="en-AU" baseline="30000" dirty="0"/>
-              <a:t>7</a:t>
-            </a:r>
-          </a:p>
-          <a:p>
-            <a:pPr marL="742950" lvl="1" indent="-285750">
-              <a:buFont typeface="Arial" panose="020B0604020202020204" pitchFamily="34" charset="0"/>
-              <a:buChar char="•"/>
-            </a:pPr>
-            <a:r>
-              <a:rPr lang="en-AU" dirty="0"/>
-              <a:t>Domestic Violence (Topic)</a:t>
-            </a:r>
-          </a:p>
-          <a:p>
-            <a:pPr marL="742950" lvl="1" indent="-285750">
-              <a:buFont typeface="Arial" panose="020B0604020202020204" pitchFamily="34" charset="0"/>
-              <a:buChar char="•"/>
-            </a:pPr>
-            <a:r>
-              <a:rPr lang="en-AU" dirty="0"/>
-              <a:t>1800respect (Term)</a:t>
-            </a:r>
-          </a:p>
-        </p:txBody>
-      </p:sp>
-      <p:sp>
-        <p:nvSpPr>
           <p:cNvPr id="5" name="Title 1">
             <a:extLst>
               <a:ext uri="{FF2B5EF4-FFF2-40B4-BE49-F238E27FC236}">
@@ -6781,8 +6654,8 @@
         </p:nvSpPr>
         <p:spPr>
           <a:xfrm>
-            <a:off x="612560" y="457200"/>
-            <a:ext cx="4749554" cy="1600200"/>
+            <a:off x="229250" y="186938"/>
+            <a:ext cx="4749554" cy="1216559"/>
           </a:xfrm>
           <a:prstGeom prst="rect">
             <a:avLst/>
@@ -6823,15 +6696,339 @@
                   <a:schemeClr val="bg1"/>
                 </a:solidFill>
               </a:rPr>
-              <a:t>Are there other indicators of domestic violence?</a:t>
-            </a:r>
+              <a:t>How can we better observe the problem?</a:t>
+            </a:r>
+          </a:p>
+        </p:txBody>
+      </p:sp>
+      <p:pic>
+        <p:nvPicPr>
+          <p:cNvPr id="9" name="Picture 8">
+            <a:extLst>
+              <a:ext uri="{FF2B5EF4-FFF2-40B4-BE49-F238E27FC236}">
+                <a16:creationId xmlns:a16="http://schemas.microsoft.com/office/drawing/2014/main" id="{5B5C5490-4CFE-4705-AFD7-6EFBD20D9BE0}"/>
+              </a:ext>
+            </a:extLst>
+          </p:cNvPr>
+          <p:cNvPicPr>
+            <a:picLocks noChangeAspect="1"/>
+          </p:cNvPicPr>
+          <p:nvPr/>
+        </p:nvPicPr>
+        <p:blipFill>
+          <a:blip r:embed="rId2"/>
+          <a:stretch>
+            <a:fillRect/>
+          </a:stretch>
+        </p:blipFill>
+        <p:spPr>
+          <a:xfrm>
+            <a:off x="5014810" y="428722"/>
+            <a:ext cx="4105275" cy="5457825"/>
+          </a:xfrm>
+          <a:prstGeom prst="rect">
+            <a:avLst/>
+          </a:prstGeom>
+        </p:spPr>
+      </p:pic>
+      <p:cxnSp>
+        <p:nvCxnSpPr>
+          <p:cNvPr id="15" name="Straight Arrow Connector 14">
+            <a:extLst>
+              <a:ext uri="{FF2B5EF4-FFF2-40B4-BE49-F238E27FC236}">
+                <a16:creationId xmlns:a16="http://schemas.microsoft.com/office/drawing/2014/main" id="{EA6FF5A0-8BC4-4A9B-8C75-5200EEC2584C}"/>
+              </a:ext>
+            </a:extLst>
+          </p:cNvPr>
+          <p:cNvCxnSpPr/>
+          <p:nvPr/>
+        </p:nvCxnSpPr>
+        <p:spPr>
+          <a:xfrm>
+            <a:off x="3711243" y="3176536"/>
+            <a:ext cx="1813810" cy="0"/>
+          </a:xfrm>
+          <a:prstGeom prst="straightConnector1">
+            <a:avLst/>
+          </a:prstGeom>
+          <a:ln w="28575">
+            <a:tailEnd type="triangle"/>
+          </a:ln>
+        </p:spPr>
+        <p:style>
+          <a:lnRef idx="1">
+            <a:schemeClr val="accent1"/>
+          </a:lnRef>
+          <a:fillRef idx="0">
+            <a:schemeClr val="accent1"/>
+          </a:fillRef>
+          <a:effectRef idx="0">
+            <a:schemeClr val="accent1"/>
+          </a:effectRef>
+          <a:fontRef idx="minor">
+            <a:schemeClr val="tx1"/>
+          </a:fontRef>
+        </p:style>
+      </p:cxnSp>
+      <p:cxnSp>
+        <p:nvCxnSpPr>
+          <p:cNvPr id="16" name="Straight Arrow Connector 15">
+            <a:extLst>
+              <a:ext uri="{FF2B5EF4-FFF2-40B4-BE49-F238E27FC236}">
+                <a16:creationId xmlns:a16="http://schemas.microsoft.com/office/drawing/2014/main" id="{F8CD50E9-E5B9-425D-BBC2-B187A5CC6D66}"/>
+              </a:ext>
+            </a:extLst>
+          </p:cNvPr>
+          <p:cNvCxnSpPr/>
+          <p:nvPr/>
+        </p:nvCxnSpPr>
+        <p:spPr>
+          <a:xfrm>
+            <a:off x="4282190" y="4845246"/>
+            <a:ext cx="1813810" cy="0"/>
+          </a:xfrm>
+          <a:prstGeom prst="straightConnector1">
+            <a:avLst/>
+          </a:prstGeom>
+          <a:ln w="28575">
+            <a:tailEnd type="triangle"/>
+          </a:ln>
+        </p:spPr>
+        <p:style>
+          <a:lnRef idx="1">
+            <a:schemeClr val="accent1"/>
+          </a:lnRef>
+          <a:fillRef idx="0">
+            <a:schemeClr val="accent1"/>
+          </a:fillRef>
+          <a:effectRef idx="0">
+            <a:schemeClr val="accent1"/>
+          </a:effectRef>
+          <a:fontRef idx="minor">
+            <a:schemeClr val="tx1"/>
+          </a:fontRef>
+        </p:style>
+      </p:cxnSp>
+      <p:sp>
+        <p:nvSpPr>
+          <p:cNvPr id="17" name="TextBox 16">
+            <a:extLst>
+              <a:ext uri="{FF2B5EF4-FFF2-40B4-BE49-F238E27FC236}">
+                <a16:creationId xmlns:a16="http://schemas.microsoft.com/office/drawing/2014/main" id="{DC7D5002-27FF-4C07-BABC-C33D350BAF9C}"/>
+              </a:ext>
+            </a:extLst>
+          </p:cNvPr>
+          <p:cNvSpPr txBox="1"/>
+          <p:nvPr/>
+        </p:nvSpPr>
+        <p:spPr>
+          <a:xfrm>
+            <a:off x="947901" y="2097929"/>
+            <a:ext cx="2763342" cy="1477328"/>
+          </a:xfrm>
+          <a:prstGeom prst="rect">
+            <a:avLst/>
+          </a:prstGeom>
+          <a:noFill/>
+        </p:spPr>
+        <p:txBody>
+          <a:bodyPr wrap="square" rtlCol="0">
+            <a:spAutoFit/>
+          </a:bodyPr>
+          <a:lstStyle/>
+          <a:p>
+            <a:r>
+              <a:rPr lang="en-US" sz="3600" b="1" dirty="0">
+                <a:solidFill>
+                  <a:srgbClr val="0070C0"/>
+                </a:solidFill>
+              </a:rPr>
+              <a:t>52</a:t>
+            </a:r>
+            <a:r>
+              <a:rPr lang="en-US" sz="3600" dirty="0">
+                <a:solidFill>
+                  <a:srgbClr val="0070C0"/>
+                </a:solidFill>
+              </a:rPr>
+              <a:t>% </a:t>
+            </a:r>
+          </a:p>
+          <a:p>
+            <a:r>
+              <a:rPr lang="en-US" dirty="0"/>
+              <a:t>of people experiencing physical assault in 2018 – 2020 made a police report</a:t>
+            </a:r>
+            <a:r>
+              <a:rPr lang="en-US" baseline="30000" dirty="0"/>
+              <a:t>3</a:t>
+            </a:r>
+            <a:endParaRPr lang="en-AU" baseline="30000" dirty="0"/>
+          </a:p>
+        </p:txBody>
+      </p:sp>
+      <p:sp>
+        <p:nvSpPr>
+          <p:cNvPr id="18" name="TextBox 17">
+            <a:extLst>
+              <a:ext uri="{FF2B5EF4-FFF2-40B4-BE49-F238E27FC236}">
+                <a16:creationId xmlns:a16="http://schemas.microsoft.com/office/drawing/2014/main" id="{66C16796-CB0B-4606-8F69-C31EC83BC735}"/>
+              </a:ext>
+            </a:extLst>
+          </p:cNvPr>
+          <p:cNvSpPr txBox="1"/>
+          <p:nvPr/>
+        </p:nvSpPr>
+        <p:spPr>
+          <a:xfrm>
+            <a:off x="1609534" y="3870969"/>
+            <a:ext cx="2763342" cy="1754326"/>
+          </a:xfrm>
+          <a:prstGeom prst="rect">
+            <a:avLst/>
+          </a:prstGeom>
+          <a:noFill/>
+        </p:spPr>
+        <p:txBody>
+          <a:bodyPr wrap="square" rtlCol="0">
+            <a:spAutoFit/>
+          </a:bodyPr>
+          <a:lstStyle/>
+          <a:p>
+            <a:r>
+              <a:rPr lang="en-US" sz="3600" b="1" dirty="0">
+                <a:solidFill>
+                  <a:srgbClr val="0070C0"/>
+                </a:solidFill>
+              </a:rPr>
+              <a:t>54</a:t>
+            </a:r>
+            <a:r>
+              <a:rPr lang="en-US" sz="3600" dirty="0">
+                <a:solidFill>
+                  <a:srgbClr val="0070C0"/>
+                </a:solidFill>
+              </a:rPr>
+              <a:t>% </a:t>
+            </a:r>
+          </a:p>
+          <a:p>
+            <a:r>
+              <a:rPr lang="en-US" dirty="0"/>
+              <a:t>of women experiencing domestic violence from a current partner sought help in 2016</a:t>
+            </a:r>
+            <a:r>
+              <a:rPr lang="en-US" baseline="30000" dirty="0"/>
+              <a:t>4</a:t>
+            </a:r>
+            <a:endParaRPr lang="en-AU" baseline="30000" dirty="0"/>
+          </a:p>
+        </p:txBody>
+      </p:sp>
+      <p:cxnSp>
+        <p:nvCxnSpPr>
+          <p:cNvPr id="19" name="Straight Arrow Connector 18">
+            <a:extLst>
+              <a:ext uri="{FF2B5EF4-FFF2-40B4-BE49-F238E27FC236}">
+                <a16:creationId xmlns:a16="http://schemas.microsoft.com/office/drawing/2014/main" id="{2237EC9C-A5A5-49D5-9EEC-ECB818D85B46}"/>
+              </a:ext>
+            </a:extLst>
+          </p:cNvPr>
+          <p:cNvCxnSpPr>
+            <a:cxnSpLocks/>
+          </p:cNvCxnSpPr>
+          <p:nvPr/>
+        </p:nvCxnSpPr>
+        <p:spPr>
+          <a:xfrm>
+            <a:off x="7679531" y="5126873"/>
+            <a:ext cx="1134533" cy="0"/>
+          </a:xfrm>
+          <a:prstGeom prst="straightConnector1">
+            <a:avLst/>
+          </a:prstGeom>
+          <a:ln w="28575">
+            <a:headEnd type="triangle"/>
+            <a:tailEnd type="none"/>
+          </a:ln>
+        </p:spPr>
+        <p:style>
+          <a:lnRef idx="1">
+            <a:schemeClr val="accent1"/>
+          </a:lnRef>
+          <a:fillRef idx="0">
+            <a:schemeClr val="accent1"/>
+          </a:fillRef>
+          <a:effectRef idx="0">
+            <a:schemeClr val="accent1"/>
+          </a:effectRef>
+          <a:fontRef idx="minor">
+            <a:schemeClr val="tx1"/>
+          </a:fontRef>
+        </p:style>
+      </p:cxnSp>
+      <p:sp>
+        <p:nvSpPr>
+          <p:cNvPr id="21" name="TextBox 20">
+            <a:extLst>
+              <a:ext uri="{FF2B5EF4-FFF2-40B4-BE49-F238E27FC236}">
+                <a16:creationId xmlns:a16="http://schemas.microsoft.com/office/drawing/2014/main" id="{73AEE27D-A0E8-43F8-86C5-B1999AFF0D42}"/>
+              </a:ext>
+            </a:extLst>
+          </p:cNvPr>
+          <p:cNvSpPr txBox="1"/>
+          <p:nvPr/>
+        </p:nvSpPr>
+        <p:spPr>
+          <a:xfrm>
+            <a:off x="8889487" y="4249710"/>
+            <a:ext cx="2763342" cy="1754326"/>
+          </a:xfrm>
+          <a:prstGeom prst="rect">
+            <a:avLst/>
+          </a:prstGeom>
+          <a:noFill/>
+        </p:spPr>
+        <p:txBody>
+          <a:bodyPr wrap="square" rtlCol="0">
+            <a:spAutoFit/>
+          </a:bodyPr>
+          <a:lstStyle/>
+          <a:p>
+            <a:r>
+              <a:rPr lang="en-US" sz="3600" b="1" dirty="0">
+                <a:solidFill>
+                  <a:srgbClr val="0070C0"/>
+                </a:solidFill>
+              </a:rPr>
+              <a:t>29</a:t>
+            </a:r>
+            <a:r>
+              <a:rPr lang="en-US" sz="3600" dirty="0">
+                <a:solidFill>
+                  <a:srgbClr val="0070C0"/>
+                </a:solidFill>
+              </a:rPr>
+              <a:t>% </a:t>
+            </a:r>
+          </a:p>
+          <a:p>
+            <a:r>
+              <a:rPr lang="en-US" dirty="0"/>
+              <a:t>of men experiencing domestic violence from a current partner sought help in 2016</a:t>
+            </a:r>
+            <a:r>
+              <a:rPr lang="en-US" baseline="30000" dirty="0"/>
+              <a:t>4</a:t>
+            </a:r>
+            <a:endParaRPr lang="en-AU" baseline="30000" dirty="0"/>
           </a:p>
         </p:txBody>
       </p:sp>
     </p:spTree>
     <p:extLst>
       <p:ext uri="{BB962C8B-B14F-4D97-AF65-F5344CB8AC3E}">
-        <p14:creationId xmlns:p14="http://schemas.microsoft.com/office/powerpoint/2010/main" val="3521766456"/>
+        <p14:creationId xmlns:p14="http://schemas.microsoft.com/office/powerpoint/2010/main" val="4187428052"/>
       </p:ext>
     </p:extLst>
   </p:cSld>
@@ -6860,6 +7057,133 @@
       </p:grpSpPr>
       <p:sp>
         <p:nvSpPr>
+          <p:cNvPr id="2" name="Title 1">
+            <a:extLst>
+              <a:ext uri="{FF2B5EF4-FFF2-40B4-BE49-F238E27FC236}">
+                <a16:creationId xmlns:a16="http://schemas.microsoft.com/office/drawing/2014/main" id="{0C61361D-6C8D-44B7-B5D7-993BC95530B4}"/>
+              </a:ext>
+            </a:extLst>
+          </p:cNvPr>
+          <p:cNvSpPr>
+            <a:spLocks noGrp="1"/>
+          </p:cNvSpPr>
+          <p:nvPr>
+            <p:ph type="title"/>
+          </p:nvPr>
+        </p:nvSpPr>
+        <p:spPr/>
+        <p:txBody>
+          <a:bodyPr/>
+          <a:lstStyle/>
+          <a:p>
+            <a:r>
+              <a:rPr lang="en-US" dirty="0"/>
+              <a:t>Is this the best indicator for dv?</a:t>
+            </a:r>
+            <a:endParaRPr lang="en-AU" dirty="0"/>
+          </a:p>
+        </p:txBody>
+      </p:sp>
+      <p:pic>
+        <p:nvPicPr>
+          <p:cNvPr id="6" name="Content Placeholder 5" descr="Chart, line chart&#10;&#10;Description automatically generated">
+            <a:extLst>
+              <a:ext uri="{FF2B5EF4-FFF2-40B4-BE49-F238E27FC236}">
+                <a16:creationId xmlns:a16="http://schemas.microsoft.com/office/drawing/2014/main" id="{A78EBAFA-06E0-42FB-BE25-AB07664A5B49}"/>
+              </a:ext>
+            </a:extLst>
+          </p:cNvPr>
+          <p:cNvPicPr>
+            <a:picLocks noGrp="1" noChangeAspect="1"/>
+          </p:cNvPicPr>
+          <p:nvPr>
+            <p:ph idx="1"/>
+          </p:nvPr>
+        </p:nvPicPr>
+        <p:blipFill>
+          <a:blip r:embed="rId2">
+            <a:extLst>
+              <a:ext uri="{28A0092B-C50C-407E-A947-70E740481C1C}">
+                <a14:useLocalDpi xmlns:a14="http://schemas.microsoft.com/office/drawing/2010/main" val="0"/>
+              </a:ext>
+            </a:extLst>
+          </a:blip>
+          <a:stretch>
+            <a:fillRect/>
+          </a:stretch>
+        </p:blipFill>
+        <p:spPr>
+          <a:xfrm>
+            <a:off x="4772025" y="2265998"/>
+            <a:ext cx="6846018" cy="4134802"/>
+          </a:xfrm>
+        </p:spPr>
+      </p:pic>
+      <p:sp>
+        <p:nvSpPr>
+          <p:cNvPr id="4" name="Text Placeholder 3">
+            <a:extLst>
+              <a:ext uri="{FF2B5EF4-FFF2-40B4-BE49-F238E27FC236}">
+                <a16:creationId xmlns:a16="http://schemas.microsoft.com/office/drawing/2014/main" id="{CF94B3DB-8534-4BA8-A0E7-620618D31101}"/>
+              </a:ext>
+            </a:extLst>
+          </p:cNvPr>
+          <p:cNvSpPr>
+            <a:spLocks noGrp="1"/>
+          </p:cNvSpPr>
+          <p:nvPr>
+            <p:ph type="body" sz="half" idx="2"/>
+          </p:nvPr>
+        </p:nvSpPr>
+        <p:spPr/>
+        <p:txBody>
+          <a:bodyPr/>
+          <a:lstStyle/>
+          <a:p>
+            <a:pPr marL="285750" indent="-285750">
+              <a:buFont typeface="Arial" panose="020B0604020202020204" pitchFamily="34" charset="0"/>
+              <a:buChar char="•"/>
+            </a:pPr>
+            <a:endParaRPr lang="en-US" dirty="0"/>
+          </a:p>
+          <a:p>
+            <a:pPr marL="285750" indent="-285750">
+              <a:buFont typeface="Arial" panose="020B0604020202020204" pitchFamily="34" charset="0"/>
+              <a:buChar char="•"/>
+            </a:pPr>
+            <a:r>
+              <a:rPr lang="en-AU" dirty="0"/>
+              <a:t>Google Search Trends</a:t>
+            </a:r>
+            <a:r>
+              <a:rPr lang="en-AU" baseline="30000" dirty="0"/>
+              <a:t>7</a:t>
+            </a:r>
+          </a:p>
+          <a:p>
+            <a:pPr marL="742950" lvl="1" indent="-285750">
+              <a:buFont typeface="Arial" panose="020B0604020202020204" pitchFamily="34" charset="0"/>
+              <a:buChar char="•"/>
+            </a:pPr>
+            <a:r>
+              <a:rPr lang="en-AU" dirty="0"/>
+              <a:t>Domestic Violence (Topic)</a:t>
+            </a:r>
+          </a:p>
+          <a:p>
+            <a:pPr marL="742950" lvl="1" indent="-285750">
+              <a:buFont typeface="Arial" panose="020B0604020202020204" pitchFamily="34" charset="0"/>
+              <a:buChar char="•"/>
+            </a:pPr>
+            <a:r>
+              <a:rPr lang="en-AU" dirty="0"/>
+              <a:t>1800respect (Term)</a:t>
+            </a:r>
+          </a:p>
+        </p:txBody>
+      </p:sp>
+      <p:sp>
+        <p:nvSpPr>
           <p:cNvPr id="5" name="Title 1">
             <a:extLst>
               <a:ext uri="{FF2B5EF4-FFF2-40B4-BE49-F238E27FC236}">
@@ -6874,8 +7198,8 @@
         </p:nvSpPr>
         <p:spPr>
           <a:xfrm>
-            <a:off x="229250" y="186938"/>
-            <a:ext cx="4749554" cy="1216559"/>
+            <a:off x="612560" y="457200"/>
+            <a:ext cx="4749554" cy="1600200"/>
           </a:xfrm>
           <a:prstGeom prst="rect">
             <a:avLst/>
@@ -6916,339 +7240,15 @@
                   <a:schemeClr val="bg1"/>
                 </a:solidFill>
               </a:rPr>
-              <a:t>How can we better observe the problem?</a:t>
-            </a:r>
-          </a:p>
-        </p:txBody>
-      </p:sp>
-      <p:pic>
-        <p:nvPicPr>
-          <p:cNvPr id="9" name="Picture 8">
-            <a:extLst>
-              <a:ext uri="{FF2B5EF4-FFF2-40B4-BE49-F238E27FC236}">
-                <a16:creationId xmlns:a16="http://schemas.microsoft.com/office/drawing/2014/main" id="{5B5C5490-4CFE-4705-AFD7-6EFBD20D9BE0}"/>
-              </a:ext>
-            </a:extLst>
-          </p:cNvPr>
-          <p:cNvPicPr>
-            <a:picLocks noChangeAspect="1"/>
-          </p:cNvPicPr>
-          <p:nvPr/>
-        </p:nvPicPr>
-        <p:blipFill>
-          <a:blip r:embed="rId2"/>
-          <a:stretch>
-            <a:fillRect/>
-          </a:stretch>
-        </p:blipFill>
-        <p:spPr>
-          <a:xfrm>
-            <a:off x="5014810" y="136491"/>
-            <a:ext cx="4105275" cy="5457825"/>
-          </a:xfrm>
-          <a:prstGeom prst="rect">
-            <a:avLst/>
-          </a:prstGeom>
-        </p:spPr>
-      </p:pic>
-      <p:cxnSp>
-        <p:nvCxnSpPr>
-          <p:cNvPr id="15" name="Straight Arrow Connector 14">
-            <a:extLst>
-              <a:ext uri="{FF2B5EF4-FFF2-40B4-BE49-F238E27FC236}">
-                <a16:creationId xmlns:a16="http://schemas.microsoft.com/office/drawing/2014/main" id="{EA6FF5A0-8BC4-4A9B-8C75-5200EEC2584C}"/>
-              </a:ext>
-            </a:extLst>
-          </p:cNvPr>
-          <p:cNvCxnSpPr/>
-          <p:nvPr/>
-        </p:nvCxnSpPr>
-        <p:spPr>
-          <a:xfrm>
-            <a:off x="3711243" y="2856023"/>
-            <a:ext cx="1813810" cy="0"/>
-          </a:xfrm>
-          <a:prstGeom prst="straightConnector1">
-            <a:avLst/>
-          </a:prstGeom>
-          <a:ln w="28575">
-            <a:tailEnd type="triangle"/>
-          </a:ln>
-        </p:spPr>
-        <p:style>
-          <a:lnRef idx="1">
-            <a:schemeClr val="accent1"/>
-          </a:lnRef>
-          <a:fillRef idx="0">
-            <a:schemeClr val="accent1"/>
-          </a:fillRef>
-          <a:effectRef idx="0">
-            <a:schemeClr val="accent1"/>
-          </a:effectRef>
-          <a:fontRef idx="minor">
-            <a:schemeClr val="tx1"/>
-          </a:fontRef>
-        </p:style>
-      </p:cxnSp>
-      <p:cxnSp>
-        <p:nvCxnSpPr>
-          <p:cNvPr id="16" name="Straight Arrow Connector 15">
-            <a:extLst>
-              <a:ext uri="{FF2B5EF4-FFF2-40B4-BE49-F238E27FC236}">
-                <a16:creationId xmlns:a16="http://schemas.microsoft.com/office/drawing/2014/main" id="{F8CD50E9-E5B9-425D-BBC2-B187A5CC6D66}"/>
-              </a:ext>
-            </a:extLst>
-          </p:cNvPr>
-          <p:cNvCxnSpPr/>
-          <p:nvPr/>
-        </p:nvCxnSpPr>
-        <p:spPr>
-          <a:xfrm>
-            <a:off x="3934122" y="4694417"/>
-            <a:ext cx="1813810" cy="0"/>
-          </a:xfrm>
-          <a:prstGeom prst="straightConnector1">
-            <a:avLst/>
-          </a:prstGeom>
-          <a:ln w="28575">
-            <a:tailEnd type="triangle"/>
-          </a:ln>
-        </p:spPr>
-        <p:style>
-          <a:lnRef idx="1">
-            <a:schemeClr val="accent1"/>
-          </a:lnRef>
-          <a:fillRef idx="0">
-            <a:schemeClr val="accent1"/>
-          </a:fillRef>
-          <a:effectRef idx="0">
-            <a:schemeClr val="accent1"/>
-          </a:effectRef>
-          <a:fontRef idx="minor">
-            <a:schemeClr val="tx1"/>
-          </a:fontRef>
-        </p:style>
-      </p:cxnSp>
-      <p:sp>
-        <p:nvSpPr>
-          <p:cNvPr id="17" name="TextBox 16">
-            <a:extLst>
-              <a:ext uri="{FF2B5EF4-FFF2-40B4-BE49-F238E27FC236}">
-                <a16:creationId xmlns:a16="http://schemas.microsoft.com/office/drawing/2014/main" id="{DC7D5002-27FF-4C07-BABC-C33D350BAF9C}"/>
-              </a:ext>
-            </a:extLst>
-          </p:cNvPr>
-          <p:cNvSpPr txBox="1"/>
-          <p:nvPr/>
-        </p:nvSpPr>
-        <p:spPr>
-          <a:xfrm>
-            <a:off x="947901" y="1910237"/>
-            <a:ext cx="2763342" cy="1477328"/>
-          </a:xfrm>
-          <a:prstGeom prst="rect">
-            <a:avLst/>
-          </a:prstGeom>
-          <a:noFill/>
-        </p:spPr>
-        <p:txBody>
-          <a:bodyPr wrap="square" rtlCol="0">
-            <a:spAutoFit/>
-          </a:bodyPr>
-          <a:lstStyle/>
-          <a:p>
-            <a:r>
-              <a:rPr lang="en-US" sz="3600" b="1" dirty="0">
-                <a:solidFill>
-                  <a:srgbClr val="0070C0"/>
-                </a:solidFill>
-              </a:rPr>
-              <a:t>52</a:t>
-            </a:r>
-            <a:r>
-              <a:rPr lang="en-US" sz="3600" dirty="0">
-                <a:solidFill>
-                  <a:srgbClr val="0070C0"/>
-                </a:solidFill>
-              </a:rPr>
-              <a:t>% </a:t>
-            </a:r>
-          </a:p>
-          <a:p>
-            <a:r>
-              <a:rPr lang="en-US" dirty="0"/>
-              <a:t>of people experiencing physical assault in 2018 – 2020 made a police report</a:t>
-            </a:r>
-            <a:r>
-              <a:rPr lang="en-US" baseline="30000" dirty="0"/>
-              <a:t>3</a:t>
-            </a:r>
-            <a:endParaRPr lang="en-AU" baseline="30000" dirty="0"/>
-          </a:p>
-        </p:txBody>
-      </p:sp>
-      <p:sp>
-        <p:nvSpPr>
-          <p:cNvPr id="18" name="TextBox 17">
-            <a:extLst>
-              <a:ext uri="{FF2B5EF4-FFF2-40B4-BE49-F238E27FC236}">
-                <a16:creationId xmlns:a16="http://schemas.microsoft.com/office/drawing/2014/main" id="{66C16796-CB0B-4606-8F69-C31EC83BC735}"/>
-              </a:ext>
-            </a:extLst>
-          </p:cNvPr>
-          <p:cNvSpPr txBox="1"/>
-          <p:nvPr/>
-        </p:nvSpPr>
-        <p:spPr>
-          <a:xfrm>
-            <a:off x="1102436" y="3773534"/>
-            <a:ext cx="2763342" cy="1754326"/>
-          </a:xfrm>
-          <a:prstGeom prst="rect">
-            <a:avLst/>
-          </a:prstGeom>
-          <a:noFill/>
-        </p:spPr>
-        <p:txBody>
-          <a:bodyPr wrap="square" rtlCol="0">
-            <a:spAutoFit/>
-          </a:bodyPr>
-          <a:lstStyle/>
-          <a:p>
-            <a:r>
-              <a:rPr lang="en-US" sz="3600" b="1" dirty="0">
-                <a:solidFill>
-                  <a:srgbClr val="0070C0"/>
-                </a:solidFill>
-              </a:rPr>
-              <a:t>54</a:t>
-            </a:r>
-            <a:r>
-              <a:rPr lang="en-US" sz="3600" dirty="0">
-                <a:solidFill>
-                  <a:srgbClr val="0070C0"/>
-                </a:solidFill>
-              </a:rPr>
-              <a:t>% </a:t>
-            </a:r>
-          </a:p>
-          <a:p>
-            <a:r>
-              <a:rPr lang="en-US" dirty="0"/>
-              <a:t>of women experiencing domestic violence from a current partner sought help in 2016</a:t>
-            </a:r>
-            <a:r>
-              <a:rPr lang="en-US" baseline="30000" dirty="0"/>
-              <a:t>4</a:t>
-            </a:r>
-            <a:endParaRPr lang="en-AU" baseline="30000" dirty="0"/>
-          </a:p>
-        </p:txBody>
-      </p:sp>
-      <p:cxnSp>
-        <p:nvCxnSpPr>
-          <p:cNvPr id="19" name="Straight Arrow Connector 18">
-            <a:extLst>
-              <a:ext uri="{FF2B5EF4-FFF2-40B4-BE49-F238E27FC236}">
-                <a16:creationId xmlns:a16="http://schemas.microsoft.com/office/drawing/2014/main" id="{2237EC9C-A5A5-49D5-9EEC-ECB818D85B46}"/>
-              </a:ext>
-            </a:extLst>
-          </p:cNvPr>
-          <p:cNvCxnSpPr>
-            <a:cxnSpLocks/>
-          </p:cNvCxnSpPr>
-          <p:nvPr/>
-        </p:nvCxnSpPr>
-        <p:spPr>
-          <a:xfrm>
-            <a:off x="7707811" y="4947760"/>
-            <a:ext cx="1304190" cy="0"/>
-          </a:xfrm>
-          <a:prstGeom prst="straightConnector1">
-            <a:avLst/>
-          </a:prstGeom>
-          <a:ln w="28575">
-            <a:headEnd type="triangle"/>
-            <a:tailEnd type="none"/>
-          </a:ln>
-        </p:spPr>
-        <p:style>
-          <a:lnRef idx="1">
-            <a:schemeClr val="accent1"/>
-          </a:lnRef>
-          <a:fillRef idx="0">
-            <a:schemeClr val="accent1"/>
-          </a:fillRef>
-          <a:effectRef idx="0">
-            <a:schemeClr val="accent1"/>
-          </a:effectRef>
-          <a:fontRef idx="minor">
-            <a:schemeClr val="tx1"/>
-          </a:fontRef>
-        </p:style>
-      </p:cxnSp>
-      <p:sp>
-        <p:nvSpPr>
-          <p:cNvPr id="21" name="TextBox 20">
-            <a:extLst>
-              <a:ext uri="{FF2B5EF4-FFF2-40B4-BE49-F238E27FC236}">
-                <a16:creationId xmlns:a16="http://schemas.microsoft.com/office/drawing/2014/main" id="{73AEE27D-A0E8-43F8-86C5-B1999AFF0D42}"/>
-              </a:ext>
-            </a:extLst>
-          </p:cNvPr>
-          <p:cNvSpPr txBox="1"/>
-          <p:nvPr/>
-        </p:nvSpPr>
-        <p:spPr>
-          <a:xfrm>
-            <a:off x="9041981" y="3839991"/>
-            <a:ext cx="2763342" cy="1754326"/>
-          </a:xfrm>
-          <a:prstGeom prst="rect">
-            <a:avLst/>
-          </a:prstGeom>
-          <a:noFill/>
-        </p:spPr>
-        <p:txBody>
-          <a:bodyPr wrap="square" rtlCol="0">
-            <a:spAutoFit/>
-          </a:bodyPr>
-          <a:lstStyle/>
-          <a:p>
-            <a:r>
-              <a:rPr lang="en-US" sz="3600" b="1" dirty="0">
-                <a:solidFill>
-                  <a:srgbClr val="0070C0"/>
-                </a:solidFill>
-              </a:rPr>
-              <a:t>29</a:t>
-            </a:r>
-            <a:r>
-              <a:rPr lang="en-US" sz="3600" dirty="0">
-                <a:solidFill>
-                  <a:srgbClr val="0070C0"/>
-                </a:solidFill>
-              </a:rPr>
-              <a:t>% </a:t>
-            </a:r>
-          </a:p>
-          <a:p>
-            <a:r>
-              <a:rPr lang="en-US" dirty="0"/>
-              <a:t>of men experiencing domestic violence from a current partner sought help in 2016</a:t>
-            </a:r>
-            <a:r>
-              <a:rPr lang="en-US" baseline="30000" dirty="0"/>
-              <a:t>4</a:t>
-            </a:r>
-            <a:endParaRPr lang="en-AU" baseline="30000" dirty="0"/>
+              <a:t>Are there other indicators of domestic violence?</a:t>
+            </a:r>
           </a:p>
         </p:txBody>
       </p:sp>
     </p:spTree>
     <p:extLst>
       <p:ext uri="{BB962C8B-B14F-4D97-AF65-F5344CB8AC3E}">
-        <p14:creationId xmlns:p14="http://schemas.microsoft.com/office/powerpoint/2010/main" val="4187428052"/>
+        <p14:creationId xmlns:p14="http://schemas.microsoft.com/office/powerpoint/2010/main" val="3521766456"/>
       </p:ext>
     </p:extLst>
   </p:cSld>

--- a/Presentation1.pptx
+++ b/Presentation1.pptx
@@ -8,16 +8,16 @@
     <p:notesMasterId r:id="rId12"/>
   </p:notesMasterIdLst>
   <p:sldIdLst>
-    <p:sldId id="256" r:id="rId2"/>
-    <p:sldId id="266" r:id="rId3"/>
-    <p:sldId id="268" r:id="rId4"/>
-    <p:sldId id="263" r:id="rId5"/>
-    <p:sldId id="267" r:id="rId6"/>
-    <p:sldId id="258" r:id="rId7"/>
-    <p:sldId id="269" r:id="rId8"/>
-    <p:sldId id="262" r:id="rId9"/>
-    <p:sldId id="257" r:id="rId10"/>
-    <p:sldId id="260" r:id="rId11"/>
+    <p:sldId id="271" r:id="rId2"/>
+    <p:sldId id="268" r:id="rId3"/>
+    <p:sldId id="263" r:id="rId4"/>
+    <p:sldId id="267" r:id="rId5"/>
+    <p:sldId id="258" r:id="rId6"/>
+    <p:sldId id="269" r:id="rId7"/>
+    <p:sldId id="262" r:id="rId8"/>
+    <p:sldId id="257" r:id="rId9"/>
+    <p:sldId id="260" r:id="rId10"/>
+    <p:sldId id="270" r:id="rId11"/>
   </p:sldIdLst>
   <p:sldSz cx="12192000" cy="6858000"/>
   <p:notesSz cx="6858000" cy="9144000"/>
@@ -206,7 +206,7 @@
           <a:p>
             <a:fld id="{F78DD7F6-B2F6-4764-B5F9-51B2FD2DECCD}" type="datetimeFigureOut">
               <a:rPr lang="en-AU" smtClean="0"/>
-              <a:t>28/04/2021</a:t>
+              <a:t>29/04/2021</a:t>
             </a:fld>
             <a:endParaRPr lang="en-AU"/>
           </a:p>
@@ -518,6 +518,37 @@
           <a:bodyPr/>
           <a:lstStyle/>
           <a:p>
+            <a:pPr marL="171450" indent="-171450">
+              <a:buFontTx/>
+              <a:buChar char="-"/>
+            </a:pPr>
+            <a:r>
+              <a:rPr lang="en-US" dirty="0"/>
+              <a:t>We first wanted to examine the effects covid related lockdowns had on domestic violence in WA since we have heard of increased trends in news headlines</a:t>
+            </a:r>
+          </a:p>
+          <a:p>
+            <a:pPr marL="171450" indent="-171450">
+              <a:buFontTx/>
+              <a:buChar char="-"/>
+            </a:pPr>
+            <a:r>
+              <a:rPr lang="en-US" dirty="0"/>
+              <a:t>After an initial search for data we could not find any recent statistics on domestic violence available to us for the WA lockdown period March to June 2020</a:t>
+            </a:r>
+          </a:p>
+          <a:p>
+            <a:pPr marL="171450" indent="-171450">
+              <a:buFontTx/>
+              <a:buChar char="-"/>
+            </a:pPr>
+            <a:r>
+              <a:rPr lang="en-US" dirty="0"/>
+              <a:t>We decided to look at crime as a whole after finding monthly statics from WAPOL</a:t>
+            </a:r>
+            <a:endParaRPr lang="en-AU" dirty="0"/>
+          </a:p>
+          <a:p>
             <a:endParaRPr lang="en-AU" dirty="0"/>
           </a:p>
         </p:txBody>
@@ -548,7 +579,7 @@
     </p:spTree>
     <p:extLst>
       <p:ext uri="{BB962C8B-B14F-4D97-AF65-F5344CB8AC3E}">
-        <p14:creationId xmlns:p14="http://schemas.microsoft.com/office/powerpoint/2010/main" val="1439919350"/>
+        <p14:creationId xmlns:p14="http://schemas.microsoft.com/office/powerpoint/2010/main" val="2045705525"/>
       </p:ext>
     </p:extLst>
   </p:cSld>
@@ -602,34 +633,6 @@
           <a:bodyPr/>
           <a:lstStyle/>
           <a:p>
-            <a:pPr marL="171450" indent="-171450">
-              <a:buFontTx/>
-              <a:buChar char="-"/>
-            </a:pPr>
-            <a:r>
-              <a:rPr lang="en-US" dirty="0"/>
-              <a:t>We first wanted to examine the effects covid related lockdowns had on domestic violence in WA since we have heard of increased trends in news headlines</a:t>
-            </a:r>
-          </a:p>
-          <a:p>
-            <a:pPr marL="171450" indent="-171450">
-              <a:buFontTx/>
-              <a:buChar char="-"/>
-            </a:pPr>
-            <a:r>
-              <a:rPr lang="en-US" dirty="0"/>
-              <a:t>After an initial search for data we could not find any recent statistics on domestic violence available to us for the WA lockdown period March to June 2020</a:t>
-            </a:r>
-          </a:p>
-          <a:p>
-            <a:pPr marL="171450" indent="-171450">
-              <a:buFontTx/>
-              <a:buChar char="-"/>
-            </a:pPr>
-            <a:r>
-              <a:rPr lang="en-US" dirty="0"/>
-              <a:t>We decided to look at crime as a whole after finding monthly statics from WAPOL</a:t>
-            </a:r>
             <a:endParaRPr lang="en-AU" dirty="0"/>
           </a:p>
         </p:txBody>
@@ -660,7 +663,259 @@
     </p:spTree>
     <p:extLst>
       <p:ext uri="{BB962C8B-B14F-4D97-AF65-F5344CB8AC3E}">
-        <p14:creationId xmlns:p14="http://schemas.microsoft.com/office/powerpoint/2010/main" val="2623984319"/>
+        <p14:creationId xmlns:p14="http://schemas.microsoft.com/office/powerpoint/2010/main" val="3018318429"/>
+      </p:ext>
+    </p:extLst>
+  </p:cSld>
+  <p:clrMapOvr>
+    <a:masterClrMapping/>
+  </p:clrMapOvr>
+</p:notes>
+</file>
+
+<file path=ppt/notesSlides/notesSlide3.xml><?xml version="1.0" encoding="utf-8"?>
+<p:notes xmlns:a="http://schemas.openxmlformats.org/drawingml/2006/main" xmlns:r="http://schemas.openxmlformats.org/officeDocument/2006/relationships" xmlns:p="http://schemas.openxmlformats.org/presentationml/2006/main">
+  <p:cSld>
+    <p:spTree>
+      <p:nvGrpSpPr>
+        <p:cNvPr id="1" name=""/>
+        <p:cNvGrpSpPr/>
+        <p:nvPr/>
+      </p:nvGrpSpPr>
+      <p:grpSpPr>
+        <a:xfrm>
+          <a:off x="0" y="0"/>
+          <a:ext cx="0" cy="0"/>
+          <a:chOff x="0" y="0"/>
+          <a:chExt cx="0" cy="0"/>
+        </a:xfrm>
+      </p:grpSpPr>
+      <p:sp>
+        <p:nvSpPr>
+          <p:cNvPr id="2" name="Slide Image Placeholder 1"/>
+          <p:cNvSpPr>
+            <a:spLocks noGrp="1" noRot="1" noChangeAspect="1"/>
+          </p:cNvSpPr>
+          <p:nvPr>
+            <p:ph type="sldImg"/>
+          </p:nvPr>
+        </p:nvSpPr>
+        <p:spPr/>
+      </p:sp>
+      <p:sp>
+        <p:nvSpPr>
+          <p:cNvPr id="3" name="Notes Placeholder 2"/>
+          <p:cNvSpPr>
+            <a:spLocks noGrp="1"/>
+          </p:cNvSpPr>
+          <p:nvPr>
+            <p:ph type="body" idx="1"/>
+          </p:nvPr>
+        </p:nvSpPr>
+        <p:spPr/>
+        <p:txBody>
+          <a:bodyPr/>
+          <a:lstStyle/>
+          <a:p>
+            <a:endParaRPr lang="en-AU" dirty="0"/>
+          </a:p>
+        </p:txBody>
+      </p:sp>
+      <p:sp>
+        <p:nvSpPr>
+          <p:cNvPr id="4" name="Slide Number Placeholder 3"/>
+          <p:cNvSpPr>
+            <a:spLocks noGrp="1"/>
+          </p:cNvSpPr>
+          <p:nvPr>
+            <p:ph type="sldNum" sz="quarter" idx="5"/>
+          </p:nvPr>
+        </p:nvSpPr>
+        <p:spPr/>
+        <p:txBody>
+          <a:bodyPr/>
+          <a:lstStyle/>
+          <a:p>
+            <a:fld id="{642C7DC8-68F0-4E3C-86F5-A8478297BF26}" type="slidenum">
+              <a:rPr lang="en-AU" smtClean="0"/>
+              <a:t>5</a:t>
+            </a:fld>
+            <a:endParaRPr lang="en-AU"/>
+          </a:p>
+        </p:txBody>
+      </p:sp>
+    </p:spTree>
+    <p:extLst>
+      <p:ext uri="{BB962C8B-B14F-4D97-AF65-F5344CB8AC3E}">
+        <p14:creationId xmlns:p14="http://schemas.microsoft.com/office/powerpoint/2010/main" val="962056718"/>
+      </p:ext>
+    </p:extLst>
+  </p:cSld>
+  <p:clrMapOvr>
+    <a:masterClrMapping/>
+  </p:clrMapOvr>
+</p:notes>
+</file>
+
+<file path=ppt/notesSlides/notesSlide4.xml><?xml version="1.0" encoding="utf-8"?>
+<p:notes xmlns:a="http://schemas.openxmlformats.org/drawingml/2006/main" xmlns:r="http://schemas.openxmlformats.org/officeDocument/2006/relationships" xmlns:p="http://schemas.openxmlformats.org/presentationml/2006/main">
+  <p:cSld>
+    <p:spTree>
+      <p:nvGrpSpPr>
+        <p:cNvPr id="1" name=""/>
+        <p:cNvGrpSpPr/>
+        <p:nvPr/>
+      </p:nvGrpSpPr>
+      <p:grpSpPr>
+        <a:xfrm>
+          <a:off x="0" y="0"/>
+          <a:ext cx="0" cy="0"/>
+          <a:chOff x="0" y="0"/>
+          <a:chExt cx="0" cy="0"/>
+        </a:xfrm>
+      </p:grpSpPr>
+      <p:sp>
+        <p:nvSpPr>
+          <p:cNvPr id="2" name="Slide Image Placeholder 1"/>
+          <p:cNvSpPr>
+            <a:spLocks noGrp="1" noRot="1" noChangeAspect="1"/>
+          </p:cNvSpPr>
+          <p:nvPr>
+            <p:ph type="sldImg"/>
+          </p:nvPr>
+        </p:nvSpPr>
+        <p:spPr/>
+      </p:sp>
+      <p:sp>
+        <p:nvSpPr>
+          <p:cNvPr id="3" name="Notes Placeholder 2"/>
+          <p:cNvSpPr>
+            <a:spLocks noGrp="1"/>
+          </p:cNvSpPr>
+          <p:nvPr>
+            <p:ph type="body" idx="1"/>
+          </p:nvPr>
+        </p:nvSpPr>
+        <p:spPr/>
+        <p:txBody>
+          <a:bodyPr/>
+          <a:lstStyle/>
+          <a:p>
+            <a:endParaRPr lang="en-AU" dirty="0"/>
+          </a:p>
+        </p:txBody>
+      </p:sp>
+      <p:sp>
+        <p:nvSpPr>
+          <p:cNvPr id="4" name="Slide Number Placeholder 3"/>
+          <p:cNvSpPr>
+            <a:spLocks noGrp="1"/>
+          </p:cNvSpPr>
+          <p:nvPr>
+            <p:ph type="sldNum" sz="quarter" idx="5"/>
+          </p:nvPr>
+        </p:nvSpPr>
+        <p:spPr/>
+        <p:txBody>
+          <a:bodyPr/>
+          <a:lstStyle/>
+          <a:p>
+            <a:fld id="{642C7DC8-68F0-4E3C-86F5-A8478297BF26}" type="slidenum">
+              <a:rPr lang="en-AU" smtClean="0"/>
+              <a:t>8</a:t>
+            </a:fld>
+            <a:endParaRPr lang="en-AU"/>
+          </a:p>
+        </p:txBody>
+      </p:sp>
+    </p:spTree>
+    <p:extLst>
+      <p:ext uri="{BB962C8B-B14F-4D97-AF65-F5344CB8AC3E}">
+        <p14:creationId xmlns:p14="http://schemas.microsoft.com/office/powerpoint/2010/main" val="2753176229"/>
+      </p:ext>
+    </p:extLst>
+  </p:cSld>
+  <p:clrMapOvr>
+    <a:masterClrMapping/>
+  </p:clrMapOvr>
+</p:notes>
+</file>
+
+<file path=ppt/notesSlides/notesSlide5.xml><?xml version="1.0" encoding="utf-8"?>
+<p:notes xmlns:a="http://schemas.openxmlformats.org/drawingml/2006/main" xmlns:r="http://schemas.openxmlformats.org/officeDocument/2006/relationships" xmlns:p="http://schemas.openxmlformats.org/presentationml/2006/main">
+  <p:cSld>
+    <p:spTree>
+      <p:nvGrpSpPr>
+        <p:cNvPr id="1" name=""/>
+        <p:cNvGrpSpPr/>
+        <p:nvPr/>
+      </p:nvGrpSpPr>
+      <p:grpSpPr>
+        <a:xfrm>
+          <a:off x="0" y="0"/>
+          <a:ext cx="0" cy="0"/>
+          <a:chOff x="0" y="0"/>
+          <a:chExt cx="0" cy="0"/>
+        </a:xfrm>
+      </p:grpSpPr>
+      <p:sp>
+        <p:nvSpPr>
+          <p:cNvPr id="2" name="Slide Image Placeholder 1"/>
+          <p:cNvSpPr>
+            <a:spLocks noGrp="1" noRot="1" noChangeAspect="1"/>
+          </p:cNvSpPr>
+          <p:nvPr>
+            <p:ph type="sldImg"/>
+          </p:nvPr>
+        </p:nvSpPr>
+        <p:spPr/>
+      </p:sp>
+      <p:sp>
+        <p:nvSpPr>
+          <p:cNvPr id="3" name="Notes Placeholder 2"/>
+          <p:cNvSpPr>
+            <a:spLocks noGrp="1"/>
+          </p:cNvSpPr>
+          <p:nvPr>
+            <p:ph type="body" idx="1"/>
+          </p:nvPr>
+        </p:nvSpPr>
+        <p:spPr/>
+        <p:txBody>
+          <a:bodyPr/>
+          <a:lstStyle/>
+          <a:p>
+            <a:endParaRPr lang="en-AU" dirty="0"/>
+          </a:p>
+        </p:txBody>
+      </p:sp>
+      <p:sp>
+        <p:nvSpPr>
+          <p:cNvPr id="4" name="Slide Number Placeholder 3"/>
+          <p:cNvSpPr>
+            <a:spLocks noGrp="1"/>
+          </p:cNvSpPr>
+          <p:nvPr>
+            <p:ph type="sldNum" sz="quarter" idx="5"/>
+          </p:nvPr>
+        </p:nvSpPr>
+        <p:spPr/>
+        <p:txBody>
+          <a:bodyPr/>
+          <a:lstStyle/>
+          <a:p>
+            <a:fld id="{642C7DC8-68F0-4E3C-86F5-A8478297BF26}" type="slidenum">
+              <a:rPr lang="en-AU" smtClean="0"/>
+              <a:t>10</a:t>
+            </a:fld>
+            <a:endParaRPr lang="en-AU"/>
+          </a:p>
+        </p:txBody>
+      </p:sp>
+    </p:spTree>
+    <p:extLst>
+      <p:ext uri="{BB962C8B-B14F-4D97-AF65-F5344CB8AC3E}">
+        <p14:creationId xmlns:p14="http://schemas.microsoft.com/office/powerpoint/2010/main" val="252532261"/>
       </p:ext>
     </p:extLst>
   </p:cSld>
@@ -819,7 +1074,7 @@
           <a:p>
             <a:fld id="{8C6429F7-7731-4853-9ED8-E0C074C394DE}" type="datetimeFigureOut">
               <a:rPr lang="en-AU" smtClean="0"/>
-              <a:t>28/04/2021</a:t>
+              <a:t>29/04/2021</a:t>
             </a:fld>
             <a:endParaRPr lang="en-AU"/>
           </a:p>
@@ -1019,7 +1274,7 @@
           <a:p>
             <a:fld id="{8C6429F7-7731-4853-9ED8-E0C074C394DE}" type="datetimeFigureOut">
               <a:rPr lang="en-AU" smtClean="0"/>
-              <a:t>28/04/2021</a:t>
+              <a:t>29/04/2021</a:t>
             </a:fld>
             <a:endParaRPr lang="en-AU"/>
           </a:p>
@@ -1229,7 +1484,7 @@
           <a:p>
             <a:fld id="{8C6429F7-7731-4853-9ED8-E0C074C394DE}" type="datetimeFigureOut">
               <a:rPr lang="en-AU" smtClean="0"/>
-              <a:t>28/04/2021</a:t>
+              <a:t>29/04/2021</a:t>
             </a:fld>
             <a:endParaRPr lang="en-AU"/>
           </a:p>
@@ -1429,7 +1684,7 @@
           <a:p>
             <a:fld id="{8C6429F7-7731-4853-9ED8-E0C074C394DE}" type="datetimeFigureOut">
               <a:rPr lang="en-AU" smtClean="0"/>
-              <a:t>28/04/2021</a:t>
+              <a:t>29/04/2021</a:t>
             </a:fld>
             <a:endParaRPr lang="en-AU"/>
           </a:p>
@@ -1705,7 +1960,7 @@
           <a:p>
             <a:fld id="{8C6429F7-7731-4853-9ED8-E0C074C394DE}" type="datetimeFigureOut">
               <a:rPr lang="en-AU" smtClean="0"/>
-              <a:t>28/04/2021</a:t>
+              <a:t>29/04/2021</a:t>
             </a:fld>
             <a:endParaRPr lang="en-AU"/>
           </a:p>
@@ -1973,7 +2228,7 @@
           <a:p>
             <a:fld id="{8C6429F7-7731-4853-9ED8-E0C074C394DE}" type="datetimeFigureOut">
               <a:rPr lang="en-AU" smtClean="0"/>
-              <a:t>28/04/2021</a:t>
+              <a:t>29/04/2021</a:t>
             </a:fld>
             <a:endParaRPr lang="en-AU"/>
           </a:p>
@@ -2388,7 +2643,7 @@
           <a:p>
             <a:fld id="{8C6429F7-7731-4853-9ED8-E0C074C394DE}" type="datetimeFigureOut">
               <a:rPr lang="en-AU" smtClean="0"/>
-              <a:t>28/04/2021</a:t>
+              <a:t>29/04/2021</a:t>
             </a:fld>
             <a:endParaRPr lang="en-AU"/>
           </a:p>
@@ -2530,7 +2785,7 @@
           <a:p>
             <a:fld id="{8C6429F7-7731-4853-9ED8-E0C074C394DE}" type="datetimeFigureOut">
               <a:rPr lang="en-AU" smtClean="0"/>
-              <a:t>28/04/2021</a:t>
+              <a:t>29/04/2021</a:t>
             </a:fld>
             <a:endParaRPr lang="en-AU"/>
           </a:p>
@@ -2643,7 +2898,7 @@
           <a:p>
             <a:fld id="{8C6429F7-7731-4853-9ED8-E0C074C394DE}" type="datetimeFigureOut">
               <a:rPr lang="en-AU" smtClean="0"/>
-              <a:t>28/04/2021</a:t>
+              <a:t>29/04/2021</a:t>
             </a:fld>
             <a:endParaRPr lang="en-AU"/>
           </a:p>
@@ -2956,7 +3211,7 @@
           <a:p>
             <a:fld id="{8C6429F7-7731-4853-9ED8-E0C074C394DE}" type="datetimeFigureOut">
               <a:rPr lang="en-AU" smtClean="0"/>
-              <a:t>28/04/2021</a:t>
+              <a:t>29/04/2021</a:t>
             </a:fld>
             <a:endParaRPr lang="en-AU"/>
           </a:p>
@@ -3245,7 +3500,7 @@
           <a:p>
             <a:fld id="{8C6429F7-7731-4853-9ED8-E0C074C394DE}" type="datetimeFigureOut">
               <a:rPr lang="en-AU" smtClean="0"/>
-              <a:t>28/04/2021</a:t>
+              <a:t>29/04/2021</a:t>
             </a:fld>
             <a:endParaRPr lang="en-AU"/>
           </a:p>
@@ -3488,7 +3743,7 @@
           <a:p>
             <a:fld id="{8C6429F7-7731-4853-9ED8-E0C074C394DE}" type="datetimeFigureOut">
               <a:rPr lang="en-AU" smtClean="0"/>
-              <a:t>28/04/2021</a:t>
+              <a:t>29/04/2021</a:t>
             </a:fld>
             <a:endParaRPr lang="en-AU"/>
           </a:p>
@@ -3891,6 +4146,17 @@
 <file path=ppt/slides/slide1.xml><?xml version="1.0" encoding="utf-8"?>
 <p:sld xmlns:a="http://schemas.openxmlformats.org/drawingml/2006/main" xmlns:r="http://schemas.openxmlformats.org/officeDocument/2006/relationships" xmlns:p="http://schemas.openxmlformats.org/presentationml/2006/main">
   <p:cSld>
+    <p:bg>
+      <p:bgPr>
+        <a:solidFill>
+          <a:schemeClr val="bg1">
+            <a:tint val="95000"/>
+            <a:satMod val="170000"/>
+          </a:schemeClr>
+        </a:solidFill>
+        <a:effectLst/>
+      </p:bgPr>
+    </p:bg>
     <p:spTree>
       <p:nvGrpSpPr>
         <p:cNvPr id="1" name=""/>
@@ -3905,23 +4171,329 @@
           <a:chExt cx="0" cy="0"/>
         </a:xfrm>
       </p:grpSpPr>
-      <p:sp>
-        <p:nvSpPr>
-          <p:cNvPr id="2" name="Title 1">
-            <a:extLst>
-              <a:ext uri="{FF2B5EF4-FFF2-40B4-BE49-F238E27FC236}">
-                <a16:creationId xmlns:a16="http://schemas.microsoft.com/office/drawing/2014/main" id="{CBC63FC6-73DA-4B2F-9A41-7DC724600B95}"/>
-              </a:ext>
-            </a:extLst>
-          </p:cNvPr>
-          <p:cNvSpPr>
-            <a:spLocks noGrp="1"/>
-          </p:cNvSpPr>
-          <p:nvPr>
-            <p:ph type="ctrTitle"/>
-          </p:nvPr>
-        </p:nvSpPr>
+      <p:pic>
+        <p:nvPicPr>
+          <p:cNvPr id="5" name="Picture 4" descr="Graphical user interface, website&#10;&#10;Description automatically generated">
+            <a:extLst>
+              <a:ext uri="{FF2B5EF4-FFF2-40B4-BE49-F238E27FC236}">
+                <a16:creationId xmlns:a16="http://schemas.microsoft.com/office/drawing/2014/main" id="{022FBF27-902E-4C18-84E9-992BAF0130A6}"/>
+              </a:ext>
+            </a:extLst>
+          </p:cNvPr>
+          <p:cNvPicPr>
+            <a:picLocks noChangeAspect="1"/>
+          </p:cNvPicPr>
+          <p:nvPr/>
+        </p:nvPicPr>
+        <p:blipFill rotWithShape="1">
+          <a:blip r:embed="rId3">
+            <a:extLst>
+              <a:ext uri="{28A0092B-C50C-407E-A947-70E740481C1C}">
+                <a14:useLocalDpi xmlns:a14="http://schemas.microsoft.com/office/drawing/2010/main" val="0"/>
+              </a:ext>
+            </a:extLst>
+          </a:blip>
+          <a:srcRect r="-1" b="4333"/>
+          <a:stretch/>
+        </p:blipFill>
         <p:spPr>
+          <a:xfrm>
+            <a:off x="321733" y="301636"/>
+            <a:ext cx="11548534" cy="6214534"/>
+          </a:xfrm>
+          <a:prstGeom prst="rect">
+            <a:avLst/>
+          </a:prstGeom>
+        </p:spPr>
+      </p:pic>
+      <p:sp>
+        <p:nvSpPr>
+          <p:cNvPr id="6" name="Subtitle 2">
+            <a:extLst>
+              <a:ext uri="{FF2B5EF4-FFF2-40B4-BE49-F238E27FC236}">
+                <a16:creationId xmlns:a16="http://schemas.microsoft.com/office/drawing/2014/main" id="{A622F4E3-EADF-432F-99CF-77B9E51FD7C3}"/>
+              </a:ext>
+            </a:extLst>
+          </p:cNvPr>
+          <p:cNvSpPr txBox="1">
+            <a:spLocks/>
+          </p:cNvSpPr>
+          <p:nvPr/>
+        </p:nvSpPr>
+        <p:spPr>
+          <a:xfrm>
+            <a:off x="6096000" y="5285432"/>
+            <a:ext cx="5010778" cy="1009860"/>
+          </a:xfrm>
+          <a:prstGeom prst="rect">
+            <a:avLst/>
+          </a:prstGeom>
+        </p:spPr>
+        <p:txBody>
+          <a:bodyPr>
+            <a:normAutofit/>
+          </a:bodyPr>
+          <a:lstStyle>
+            <a:lvl1pPr marL="228600" indent="-228600" algn="l" defTabSz="914400" rtl="0" eaLnBrk="1" latinLnBrk="0" hangingPunct="1">
+              <a:lnSpc>
+                <a:spcPct val="90000"/>
+              </a:lnSpc>
+              <a:spcBef>
+                <a:spcPts val="1000"/>
+              </a:spcBef>
+              <a:buFont typeface="Arial" panose="020B0604020202020204" pitchFamily="34" charset="0"/>
+              <a:buChar char="•"/>
+              <a:defRPr sz="2800" kern="1200">
+                <a:solidFill>
+                  <a:schemeClr val="tx1"/>
+                </a:solidFill>
+                <a:latin typeface="+mn-lt"/>
+                <a:ea typeface="+mn-ea"/>
+                <a:cs typeface="+mn-cs"/>
+              </a:defRPr>
+            </a:lvl1pPr>
+            <a:lvl2pPr marL="685800" indent="-228600" algn="l" defTabSz="914400" rtl="0" eaLnBrk="1" latinLnBrk="0" hangingPunct="1">
+              <a:lnSpc>
+                <a:spcPct val="90000"/>
+              </a:lnSpc>
+              <a:spcBef>
+                <a:spcPts val="500"/>
+              </a:spcBef>
+              <a:buFont typeface="Arial" panose="020B0604020202020204" pitchFamily="34" charset="0"/>
+              <a:buChar char="•"/>
+              <a:defRPr sz="2400" kern="1200">
+                <a:solidFill>
+                  <a:schemeClr val="tx1"/>
+                </a:solidFill>
+                <a:latin typeface="+mn-lt"/>
+                <a:ea typeface="+mn-ea"/>
+                <a:cs typeface="+mn-cs"/>
+              </a:defRPr>
+            </a:lvl2pPr>
+            <a:lvl3pPr marL="1143000" indent="-228600" algn="l" defTabSz="914400" rtl="0" eaLnBrk="1" latinLnBrk="0" hangingPunct="1">
+              <a:lnSpc>
+                <a:spcPct val="90000"/>
+              </a:lnSpc>
+              <a:spcBef>
+                <a:spcPts val="500"/>
+              </a:spcBef>
+              <a:buFont typeface="Arial" panose="020B0604020202020204" pitchFamily="34" charset="0"/>
+              <a:buChar char="•"/>
+              <a:defRPr sz="2000" kern="1200">
+                <a:solidFill>
+                  <a:schemeClr val="tx1"/>
+                </a:solidFill>
+                <a:latin typeface="+mn-lt"/>
+                <a:ea typeface="+mn-ea"/>
+                <a:cs typeface="+mn-cs"/>
+              </a:defRPr>
+            </a:lvl3pPr>
+            <a:lvl4pPr marL="1600200" indent="-228600" algn="l" defTabSz="914400" rtl="0" eaLnBrk="1" latinLnBrk="0" hangingPunct="1">
+              <a:lnSpc>
+                <a:spcPct val="90000"/>
+              </a:lnSpc>
+              <a:spcBef>
+                <a:spcPts val="500"/>
+              </a:spcBef>
+              <a:buFont typeface="Arial" panose="020B0604020202020204" pitchFamily="34" charset="0"/>
+              <a:buChar char="•"/>
+              <a:defRPr sz="1800" kern="1200">
+                <a:solidFill>
+                  <a:schemeClr val="tx1"/>
+                </a:solidFill>
+                <a:latin typeface="+mn-lt"/>
+                <a:ea typeface="+mn-ea"/>
+                <a:cs typeface="+mn-cs"/>
+              </a:defRPr>
+            </a:lvl4pPr>
+            <a:lvl5pPr marL="2057400" indent="-228600" algn="l" defTabSz="914400" rtl="0" eaLnBrk="1" latinLnBrk="0" hangingPunct="1">
+              <a:lnSpc>
+                <a:spcPct val="90000"/>
+              </a:lnSpc>
+              <a:spcBef>
+                <a:spcPts val="500"/>
+              </a:spcBef>
+              <a:buFont typeface="Arial" panose="020B0604020202020204" pitchFamily="34" charset="0"/>
+              <a:buChar char="•"/>
+              <a:defRPr sz="1800" kern="1200">
+                <a:solidFill>
+                  <a:schemeClr val="tx1"/>
+                </a:solidFill>
+                <a:latin typeface="+mn-lt"/>
+                <a:ea typeface="+mn-ea"/>
+                <a:cs typeface="+mn-cs"/>
+              </a:defRPr>
+            </a:lvl5pPr>
+            <a:lvl6pPr marL="2514600" indent="-228600" algn="l" defTabSz="914400" rtl="0" eaLnBrk="1" latinLnBrk="0" hangingPunct="1">
+              <a:lnSpc>
+                <a:spcPct val="90000"/>
+              </a:lnSpc>
+              <a:spcBef>
+                <a:spcPts val="500"/>
+              </a:spcBef>
+              <a:buFont typeface="Arial" panose="020B0604020202020204" pitchFamily="34" charset="0"/>
+              <a:buChar char="•"/>
+              <a:defRPr sz="1800" kern="1200">
+                <a:solidFill>
+                  <a:schemeClr val="tx1"/>
+                </a:solidFill>
+                <a:latin typeface="+mn-lt"/>
+                <a:ea typeface="+mn-ea"/>
+                <a:cs typeface="+mn-cs"/>
+              </a:defRPr>
+            </a:lvl6pPr>
+            <a:lvl7pPr marL="2971800" indent="-228600" algn="l" defTabSz="914400" rtl="0" eaLnBrk="1" latinLnBrk="0" hangingPunct="1">
+              <a:lnSpc>
+                <a:spcPct val="90000"/>
+              </a:lnSpc>
+              <a:spcBef>
+                <a:spcPts val="500"/>
+              </a:spcBef>
+              <a:buFont typeface="Arial" panose="020B0604020202020204" pitchFamily="34" charset="0"/>
+              <a:buChar char="•"/>
+              <a:defRPr sz="1800" kern="1200">
+                <a:solidFill>
+                  <a:schemeClr val="tx1"/>
+                </a:solidFill>
+                <a:latin typeface="+mn-lt"/>
+                <a:ea typeface="+mn-ea"/>
+                <a:cs typeface="+mn-cs"/>
+              </a:defRPr>
+            </a:lvl7pPr>
+            <a:lvl8pPr marL="3429000" indent="-228600" algn="l" defTabSz="914400" rtl="0" eaLnBrk="1" latinLnBrk="0" hangingPunct="1">
+              <a:lnSpc>
+                <a:spcPct val="90000"/>
+              </a:lnSpc>
+              <a:spcBef>
+                <a:spcPts val="500"/>
+              </a:spcBef>
+              <a:buFont typeface="Arial" panose="020B0604020202020204" pitchFamily="34" charset="0"/>
+              <a:buChar char="•"/>
+              <a:defRPr sz="1800" kern="1200">
+                <a:solidFill>
+                  <a:schemeClr val="tx1"/>
+                </a:solidFill>
+                <a:latin typeface="+mn-lt"/>
+                <a:ea typeface="+mn-ea"/>
+                <a:cs typeface="+mn-cs"/>
+              </a:defRPr>
+            </a:lvl8pPr>
+            <a:lvl9pPr marL="3886200" indent="-228600" algn="l" defTabSz="914400" rtl="0" eaLnBrk="1" latinLnBrk="0" hangingPunct="1">
+              <a:lnSpc>
+                <a:spcPct val="90000"/>
+              </a:lnSpc>
+              <a:spcBef>
+                <a:spcPts val="500"/>
+              </a:spcBef>
+              <a:buFont typeface="Arial" panose="020B0604020202020204" pitchFamily="34" charset="0"/>
+              <a:buChar char="•"/>
+              <a:defRPr sz="1800" kern="1200">
+                <a:solidFill>
+                  <a:schemeClr val="tx1"/>
+                </a:solidFill>
+                <a:latin typeface="+mn-lt"/>
+                <a:ea typeface="+mn-ea"/>
+                <a:cs typeface="+mn-cs"/>
+              </a:defRPr>
+            </a:lvl9pPr>
+          </a:lstStyle>
+          <a:p>
+            <a:endParaRPr lang="en-US" dirty="0"/>
+          </a:p>
+          <a:p>
+            <a:pPr marL="0" indent="0">
+              <a:buNone/>
+            </a:pPr>
+            <a:r>
+              <a:rPr lang="en-US" sz="1800" dirty="0">
+                <a:solidFill>
+                  <a:schemeClr val="bg1"/>
+                </a:solidFill>
+              </a:rPr>
+              <a:t>Fern Bradder             Sri </a:t>
+            </a:r>
+            <a:r>
+              <a:rPr lang="en-US" sz="1800" dirty="0" err="1">
+                <a:solidFill>
+                  <a:schemeClr val="bg1"/>
+                </a:solidFill>
+              </a:rPr>
+              <a:t>Vegunta</a:t>
+            </a:r>
+            <a:r>
+              <a:rPr lang="en-US" sz="1800" dirty="0">
+                <a:solidFill>
+                  <a:schemeClr val="bg1"/>
+                </a:solidFill>
+              </a:rPr>
+              <a:t>             Petra Moyle</a:t>
+            </a:r>
+            <a:endParaRPr lang="en-AU" sz="1800" dirty="0">
+              <a:solidFill>
+                <a:schemeClr val="bg1"/>
+              </a:solidFill>
+            </a:endParaRPr>
+          </a:p>
+        </p:txBody>
+      </p:sp>
+    </p:spTree>
+    <p:extLst>
+      <p:ext uri="{BB962C8B-B14F-4D97-AF65-F5344CB8AC3E}">
+        <p14:creationId xmlns:p14="http://schemas.microsoft.com/office/powerpoint/2010/main" val="976605753"/>
+      </p:ext>
+    </p:extLst>
+  </p:cSld>
+  <p:clrMapOvr>
+    <a:overrideClrMapping bg1="dk1" tx1="lt1" bg2="dk2" tx2="lt2" accent1="accent1" accent2="accent2" accent3="accent3" accent4="accent4" accent5="accent5" accent6="accent6" hlink="hlink" folHlink="folHlink"/>
+  </p:clrMapOvr>
+  <mc:AlternateContent xmlns:mc="http://schemas.openxmlformats.org/markup-compatibility/2006">
+    <mc:Choice xmlns:p14="http://schemas.microsoft.com/office/powerpoint/2010/main" Requires="p14">
+      <p:transition spd="slow" p14:dur="2000" advTm="12611"/>
+    </mc:Choice>
+    <mc:Fallback>
+      <p:transition spd="slow" advTm="12611"/>
+    </mc:Fallback>
+  </mc:AlternateContent>
+</p:sld>
+</file>
+
+<file path=ppt/slides/slide10.xml><?xml version="1.0" encoding="utf-8"?>
+<p:sld xmlns:a="http://schemas.openxmlformats.org/drawingml/2006/main" xmlns:r="http://schemas.openxmlformats.org/officeDocument/2006/relationships" xmlns:p="http://schemas.openxmlformats.org/presentationml/2006/main">
+  <p:cSld>
+    <p:spTree>
+      <p:nvGrpSpPr>
+        <p:cNvPr id="1" name=""/>
+        <p:cNvGrpSpPr/>
+        <p:nvPr/>
+      </p:nvGrpSpPr>
+      <p:grpSpPr>
+        <a:xfrm>
+          <a:off x="0" y="0"/>
+          <a:ext cx="0" cy="0"/>
+          <a:chOff x="0" y="0"/>
+          <a:chExt cx="0" cy="0"/>
+        </a:xfrm>
+      </p:grpSpPr>
+      <p:sp>
+        <p:nvSpPr>
+          <p:cNvPr id="3" name="TextBox 2">
+            <a:extLst>
+              <a:ext uri="{FF2B5EF4-FFF2-40B4-BE49-F238E27FC236}">
+                <a16:creationId xmlns:a16="http://schemas.microsoft.com/office/drawing/2014/main" id="{4505943B-43BA-4457-B09B-DFC3EECC7FFB}"/>
+              </a:ext>
+            </a:extLst>
+          </p:cNvPr>
+          <p:cNvSpPr txBox="1"/>
+          <p:nvPr/>
+        </p:nvSpPr>
+        <p:spPr>
+          <a:xfrm>
+            <a:off x="1674044" y="1166842"/>
+            <a:ext cx="8523401" cy="4524315"/>
+          </a:xfrm>
+          <a:prstGeom prst="rect">
+            <a:avLst/>
+          </a:prstGeom>
           <a:solidFill>
             <a:schemeClr val="bg2">
               <a:lumMod val="25000"/>
@@ -3929,75 +4501,154 @@
           </a:solidFill>
         </p:spPr>
         <p:txBody>
-          <a:bodyPr anchor="ctr"/>
-          <a:lstStyle/>
-          <a:p>
-            <a:r>
-              <a:rPr lang="en-US" dirty="0">
-                <a:solidFill>
-                  <a:schemeClr val="bg1"/>
-                </a:solidFill>
-              </a:rPr>
-              <a:t>The Effect of Covid-19 on Domestic Violence in WA</a:t>
-            </a:r>
+          <a:bodyPr wrap="square" rtlCol="0" anchor="ctr">
+            <a:spAutoFit/>
+          </a:bodyPr>
+          <a:lstStyle/>
+          <a:p>
+            <a:endParaRPr lang="en-US" dirty="0">
+              <a:solidFill>
+                <a:schemeClr val="bg1"/>
+              </a:solidFill>
+            </a:endParaRPr>
+          </a:p>
+          <a:p>
+            <a:pPr algn="ctr"/>
             <a:endParaRPr lang="en-AU" dirty="0">
               <a:solidFill>
                 <a:schemeClr val="bg1"/>
               </a:solidFill>
             </a:endParaRPr>
           </a:p>
-        </p:txBody>
-      </p:sp>
-      <p:sp>
-        <p:nvSpPr>
-          <p:cNvPr id="3" name="Subtitle 2">
-            <a:extLst>
-              <a:ext uri="{FF2B5EF4-FFF2-40B4-BE49-F238E27FC236}">
-                <a16:creationId xmlns:a16="http://schemas.microsoft.com/office/drawing/2014/main" id="{94454114-CA73-482F-AB1B-973DE478F746}"/>
-              </a:ext>
-            </a:extLst>
-          </p:cNvPr>
-          <p:cNvSpPr>
-            <a:spLocks noGrp="1"/>
-          </p:cNvSpPr>
-          <p:nvPr>
-            <p:ph type="subTitle" idx="1"/>
-          </p:nvPr>
-        </p:nvSpPr>
-        <p:spPr/>
-        <p:txBody>
-          <a:bodyPr/>
-          <a:lstStyle/>
-          <a:p>
-            <a:r>
-              <a:rPr lang="en-US" dirty="0"/>
-              <a:t>Fern Bradder</a:t>
-            </a:r>
-          </a:p>
-          <a:p>
-            <a:r>
-              <a:rPr lang="en-US" dirty="0"/>
-              <a:t>Sri </a:t>
-            </a:r>
-            <a:r>
-              <a:rPr lang="en-US" dirty="0" err="1"/>
-              <a:t>Vegunta</a:t>
-            </a:r>
-            <a:endParaRPr lang="en-US" dirty="0"/>
-          </a:p>
-          <a:p>
-            <a:r>
-              <a:rPr lang="en-US" dirty="0"/>
-              <a:t>Petra Moyle</a:t>
-            </a:r>
-            <a:endParaRPr lang="en-AU" dirty="0"/>
+          <a:p>
+            <a:pPr algn="ctr"/>
+            <a:endParaRPr lang="en-AU" dirty="0">
+              <a:solidFill>
+                <a:schemeClr val="bg1"/>
+              </a:solidFill>
+            </a:endParaRPr>
+          </a:p>
+          <a:p>
+            <a:pPr algn="ctr"/>
+            <a:endParaRPr lang="en-AU" dirty="0">
+              <a:solidFill>
+                <a:schemeClr val="bg1"/>
+              </a:solidFill>
+            </a:endParaRPr>
+          </a:p>
+          <a:p>
+            <a:pPr algn="ctr"/>
+            <a:endParaRPr lang="en-AU" dirty="0">
+              <a:solidFill>
+                <a:schemeClr val="bg1"/>
+              </a:solidFill>
+            </a:endParaRPr>
+          </a:p>
+          <a:p>
+            <a:pPr algn="ctr"/>
+            <a:endParaRPr lang="en-AU" dirty="0">
+              <a:solidFill>
+                <a:schemeClr val="bg1"/>
+              </a:solidFill>
+            </a:endParaRPr>
+          </a:p>
+          <a:p>
+            <a:pPr algn="ctr"/>
+            <a:endParaRPr lang="en-AU" dirty="0">
+              <a:solidFill>
+                <a:schemeClr val="bg1"/>
+              </a:solidFill>
+            </a:endParaRPr>
+          </a:p>
+          <a:p>
+            <a:pPr algn="ctr"/>
+            <a:r>
+              <a:rPr lang="en-AU" dirty="0" err="1">
+                <a:solidFill>
+                  <a:schemeClr val="bg1"/>
+                </a:solidFill>
+              </a:rPr>
+              <a:t>Jupyter</a:t>
+            </a:r>
+            <a:r>
+              <a:rPr lang="en-AU" dirty="0">
+                <a:solidFill>
+                  <a:schemeClr val="bg1"/>
+                </a:solidFill>
+              </a:rPr>
+              <a:t> Notebooks</a:t>
+            </a:r>
+          </a:p>
+          <a:p>
+            <a:pPr algn="ctr"/>
+            <a:endParaRPr lang="en-AU" dirty="0">
+              <a:solidFill>
+                <a:schemeClr val="bg1"/>
+              </a:solidFill>
+            </a:endParaRPr>
+          </a:p>
+          <a:p>
+            <a:pPr algn="ctr"/>
+            <a:endParaRPr lang="en-AU" dirty="0">
+              <a:solidFill>
+                <a:schemeClr val="bg1"/>
+              </a:solidFill>
+            </a:endParaRPr>
+          </a:p>
+          <a:p>
+            <a:pPr algn="ctr"/>
+            <a:endParaRPr lang="en-AU" dirty="0">
+              <a:solidFill>
+                <a:schemeClr val="bg1"/>
+              </a:solidFill>
+            </a:endParaRPr>
+          </a:p>
+          <a:p>
+            <a:pPr algn="ctr"/>
+            <a:endParaRPr lang="en-AU" dirty="0">
+              <a:solidFill>
+                <a:schemeClr val="bg1"/>
+              </a:solidFill>
+            </a:endParaRPr>
+          </a:p>
+          <a:p>
+            <a:pPr algn="ctr"/>
+            <a:endParaRPr lang="en-AU" dirty="0">
+              <a:solidFill>
+                <a:schemeClr val="bg1"/>
+              </a:solidFill>
+            </a:endParaRPr>
+          </a:p>
+          <a:p>
+            <a:pPr algn="ctr"/>
+            <a:endParaRPr lang="en-AU" dirty="0">
+              <a:solidFill>
+                <a:schemeClr val="bg1"/>
+              </a:solidFill>
+            </a:endParaRPr>
+          </a:p>
+          <a:p>
+            <a:pPr algn="ctr"/>
+            <a:endParaRPr lang="en-AU" dirty="0">
+              <a:solidFill>
+                <a:schemeClr val="bg1"/>
+              </a:solidFill>
+            </a:endParaRPr>
+          </a:p>
+          <a:p>
+            <a:pPr algn="ctr"/>
+            <a:endParaRPr lang="en-AU" dirty="0">
+              <a:solidFill>
+                <a:schemeClr val="bg1"/>
+              </a:solidFill>
+            </a:endParaRPr>
           </a:p>
         </p:txBody>
       </p:sp>
     </p:spTree>
     <p:extLst>
       <p:ext uri="{BB962C8B-B14F-4D97-AF65-F5344CB8AC3E}">
-        <p14:creationId xmlns:p14="http://schemas.microsoft.com/office/powerpoint/2010/main" val="4096346876"/>
+        <p14:creationId xmlns:p14="http://schemas.microsoft.com/office/powerpoint/2010/main" val="3429298690"/>
       </p:ext>
     </p:extLst>
   </p:cSld>
@@ -4007,7 +4658,7 @@
 </p:sld>
 </file>
 
-<file path=ppt/slides/slide10.xml><?xml version="1.0" encoding="utf-8"?>
+<file path=ppt/slides/slide2.xml><?xml version="1.0" encoding="utf-8"?>
 <p:sld xmlns:a="http://schemas.openxmlformats.org/drawingml/2006/main" xmlns:r="http://schemas.openxmlformats.org/officeDocument/2006/relationships" xmlns:p="http://schemas.openxmlformats.org/presentationml/2006/main">
   <p:cSld>
     <p:bg>
@@ -4195,7 +4846,7 @@
         </p:nvSpPr>
         <p:spPr>
           <a:xfrm>
-            <a:off x="838200" y="573632"/>
+            <a:off x="838200" y="585216"/>
             <a:ext cx="10515600" cy="1325563"/>
           </a:xfrm>
         </p:spPr>
@@ -4211,135 +4862,75 @@
                   <a:schemeClr val="bg1"/>
                 </a:solidFill>
               </a:rPr>
-              <a:t>Sources</a:t>
-            </a:r>
-          </a:p>
-        </p:txBody>
-      </p:sp>
-      <p:sp>
-        <p:nvSpPr>
-          <p:cNvPr id="4" name="Text Placeholder 3">
-            <a:extLst>
-              <a:ext uri="{FF2B5EF4-FFF2-40B4-BE49-F238E27FC236}">
-                <a16:creationId xmlns:a16="http://schemas.microsoft.com/office/drawing/2014/main" id="{56E0BC9C-BDAA-465D-BE62-F3774E1F886A}"/>
-              </a:ext>
-            </a:extLst>
-          </p:cNvPr>
-          <p:cNvSpPr>
-            <a:spLocks noGrp="1"/>
-          </p:cNvSpPr>
-          <p:nvPr>
-            <p:ph type="body" sz="half" idx="2"/>
-          </p:nvPr>
-        </p:nvSpPr>
+              <a:t>Impact of restrictions on crime in WA</a:t>
+            </a:r>
+          </a:p>
+        </p:txBody>
+      </p:sp>
+      <p:pic>
+        <p:nvPicPr>
+          <p:cNvPr id="8" name="Picture Placeholder 7" descr="Chart, line chart&#10;&#10;Description automatically generated">
+            <a:extLst>
+              <a:ext uri="{FF2B5EF4-FFF2-40B4-BE49-F238E27FC236}">
+                <a16:creationId xmlns:a16="http://schemas.microsoft.com/office/drawing/2014/main" id="{BF34595C-7912-4C6F-B708-3B13C0E520A3}"/>
+              </a:ext>
+            </a:extLst>
+          </p:cNvPr>
+          <p:cNvPicPr>
+            <a:picLocks noGrp="1" noChangeAspect="1"/>
+          </p:cNvPicPr>
+          <p:nvPr>
+            <p:ph type="pic" idx="1"/>
+          </p:nvPr>
+        </p:nvPicPr>
+        <p:blipFill rotWithShape="1">
+          <a:blip r:embed="rId3">
+            <a:extLst>
+              <a:ext uri="{28A0092B-C50C-407E-A947-70E740481C1C}">
+                <a14:useLocalDpi xmlns:a14="http://schemas.microsoft.com/office/drawing/2010/main" val="0"/>
+              </a:ext>
+            </a:extLst>
+          </a:blip>
+          <a:srcRect l="-17" r="-183"/>
+          <a:stretch/>
+        </p:blipFill>
         <p:spPr>
           <a:xfrm>
-            <a:off x="548639" y="2675854"/>
-            <a:ext cx="4667938" cy="3886200"/>
+            <a:off x="695739" y="2516777"/>
+            <a:ext cx="7603435" cy="3660185"/>
+          </a:xfrm>
+          <a:prstGeom prst="rect">
+            <a:avLst/>
+          </a:prstGeom>
+        </p:spPr>
+      </p:pic>
+      <p:sp>
+        <p:nvSpPr>
+          <p:cNvPr id="4" name="Text Placeholder 3">
+            <a:extLst>
+              <a:ext uri="{FF2B5EF4-FFF2-40B4-BE49-F238E27FC236}">
+                <a16:creationId xmlns:a16="http://schemas.microsoft.com/office/drawing/2014/main" id="{56E0BC9C-BDAA-465D-BE62-F3774E1F886A}"/>
+              </a:ext>
+            </a:extLst>
+          </p:cNvPr>
+          <p:cNvSpPr>
+            <a:spLocks noGrp="1"/>
+          </p:cNvSpPr>
+          <p:nvPr>
+            <p:ph type="body" sz="half" idx="2"/>
+          </p:nvPr>
+        </p:nvSpPr>
+        <p:spPr>
+          <a:xfrm>
+            <a:off x="7274236" y="4917406"/>
+            <a:ext cx="4590697" cy="1582943"/>
           </a:xfrm>
         </p:spPr>
         <p:txBody>
           <a:bodyPr vert="horz" lIns="91440" tIns="45720" rIns="91440" bIns="45720" rtlCol="0" anchor="ctr">
-            <a:normAutofit fontScale="70000" lnSpcReduction="20000"/>
+            <a:normAutofit/>
           </a:bodyPr>
           <a:lstStyle/>
-          <a:p>
-            <a:pPr marL="228600" indent="-457200">
-              <a:buFont typeface="+mj-lt"/>
-              <a:buAutoNum type="arabicPeriod"/>
-            </a:pPr>
-            <a:r>
-              <a:rPr lang="en-US" sz="2200" dirty="0"/>
-              <a:t>WA crime statistics - </a:t>
-            </a:r>
-            <a:r>
-              <a:rPr lang="en-US" sz="2200" dirty="0">
-                <a:hlinkClick r:id="rId2"/>
-              </a:rPr>
-              <a:t>https://www.police.wa.gov.au/Crime/CrimeStatistics#/</a:t>
-            </a:r>
-            <a:endParaRPr lang="en-US" sz="2200" dirty="0"/>
-          </a:p>
-          <a:p>
-            <a:pPr marL="228600" indent="-457200">
-              <a:buFont typeface="+mj-lt"/>
-              <a:buAutoNum type="arabicPeriod"/>
-            </a:pPr>
-            <a:endParaRPr lang="en-US" sz="2200" dirty="0"/>
-          </a:p>
-          <a:p>
-            <a:pPr marL="228600" indent="-457200">
-              <a:buFont typeface="+mj-lt"/>
-              <a:buAutoNum type="arabicPeriod"/>
-            </a:pPr>
-            <a:r>
-              <a:rPr lang="en-US" sz="2200" dirty="0"/>
-              <a:t>WA Parliamentary Library - </a:t>
-            </a:r>
-            <a:r>
-              <a:rPr lang="en-US" sz="2200" dirty="0">
-                <a:hlinkClick r:id="rId3"/>
-              </a:rPr>
-              <a:t>https://profile.id.com.au/wapl/population-estimate?BMID=40</a:t>
-            </a:r>
-            <a:endParaRPr lang="en-US" sz="2200" dirty="0"/>
-          </a:p>
-          <a:p>
-            <a:pPr marL="228600" indent="-457200">
-              <a:buFont typeface="+mj-lt"/>
-              <a:buAutoNum type="arabicPeriod"/>
-            </a:pPr>
-            <a:endParaRPr lang="en-US" sz="2200" dirty="0"/>
-          </a:p>
-          <a:p>
-            <a:pPr marL="228600" indent="-457200">
-              <a:buFont typeface="+mj-lt"/>
-              <a:buAutoNum type="arabicPeriod"/>
-            </a:pPr>
-            <a:r>
-              <a:rPr lang="en-US" sz="2200" dirty="0"/>
-              <a:t>ABS Crime </a:t>
-            </a:r>
-            <a:r>
-              <a:rPr lang="en-US" sz="2200" dirty="0" err="1"/>
-              <a:t>Victimisation</a:t>
-            </a:r>
-            <a:r>
-              <a:rPr lang="en-US" sz="2200" dirty="0"/>
-              <a:t> Report  - </a:t>
-            </a:r>
-            <a:r>
-              <a:rPr lang="en-US" sz="2200" dirty="0">
-                <a:hlinkClick r:id="rId4"/>
-              </a:rPr>
-              <a:t>https://www.abs.gov.au/statistics/people/crime-and-justice/crime-victimisation-australia/latest-release</a:t>
-            </a:r>
-            <a:endParaRPr lang="en-US" sz="2200" dirty="0"/>
-          </a:p>
-          <a:p>
-            <a:pPr marL="228600" indent="-457200">
-              <a:buFont typeface="+mj-lt"/>
-              <a:buAutoNum type="arabicPeriod"/>
-            </a:pPr>
-            <a:endParaRPr lang="en-US" sz="2200" dirty="0"/>
-          </a:p>
-          <a:p>
-            <a:pPr marL="228600" indent="-457200">
-              <a:buFont typeface="+mj-lt"/>
-              <a:buAutoNum type="arabicPeriod"/>
-            </a:pPr>
-            <a:r>
-              <a:rPr lang="en-US" sz="2200" dirty="0"/>
-              <a:t>ABS Personal Safety Report – </a:t>
-            </a:r>
-            <a:r>
-              <a:rPr lang="en-US" sz="2200" dirty="0">
-                <a:hlinkClick r:id="rId5"/>
-              </a:rPr>
-              <a:t>https://www.abs.gov.au/statistics/people/crime-and-justice/personal-safety-australia/latest-release</a:t>
-            </a:r>
-            <a:endParaRPr lang="en-US" sz="2200" dirty="0"/>
-          </a:p>
           <a:p>
             <a:pPr indent="-228600">
               <a:buFont typeface="Arial" panose="020B0604020202020204" pitchFamily="34" charset="0"/>
@@ -4348,7 +4939,14 @@
             <a:endParaRPr lang="en-US" sz="2200" dirty="0"/>
           </a:p>
           <a:p>
-            <a:endParaRPr lang="en-US" sz="2200" dirty="0"/>
+            <a:pPr indent="-228600">
+              <a:buFont typeface="Arial" panose="020B0604020202020204" pitchFamily="34" charset="0"/>
+              <a:buChar char="•"/>
+            </a:pPr>
+            <a:r>
+              <a:rPr lang="en-US" sz="2200" dirty="0"/>
+              <a:t> Majority of Regions experienced a   decrease in crime rate</a:t>
+            </a:r>
           </a:p>
           <a:p>
             <a:pPr indent="-228600">
@@ -4357,231 +4955,6 @@
             </a:pPr>
             <a:endParaRPr lang="en-US" sz="2200" dirty="0"/>
           </a:p>
-        </p:txBody>
-      </p:sp>
-      <p:sp>
-        <p:nvSpPr>
-          <p:cNvPr id="16" name="Text Placeholder 3">
-            <a:extLst>
-              <a:ext uri="{FF2B5EF4-FFF2-40B4-BE49-F238E27FC236}">
-                <a16:creationId xmlns:a16="http://schemas.microsoft.com/office/drawing/2014/main" id="{2204A806-418A-499B-90E0-FFF27EC32384}"/>
-              </a:ext>
-            </a:extLst>
-          </p:cNvPr>
-          <p:cNvSpPr txBox="1">
-            <a:spLocks/>
-          </p:cNvSpPr>
-          <p:nvPr/>
-        </p:nvSpPr>
-        <p:spPr>
-          <a:xfrm>
-            <a:off x="6370319" y="2145525"/>
-            <a:ext cx="4667938" cy="3886200"/>
-          </a:xfrm>
-          <a:prstGeom prst="rect">
-            <a:avLst/>
-          </a:prstGeom>
-        </p:spPr>
-        <p:txBody>
-          <a:bodyPr vert="horz" lIns="91440" tIns="45720" rIns="91440" bIns="45720" rtlCol="0" anchor="ctr">
-            <a:normAutofit lnSpcReduction="10000"/>
-          </a:bodyPr>
-          <a:lstStyle>
-            <a:lvl1pPr marL="0" indent="0" algn="l" defTabSz="914400" rtl="0" eaLnBrk="1" latinLnBrk="0" hangingPunct="1">
-              <a:lnSpc>
-                <a:spcPct val="90000"/>
-              </a:lnSpc>
-              <a:spcBef>
-                <a:spcPts val="1000"/>
-              </a:spcBef>
-              <a:buFont typeface="Arial" panose="020B0604020202020204" pitchFamily="34" charset="0"/>
-              <a:buNone/>
-              <a:defRPr sz="1600" kern="1200">
-                <a:solidFill>
-                  <a:schemeClr val="tx1"/>
-                </a:solidFill>
-                <a:latin typeface="+mn-lt"/>
-                <a:ea typeface="+mn-ea"/>
-                <a:cs typeface="+mn-cs"/>
-              </a:defRPr>
-            </a:lvl1pPr>
-            <a:lvl2pPr marL="457200" indent="0" algn="l" defTabSz="914400" rtl="0" eaLnBrk="1" latinLnBrk="0" hangingPunct="1">
-              <a:lnSpc>
-                <a:spcPct val="90000"/>
-              </a:lnSpc>
-              <a:spcBef>
-                <a:spcPts val="500"/>
-              </a:spcBef>
-              <a:buFont typeface="Arial" panose="020B0604020202020204" pitchFamily="34" charset="0"/>
-              <a:buNone/>
-              <a:defRPr sz="1400" kern="1200">
-                <a:solidFill>
-                  <a:schemeClr val="tx1"/>
-                </a:solidFill>
-                <a:latin typeface="+mn-lt"/>
-                <a:ea typeface="+mn-ea"/>
-                <a:cs typeface="+mn-cs"/>
-              </a:defRPr>
-            </a:lvl2pPr>
-            <a:lvl3pPr marL="914400" indent="0" algn="l" defTabSz="914400" rtl="0" eaLnBrk="1" latinLnBrk="0" hangingPunct="1">
-              <a:lnSpc>
-                <a:spcPct val="90000"/>
-              </a:lnSpc>
-              <a:spcBef>
-                <a:spcPts val="500"/>
-              </a:spcBef>
-              <a:buFont typeface="Arial" panose="020B0604020202020204" pitchFamily="34" charset="0"/>
-              <a:buNone/>
-              <a:defRPr sz="1200" kern="1200">
-                <a:solidFill>
-                  <a:schemeClr val="tx1"/>
-                </a:solidFill>
-                <a:latin typeface="+mn-lt"/>
-                <a:ea typeface="+mn-ea"/>
-                <a:cs typeface="+mn-cs"/>
-              </a:defRPr>
-            </a:lvl3pPr>
-            <a:lvl4pPr marL="1371600" indent="0" algn="l" defTabSz="914400" rtl="0" eaLnBrk="1" latinLnBrk="0" hangingPunct="1">
-              <a:lnSpc>
-                <a:spcPct val="90000"/>
-              </a:lnSpc>
-              <a:spcBef>
-                <a:spcPts val="500"/>
-              </a:spcBef>
-              <a:buFont typeface="Arial" panose="020B0604020202020204" pitchFamily="34" charset="0"/>
-              <a:buNone/>
-              <a:defRPr sz="1000" kern="1200">
-                <a:solidFill>
-                  <a:schemeClr val="tx1"/>
-                </a:solidFill>
-                <a:latin typeface="+mn-lt"/>
-                <a:ea typeface="+mn-ea"/>
-                <a:cs typeface="+mn-cs"/>
-              </a:defRPr>
-            </a:lvl4pPr>
-            <a:lvl5pPr marL="1828800" indent="0" algn="l" defTabSz="914400" rtl="0" eaLnBrk="1" latinLnBrk="0" hangingPunct="1">
-              <a:lnSpc>
-                <a:spcPct val="90000"/>
-              </a:lnSpc>
-              <a:spcBef>
-                <a:spcPts val="500"/>
-              </a:spcBef>
-              <a:buFont typeface="Arial" panose="020B0604020202020204" pitchFamily="34" charset="0"/>
-              <a:buNone/>
-              <a:defRPr sz="1000" kern="1200">
-                <a:solidFill>
-                  <a:schemeClr val="tx1"/>
-                </a:solidFill>
-                <a:latin typeface="+mn-lt"/>
-                <a:ea typeface="+mn-ea"/>
-                <a:cs typeface="+mn-cs"/>
-              </a:defRPr>
-            </a:lvl5pPr>
-            <a:lvl6pPr marL="2286000" indent="0" algn="l" defTabSz="914400" rtl="0" eaLnBrk="1" latinLnBrk="0" hangingPunct="1">
-              <a:lnSpc>
-                <a:spcPct val="90000"/>
-              </a:lnSpc>
-              <a:spcBef>
-                <a:spcPts val="500"/>
-              </a:spcBef>
-              <a:buFont typeface="Arial" panose="020B0604020202020204" pitchFamily="34" charset="0"/>
-              <a:buNone/>
-              <a:defRPr sz="1000" kern="1200">
-                <a:solidFill>
-                  <a:schemeClr val="tx1"/>
-                </a:solidFill>
-                <a:latin typeface="+mn-lt"/>
-                <a:ea typeface="+mn-ea"/>
-                <a:cs typeface="+mn-cs"/>
-              </a:defRPr>
-            </a:lvl6pPr>
-            <a:lvl7pPr marL="2743200" indent="0" algn="l" defTabSz="914400" rtl="0" eaLnBrk="1" latinLnBrk="0" hangingPunct="1">
-              <a:lnSpc>
-                <a:spcPct val="90000"/>
-              </a:lnSpc>
-              <a:spcBef>
-                <a:spcPts val="500"/>
-              </a:spcBef>
-              <a:buFont typeface="Arial" panose="020B0604020202020204" pitchFamily="34" charset="0"/>
-              <a:buNone/>
-              <a:defRPr sz="1000" kern="1200">
-                <a:solidFill>
-                  <a:schemeClr val="tx1"/>
-                </a:solidFill>
-                <a:latin typeface="+mn-lt"/>
-                <a:ea typeface="+mn-ea"/>
-                <a:cs typeface="+mn-cs"/>
-              </a:defRPr>
-            </a:lvl7pPr>
-            <a:lvl8pPr marL="3200400" indent="0" algn="l" defTabSz="914400" rtl="0" eaLnBrk="1" latinLnBrk="0" hangingPunct="1">
-              <a:lnSpc>
-                <a:spcPct val="90000"/>
-              </a:lnSpc>
-              <a:spcBef>
-                <a:spcPts val="500"/>
-              </a:spcBef>
-              <a:buFont typeface="Arial" panose="020B0604020202020204" pitchFamily="34" charset="0"/>
-              <a:buNone/>
-              <a:defRPr sz="1000" kern="1200">
-                <a:solidFill>
-                  <a:schemeClr val="tx1"/>
-                </a:solidFill>
-                <a:latin typeface="+mn-lt"/>
-                <a:ea typeface="+mn-ea"/>
-                <a:cs typeface="+mn-cs"/>
-              </a:defRPr>
-            </a:lvl8pPr>
-            <a:lvl9pPr marL="3657600" indent="0" algn="l" defTabSz="914400" rtl="0" eaLnBrk="1" latinLnBrk="0" hangingPunct="1">
-              <a:lnSpc>
-                <a:spcPct val="90000"/>
-              </a:lnSpc>
-              <a:spcBef>
-                <a:spcPts val="500"/>
-              </a:spcBef>
-              <a:buFont typeface="Arial" panose="020B0604020202020204" pitchFamily="34" charset="0"/>
-              <a:buNone/>
-              <a:defRPr sz="1000" kern="1200">
-                <a:solidFill>
-                  <a:schemeClr val="tx1"/>
-                </a:solidFill>
-                <a:latin typeface="+mn-lt"/>
-                <a:ea typeface="+mn-ea"/>
-                <a:cs typeface="+mn-cs"/>
-              </a:defRPr>
-            </a:lvl9pPr>
-          </a:lstStyle>
-          <a:p>
-            <a:endParaRPr lang="en-US" sz="2200" dirty="0"/>
-          </a:p>
-          <a:p>
-            <a:r>
-              <a:rPr lang="en-US" sz="2200" dirty="0"/>
-              <a:t>5. WAPOL District Boundaries - </a:t>
-            </a:r>
-            <a:r>
-              <a:rPr lang="en-US" sz="2200" dirty="0">
-                <a:hlinkClick r:id="rId6"/>
-              </a:rPr>
-              <a:t>https://catalogue.data.wa.gov.au/dataset/wa-police-district-boundaries</a:t>
-            </a:r>
-            <a:endParaRPr lang="en-US" sz="2200" dirty="0"/>
-          </a:p>
-          <a:p>
-            <a:endParaRPr lang="en-US" sz="2200" dirty="0"/>
-          </a:p>
-          <a:p>
-            <a:r>
-              <a:rPr lang="en-US" sz="2200" dirty="0"/>
-              <a:t>6. The Guardian API – </a:t>
-            </a:r>
-            <a:r>
-              <a:rPr lang="en-US" sz="2200" dirty="0">
-                <a:hlinkClick r:id="rId7"/>
-              </a:rPr>
-              <a:t>https://open-platform.theguardian.com/</a:t>
-            </a:r>
-            <a:endParaRPr lang="en-US" sz="2200" dirty="0"/>
-          </a:p>
           <a:p>
             <a:pPr indent="-228600">
               <a:buFont typeface="Arial" panose="020B0604020202020204" pitchFamily="34" charset="0"/>
@@ -4589,107 +4962,312 @@
             </a:pPr>
             <a:endParaRPr lang="en-US" sz="2200" dirty="0"/>
           </a:p>
-          <a:p>
-            <a:r>
-              <a:rPr lang="en-US" sz="2200" dirty="0"/>
-              <a:t>7. Google Trends - </a:t>
-            </a:r>
-            <a:r>
-              <a:rPr lang="en-US" sz="2200" dirty="0">
-                <a:hlinkClick r:id="rId8"/>
+        </p:txBody>
+      </p:sp>
+      <p:sp>
+        <p:nvSpPr>
+          <p:cNvPr id="3" name="Arrow: Down 2">
+            <a:extLst>
+              <a:ext uri="{FF2B5EF4-FFF2-40B4-BE49-F238E27FC236}">
+                <a16:creationId xmlns:a16="http://schemas.microsoft.com/office/drawing/2014/main" id="{A311C1D1-B203-443F-A9E9-8914467D9A2C}"/>
+              </a:ext>
+            </a:extLst>
+          </p:cNvPr>
+          <p:cNvSpPr/>
+          <p:nvPr/>
+        </p:nvSpPr>
+        <p:spPr>
+          <a:xfrm>
+            <a:off x="8718731" y="2825318"/>
+            <a:ext cx="374696" cy="603682"/>
+          </a:xfrm>
+          <a:prstGeom prst="downArrow">
+            <a:avLst/>
+          </a:prstGeom>
+        </p:spPr>
+        <p:style>
+          <a:lnRef idx="2">
+            <a:schemeClr val="accent1">
+              <a:shade val="50000"/>
+            </a:schemeClr>
+          </a:lnRef>
+          <a:fillRef idx="1">
+            <a:schemeClr val="accent1"/>
+          </a:fillRef>
+          <a:effectRef idx="0">
+            <a:schemeClr val="accent1"/>
+          </a:effectRef>
+          <a:fontRef idx="minor">
+            <a:schemeClr val="lt1"/>
+          </a:fontRef>
+        </p:style>
+        <p:txBody>
+          <a:bodyPr rtlCol="0" anchor="ctr"/>
+          <a:lstStyle/>
+          <a:p>
+            <a:pPr algn="ctr"/>
+            <a:endParaRPr lang="en-AU"/>
+          </a:p>
+        </p:txBody>
+      </p:sp>
+      <p:sp>
+        <p:nvSpPr>
+          <p:cNvPr id="5" name="TextBox 4">
+            <a:extLst>
+              <a:ext uri="{FF2B5EF4-FFF2-40B4-BE49-F238E27FC236}">
+                <a16:creationId xmlns:a16="http://schemas.microsoft.com/office/drawing/2014/main" id="{AFCED123-F9D5-491D-B54F-639FCA4B30AA}"/>
+              </a:ext>
+            </a:extLst>
+          </p:cNvPr>
+          <p:cNvSpPr txBox="1"/>
+          <p:nvPr/>
+        </p:nvSpPr>
+        <p:spPr>
+          <a:xfrm>
+            <a:off x="10284454" y="2881135"/>
+            <a:ext cx="1411550" cy="369332"/>
+          </a:xfrm>
+          <a:prstGeom prst="rect">
+            <a:avLst/>
+          </a:prstGeom>
+          <a:noFill/>
+        </p:spPr>
+        <p:txBody>
+          <a:bodyPr wrap="square" rtlCol="0">
+            <a:spAutoFit/>
+          </a:bodyPr>
+          <a:lstStyle/>
+          <a:p>
+            <a:r>
+              <a:rPr lang="en-US" dirty="0"/>
+              <a:t>Mid West </a:t>
+            </a:r>
+            <a:endParaRPr lang="en-AU" dirty="0"/>
+          </a:p>
+        </p:txBody>
+      </p:sp>
+      <p:sp>
+        <p:nvSpPr>
+          <p:cNvPr id="9" name="TextBox 8">
+            <a:extLst>
+              <a:ext uri="{FF2B5EF4-FFF2-40B4-BE49-F238E27FC236}">
+                <a16:creationId xmlns:a16="http://schemas.microsoft.com/office/drawing/2014/main" id="{E3DA66C7-27E1-495A-AD01-164A6E7E27E4}"/>
+              </a:ext>
+            </a:extLst>
+          </p:cNvPr>
+          <p:cNvSpPr txBox="1"/>
+          <p:nvPr/>
+        </p:nvSpPr>
+        <p:spPr>
+          <a:xfrm>
+            <a:off x="9232315" y="2825318"/>
+            <a:ext cx="1013272" cy="523220"/>
+          </a:xfrm>
+          <a:prstGeom prst="rect">
+            <a:avLst/>
+          </a:prstGeom>
+          <a:noFill/>
+        </p:spPr>
+        <p:txBody>
+          <a:bodyPr wrap="square" rtlCol="0">
+            <a:spAutoFit/>
+          </a:bodyPr>
+          <a:lstStyle/>
+          <a:p>
+            <a:r>
+              <a:rPr lang="en-US" sz="2800" b="1" dirty="0">
+                <a:solidFill>
+                  <a:schemeClr val="accent5">
+                    <a:lumMod val="75000"/>
+                  </a:schemeClr>
+                </a:solidFill>
               </a:rPr>
-              <a:t>https://trends.google.com/trends/?geo=AU</a:t>
-            </a:r>
-            <a:endParaRPr lang="en-US" sz="2200" dirty="0"/>
-          </a:p>
-          <a:p>
-            <a:pPr indent="-228600">
-              <a:buFont typeface="Arial" panose="020B0604020202020204" pitchFamily="34" charset="0"/>
-              <a:buChar char="•"/>
-            </a:pPr>
-            <a:endParaRPr lang="en-US" sz="2200" dirty="0"/>
+              <a:t>34% </a:t>
+            </a:r>
+            <a:endParaRPr lang="en-AU" sz="2800" b="1" dirty="0">
+              <a:solidFill>
+                <a:schemeClr val="accent5">
+                  <a:lumMod val="75000"/>
+                </a:schemeClr>
+              </a:solidFill>
+            </a:endParaRPr>
+          </a:p>
+        </p:txBody>
+      </p:sp>
+      <p:sp>
+        <p:nvSpPr>
+          <p:cNvPr id="10" name="Arrow: Down 9">
+            <a:extLst>
+              <a:ext uri="{FF2B5EF4-FFF2-40B4-BE49-F238E27FC236}">
+                <a16:creationId xmlns:a16="http://schemas.microsoft.com/office/drawing/2014/main" id="{FED1EC93-E11C-4148-8FFC-AE1783F4EE50}"/>
+              </a:ext>
+            </a:extLst>
+          </p:cNvPr>
+          <p:cNvSpPr/>
+          <p:nvPr/>
+        </p:nvSpPr>
+        <p:spPr>
+          <a:xfrm flipV="1">
+            <a:off x="8711053" y="3815778"/>
+            <a:ext cx="374696" cy="603682"/>
+          </a:xfrm>
+          <a:prstGeom prst="downArrow">
+            <a:avLst/>
+          </a:prstGeom>
+        </p:spPr>
+        <p:style>
+          <a:lnRef idx="2">
+            <a:schemeClr val="accent1">
+              <a:shade val="50000"/>
+            </a:schemeClr>
+          </a:lnRef>
+          <a:fillRef idx="1">
+            <a:schemeClr val="accent1"/>
+          </a:fillRef>
+          <a:effectRef idx="0">
+            <a:schemeClr val="accent1"/>
+          </a:effectRef>
+          <a:fontRef idx="minor">
+            <a:schemeClr val="lt1"/>
+          </a:fontRef>
+        </p:style>
+        <p:txBody>
+          <a:bodyPr rtlCol="0" anchor="ctr"/>
+          <a:lstStyle/>
+          <a:p>
+            <a:pPr algn="ctr"/>
+            <a:endParaRPr lang="en-AU"/>
+          </a:p>
+        </p:txBody>
+      </p:sp>
+      <p:sp>
+        <p:nvSpPr>
+          <p:cNvPr id="11" name="TextBox 10">
+            <a:extLst>
+              <a:ext uri="{FF2B5EF4-FFF2-40B4-BE49-F238E27FC236}">
+                <a16:creationId xmlns:a16="http://schemas.microsoft.com/office/drawing/2014/main" id="{A87055CA-1D65-49FD-AF7C-950475EBD7B7}"/>
+              </a:ext>
+            </a:extLst>
+          </p:cNvPr>
+          <p:cNvSpPr txBox="1"/>
+          <p:nvPr/>
+        </p:nvSpPr>
+        <p:spPr>
+          <a:xfrm>
+            <a:off x="9232315" y="3896240"/>
+            <a:ext cx="1013272" cy="523220"/>
+          </a:xfrm>
+          <a:prstGeom prst="rect">
+            <a:avLst/>
+          </a:prstGeom>
+          <a:noFill/>
+        </p:spPr>
+        <p:txBody>
+          <a:bodyPr wrap="square" rtlCol="0">
+            <a:spAutoFit/>
+          </a:bodyPr>
+          <a:lstStyle/>
+          <a:p>
+            <a:r>
+              <a:rPr lang="en-US" sz="2800" b="1" dirty="0">
+                <a:solidFill>
+                  <a:schemeClr val="accent5">
+                    <a:lumMod val="75000"/>
+                  </a:schemeClr>
+                </a:solidFill>
+              </a:rPr>
+              <a:t>14% </a:t>
+            </a:r>
+            <a:endParaRPr lang="en-AU" sz="2800" b="1" dirty="0">
+              <a:solidFill>
+                <a:schemeClr val="accent5">
+                  <a:lumMod val="75000"/>
+                </a:schemeClr>
+              </a:solidFill>
+            </a:endParaRPr>
+          </a:p>
+        </p:txBody>
+      </p:sp>
+      <p:sp>
+        <p:nvSpPr>
+          <p:cNvPr id="12" name="TextBox 11">
+            <a:extLst>
+              <a:ext uri="{FF2B5EF4-FFF2-40B4-BE49-F238E27FC236}">
+                <a16:creationId xmlns:a16="http://schemas.microsoft.com/office/drawing/2014/main" id="{70699F52-CAA9-4BC5-B8B8-9F83A08896E9}"/>
+              </a:ext>
+            </a:extLst>
+          </p:cNvPr>
+          <p:cNvSpPr txBox="1"/>
+          <p:nvPr/>
+        </p:nvSpPr>
+        <p:spPr>
+          <a:xfrm>
+            <a:off x="10284454" y="3973184"/>
+            <a:ext cx="1411550" cy="369332"/>
+          </a:xfrm>
+          <a:prstGeom prst="rect">
+            <a:avLst/>
+          </a:prstGeom>
+          <a:noFill/>
+        </p:spPr>
+        <p:txBody>
+          <a:bodyPr wrap="square" rtlCol="0">
+            <a:spAutoFit/>
+          </a:bodyPr>
+          <a:lstStyle/>
+          <a:p>
+            <a:r>
+              <a:rPr lang="en-US" dirty="0"/>
+              <a:t>Wheatbelt</a:t>
+            </a:r>
+            <a:endParaRPr lang="en-AU" dirty="0"/>
+          </a:p>
+        </p:txBody>
+      </p:sp>
+      <p:sp>
+        <p:nvSpPr>
+          <p:cNvPr id="6" name="TextBox 5">
+            <a:extLst>
+              <a:ext uri="{FF2B5EF4-FFF2-40B4-BE49-F238E27FC236}">
+                <a16:creationId xmlns:a16="http://schemas.microsoft.com/office/drawing/2014/main" id="{C987D19C-AF58-4261-85BD-EC96F1129277}"/>
+              </a:ext>
+            </a:extLst>
+          </p:cNvPr>
+          <p:cNvSpPr txBox="1"/>
+          <p:nvPr/>
+        </p:nvSpPr>
+        <p:spPr>
+          <a:xfrm>
+            <a:off x="548639" y="6299651"/>
+            <a:ext cx="1774836" cy="369332"/>
+          </a:xfrm>
+          <a:prstGeom prst="rect">
+            <a:avLst/>
+          </a:prstGeom>
+          <a:noFill/>
+        </p:spPr>
+        <p:txBody>
+          <a:bodyPr wrap="square" rtlCol="0">
+            <a:spAutoFit/>
+          </a:bodyPr>
+          <a:lstStyle/>
+          <a:p>
+            <a:r>
+              <a:rPr lang="en-US" dirty="0"/>
+              <a:t>Calculated</a:t>
+            </a:r>
+            <a:r>
+              <a:rPr lang="en-US" baseline="30000" dirty="0"/>
+              <a:t>1,2</a:t>
+            </a:r>
+            <a:endParaRPr lang="en-AU" baseline="30000" dirty="0"/>
           </a:p>
         </p:txBody>
       </p:sp>
     </p:spTree>
     <p:extLst>
       <p:ext uri="{BB962C8B-B14F-4D97-AF65-F5344CB8AC3E}">
-        <p14:creationId xmlns:p14="http://schemas.microsoft.com/office/powerpoint/2010/main" val="2417921969"/>
-      </p:ext>
-    </p:extLst>
-  </p:cSld>
-  <p:clrMapOvr>
-    <a:masterClrMapping/>
-  </p:clrMapOvr>
-</p:sld>
-</file>
-
-<file path=ppt/slides/slide2.xml><?xml version="1.0" encoding="utf-8"?>
-<p:sld xmlns:a="http://schemas.openxmlformats.org/drawingml/2006/main" xmlns:r="http://schemas.openxmlformats.org/officeDocument/2006/relationships" xmlns:p="http://schemas.openxmlformats.org/presentationml/2006/main">
-  <p:cSld>
-    <p:bg>
-      <p:bgPr>
-        <a:solidFill>
-          <a:schemeClr val="bg2">
-            <a:lumMod val="25000"/>
-          </a:schemeClr>
-        </a:solidFill>
-        <a:effectLst/>
-      </p:bgPr>
-    </p:bg>
-    <p:spTree>
-      <p:nvGrpSpPr>
-        <p:cNvPr id="1" name=""/>
-        <p:cNvGrpSpPr/>
-        <p:nvPr/>
-      </p:nvGrpSpPr>
-      <p:grpSpPr>
-        <a:xfrm>
-          <a:off x="0" y="0"/>
-          <a:ext cx="0" cy="0"/>
-          <a:chOff x="0" y="0"/>
-          <a:chExt cx="0" cy="0"/>
-        </a:xfrm>
-      </p:grpSpPr>
-      <p:pic>
-        <p:nvPicPr>
-          <p:cNvPr id="5" name="Content Placeholder 4" descr="Graphical user interface, website&#10;&#10;Description automatically generated">
-            <a:extLst>
-              <a:ext uri="{FF2B5EF4-FFF2-40B4-BE49-F238E27FC236}">
-                <a16:creationId xmlns:a16="http://schemas.microsoft.com/office/drawing/2014/main" id="{30C97A19-F9A3-4674-BE76-B1F640EF9119}"/>
-              </a:ext>
-            </a:extLst>
-          </p:cNvPr>
-          <p:cNvPicPr>
-            <a:picLocks noGrp="1" noChangeAspect="1"/>
-          </p:cNvPicPr>
-          <p:nvPr>
-            <p:ph idx="1"/>
-          </p:nvPr>
-        </p:nvPicPr>
-        <p:blipFill>
-          <a:blip r:embed="rId3">
-            <a:extLst>
-              <a:ext uri="{28A0092B-C50C-407E-A947-70E740481C1C}">
-                <a14:useLocalDpi xmlns:a14="http://schemas.microsoft.com/office/drawing/2010/main" val="0"/>
-              </a:ext>
-            </a:extLst>
-          </a:blip>
-          <a:stretch>
-            <a:fillRect/>
-          </a:stretch>
-        </p:blipFill>
-        <p:spPr>
-          <a:xfrm>
-            <a:off x="619126" y="552449"/>
-            <a:ext cx="10601324" cy="5753101"/>
-          </a:xfrm>
-        </p:spPr>
-      </p:pic>
-    </p:spTree>
-    <p:extLst>
-      <p:ext uri="{BB962C8B-B14F-4D97-AF65-F5344CB8AC3E}">
-        <p14:creationId xmlns:p14="http://schemas.microsoft.com/office/powerpoint/2010/main" val="2713820617"/>
+        <p14:creationId xmlns:p14="http://schemas.microsoft.com/office/powerpoint/2010/main" val="1004985326"/>
       </p:ext>
     </p:extLst>
   </p:cSld>
@@ -4726,7 +5304,7 @@
       </p:grpSpPr>
       <p:sp>
         <p:nvSpPr>
-          <p:cNvPr id="13" name="Rectangle 12">
+          <p:cNvPr id="11" name="Rectangle 10">
             <a:extLst>
               <a:ext uri="{FF2B5EF4-FFF2-40B4-BE49-F238E27FC236}">
                 <a16:creationId xmlns:a16="http://schemas.microsoft.com/office/drawing/2014/main" id="{FF9B822F-893E-44C8-963C-64F50ACECBB2}"/>
@@ -4805,7 +5383,7 @@
       </p:sp>
       <p:sp>
         <p:nvSpPr>
-          <p:cNvPr id="15" name="Rectangle 14">
+          <p:cNvPr id="13" name="Rectangle 12">
             <a:extLst>
               <a:ext uri="{FF2B5EF4-FFF2-40B4-BE49-F238E27FC236}">
                 <a16:creationId xmlns:a16="http://schemas.microsoft.com/office/drawing/2014/main" id="{EBF87945-A001-489F-9D9B-7D9435F0B9CA}"/>
@@ -4874,7 +5452,7 @@
           <p:cNvPr id="2" name="Title 1">
             <a:extLst>
               <a:ext uri="{FF2B5EF4-FFF2-40B4-BE49-F238E27FC236}">
-                <a16:creationId xmlns:a16="http://schemas.microsoft.com/office/drawing/2014/main" id="{8C29985F-696A-4D65-B7B5-62E63D61278B}"/>
+                <a16:creationId xmlns:a16="http://schemas.microsoft.com/office/drawing/2014/main" id="{9636D2E9-D7B7-4742-9EA5-FB8A61C41812}"/>
               </a:ext>
             </a:extLst>
           </p:cNvPr>
@@ -4903,17 +5481,17 @@
                   <a:schemeClr val="bg1"/>
                 </a:solidFill>
               </a:rPr>
-              <a:t>Impact of restrictions on crime in WA</a:t>
+              <a:t>Have all types of crime decreased?</a:t>
             </a:r>
           </a:p>
         </p:txBody>
       </p:sp>
       <p:pic>
         <p:nvPicPr>
-          <p:cNvPr id="8" name="Picture Placeholder 7" descr="Chart, line chart&#10;&#10;Description automatically generated">
-            <a:extLst>
-              <a:ext uri="{FF2B5EF4-FFF2-40B4-BE49-F238E27FC236}">
-                <a16:creationId xmlns:a16="http://schemas.microsoft.com/office/drawing/2014/main" id="{BF34595C-7912-4C6F-B708-3B13C0E520A3}"/>
+          <p:cNvPr id="6" name="Picture Placeholder 5" descr="Chart, line chart&#10;&#10;Description automatically generated">
+            <a:extLst>
+              <a:ext uri="{FF2B5EF4-FFF2-40B4-BE49-F238E27FC236}">
+                <a16:creationId xmlns:a16="http://schemas.microsoft.com/office/drawing/2014/main" id="{CEDFCCE7-4594-40BA-B857-B596E8CA0022}"/>
               </a:ext>
             </a:extLst>
           </p:cNvPr>
@@ -4932,13 +5510,13 @@
               </a:ext>
             </a:extLst>
           </a:blip>
-          <a:srcRect l="-17" r="-183"/>
+          <a:srcRect l="-1" t="1" r="-886" b="1"/>
           <a:stretch/>
         </p:blipFill>
         <p:spPr>
           <a:xfrm>
-            <a:off x="695739" y="2516777"/>
-            <a:ext cx="7603435" cy="3660185"/>
+            <a:off x="841247" y="2516777"/>
+            <a:ext cx="7348595" cy="3660185"/>
           </a:xfrm>
           <a:prstGeom prst="rect">
             <a:avLst/>
@@ -4950,7 +5528,7 @@
           <p:cNvPr id="4" name="Text Placeholder 3">
             <a:extLst>
               <a:ext uri="{FF2B5EF4-FFF2-40B4-BE49-F238E27FC236}">
-                <a16:creationId xmlns:a16="http://schemas.microsoft.com/office/drawing/2014/main" id="{56E0BC9C-BDAA-465D-BE62-F3774E1F886A}"/>
+                <a16:creationId xmlns:a16="http://schemas.microsoft.com/office/drawing/2014/main" id="{B9986A79-0465-4DA4-890F-B22B112965B9}"/>
               </a:ext>
             </a:extLst>
           </p:cNvPr>
@@ -4963,8 +5541,8 @@
         </p:nvSpPr>
         <p:spPr>
           <a:xfrm>
-            <a:off x="7274236" y="4917406"/>
-            <a:ext cx="4590697" cy="1582943"/>
+            <a:off x="7546849" y="2884715"/>
+            <a:ext cx="3803904" cy="3660185"/>
           </a:xfrm>
         </p:spPr>
         <p:txBody>
@@ -4977,7 +5555,10 @@
               <a:buFont typeface="Arial" panose="020B0604020202020204" pitchFamily="34" charset="0"/>
               <a:buChar char="•"/>
             </a:pPr>
-            <a:endParaRPr lang="en-US" sz="2200" dirty="0"/>
+            <a:r>
+              <a:rPr lang="en-US" sz="2200" dirty="0"/>
+              <a:t>Top 6 most frequently committed crimes</a:t>
+            </a:r>
           </a:p>
           <a:p>
             <a:pPr indent="-228600">
@@ -4986,291 +5567,17 @@
             </a:pPr>
             <a:r>
               <a:rPr lang="en-US" sz="2200" dirty="0"/>
-              <a:t> Majority of Regions experienced a   decrease in crime rate</a:t>
-            </a:r>
-          </a:p>
-          <a:p>
-            <a:pPr indent="-228600">
-              <a:buFont typeface="Arial" panose="020B0604020202020204" pitchFamily="34" charset="0"/>
-              <a:buChar char="•"/>
-            </a:pPr>
-            <a:endParaRPr lang="en-US" sz="2200" dirty="0"/>
-          </a:p>
-          <a:p>
-            <a:pPr indent="-228600">
-              <a:buFont typeface="Arial" panose="020B0604020202020204" pitchFamily="34" charset="0"/>
-              <a:buChar char="•"/>
-            </a:pPr>
-            <a:endParaRPr lang="en-US" sz="2200" dirty="0"/>
-          </a:p>
-        </p:txBody>
-      </p:sp>
-      <p:sp>
-        <p:nvSpPr>
-          <p:cNvPr id="3" name="Arrow: Down 2">
-            <a:extLst>
-              <a:ext uri="{FF2B5EF4-FFF2-40B4-BE49-F238E27FC236}">
-                <a16:creationId xmlns:a16="http://schemas.microsoft.com/office/drawing/2014/main" id="{A311C1D1-B203-443F-A9E9-8914467D9A2C}"/>
-              </a:ext>
-            </a:extLst>
-          </p:cNvPr>
-          <p:cNvSpPr/>
-          <p:nvPr/>
-        </p:nvSpPr>
-        <p:spPr>
-          <a:xfrm>
-            <a:off x="8718731" y="2825318"/>
-            <a:ext cx="374696" cy="603682"/>
-          </a:xfrm>
-          <a:prstGeom prst="downArrow">
-            <a:avLst/>
-          </a:prstGeom>
-        </p:spPr>
-        <p:style>
-          <a:lnRef idx="2">
-            <a:schemeClr val="accent1">
-              <a:shade val="50000"/>
-            </a:schemeClr>
-          </a:lnRef>
-          <a:fillRef idx="1">
-            <a:schemeClr val="accent1"/>
-          </a:fillRef>
-          <a:effectRef idx="0">
-            <a:schemeClr val="accent1"/>
-          </a:effectRef>
-          <a:fontRef idx="minor">
-            <a:schemeClr val="lt1"/>
-          </a:fontRef>
-        </p:style>
-        <p:txBody>
-          <a:bodyPr rtlCol="0" anchor="ctr"/>
-          <a:lstStyle/>
-          <a:p>
-            <a:pPr algn="ctr"/>
-            <a:endParaRPr lang="en-AU"/>
-          </a:p>
-        </p:txBody>
-      </p:sp>
-      <p:sp>
-        <p:nvSpPr>
-          <p:cNvPr id="5" name="TextBox 4">
-            <a:extLst>
-              <a:ext uri="{FF2B5EF4-FFF2-40B4-BE49-F238E27FC236}">
-                <a16:creationId xmlns:a16="http://schemas.microsoft.com/office/drawing/2014/main" id="{AFCED123-F9D5-491D-B54F-639FCA4B30AA}"/>
-              </a:ext>
-            </a:extLst>
-          </p:cNvPr>
-          <p:cNvSpPr txBox="1"/>
-          <p:nvPr/>
-        </p:nvSpPr>
-        <p:spPr>
-          <a:xfrm>
-            <a:off x="10284454" y="2881135"/>
-            <a:ext cx="1411550" cy="369332"/>
-          </a:xfrm>
-          <a:prstGeom prst="rect">
-            <a:avLst/>
-          </a:prstGeom>
-          <a:noFill/>
-        </p:spPr>
-        <p:txBody>
-          <a:bodyPr wrap="square" rtlCol="0">
-            <a:spAutoFit/>
-          </a:bodyPr>
-          <a:lstStyle/>
-          <a:p>
-            <a:r>
-              <a:rPr lang="en-US" dirty="0"/>
-              <a:t>Mid West </a:t>
-            </a:r>
-            <a:endParaRPr lang="en-AU" dirty="0"/>
-          </a:p>
-        </p:txBody>
-      </p:sp>
-      <p:sp>
-        <p:nvSpPr>
-          <p:cNvPr id="9" name="TextBox 8">
-            <a:extLst>
-              <a:ext uri="{FF2B5EF4-FFF2-40B4-BE49-F238E27FC236}">
-                <a16:creationId xmlns:a16="http://schemas.microsoft.com/office/drawing/2014/main" id="{E3DA66C7-27E1-495A-AD01-164A6E7E27E4}"/>
-              </a:ext>
-            </a:extLst>
-          </p:cNvPr>
-          <p:cNvSpPr txBox="1"/>
-          <p:nvPr/>
-        </p:nvSpPr>
-        <p:spPr>
-          <a:xfrm>
-            <a:off x="9232315" y="2825318"/>
-            <a:ext cx="1013272" cy="523220"/>
-          </a:xfrm>
-          <a:prstGeom prst="rect">
-            <a:avLst/>
-          </a:prstGeom>
-          <a:noFill/>
-        </p:spPr>
-        <p:txBody>
-          <a:bodyPr wrap="square" rtlCol="0">
-            <a:spAutoFit/>
-          </a:bodyPr>
-          <a:lstStyle/>
-          <a:p>
-            <a:r>
-              <a:rPr lang="en-US" sz="2800" b="1" dirty="0">
-                <a:solidFill>
-                  <a:schemeClr val="accent5">
-                    <a:lumMod val="75000"/>
-                  </a:schemeClr>
-                </a:solidFill>
-              </a:rPr>
-              <a:t>34% </a:t>
-            </a:r>
-            <a:endParaRPr lang="en-AU" sz="2800" b="1" dirty="0">
-              <a:solidFill>
-                <a:schemeClr val="accent5">
-                  <a:lumMod val="75000"/>
-                </a:schemeClr>
-              </a:solidFill>
-            </a:endParaRPr>
-          </a:p>
-        </p:txBody>
-      </p:sp>
-      <p:sp>
-        <p:nvSpPr>
-          <p:cNvPr id="10" name="Arrow: Down 9">
-            <a:extLst>
-              <a:ext uri="{FF2B5EF4-FFF2-40B4-BE49-F238E27FC236}">
-                <a16:creationId xmlns:a16="http://schemas.microsoft.com/office/drawing/2014/main" id="{FED1EC93-E11C-4148-8FFC-AE1783F4EE50}"/>
-              </a:ext>
-            </a:extLst>
-          </p:cNvPr>
-          <p:cNvSpPr/>
-          <p:nvPr/>
-        </p:nvSpPr>
-        <p:spPr>
-          <a:xfrm flipV="1">
-            <a:off x="8711053" y="3815778"/>
-            <a:ext cx="374696" cy="603682"/>
-          </a:xfrm>
-          <a:prstGeom prst="downArrow">
-            <a:avLst/>
-          </a:prstGeom>
-        </p:spPr>
-        <p:style>
-          <a:lnRef idx="2">
-            <a:schemeClr val="accent1">
-              <a:shade val="50000"/>
-            </a:schemeClr>
-          </a:lnRef>
-          <a:fillRef idx="1">
-            <a:schemeClr val="accent1"/>
-          </a:fillRef>
-          <a:effectRef idx="0">
-            <a:schemeClr val="accent1"/>
-          </a:effectRef>
-          <a:fontRef idx="minor">
-            <a:schemeClr val="lt1"/>
-          </a:fontRef>
-        </p:style>
-        <p:txBody>
-          <a:bodyPr rtlCol="0" anchor="ctr"/>
-          <a:lstStyle/>
-          <a:p>
-            <a:pPr algn="ctr"/>
-            <a:endParaRPr lang="en-AU"/>
-          </a:p>
-        </p:txBody>
-      </p:sp>
-      <p:sp>
-        <p:nvSpPr>
-          <p:cNvPr id="11" name="TextBox 10">
-            <a:extLst>
-              <a:ext uri="{FF2B5EF4-FFF2-40B4-BE49-F238E27FC236}">
-                <a16:creationId xmlns:a16="http://schemas.microsoft.com/office/drawing/2014/main" id="{A87055CA-1D65-49FD-AF7C-950475EBD7B7}"/>
-              </a:ext>
-            </a:extLst>
-          </p:cNvPr>
-          <p:cNvSpPr txBox="1"/>
-          <p:nvPr/>
-        </p:nvSpPr>
-        <p:spPr>
-          <a:xfrm>
-            <a:off x="9232315" y="3896240"/>
-            <a:ext cx="1013272" cy="523220"/>
-          </a:xfrm>
-          <a:prstGeom prst="rect">
-            <a:avLst/>
-          </a:prstGeom>
-          <a:noFill/>
-        </p:spPr>
-        <p:txBody>
-          <a:bodyPr wrap="square" rtlCol="0">
-            <a:spAutoFit/>
-          </a:bodyPr>
-          <a:lstStyle/>
-          <a:p>
-            <a:r>
-              <a:rPr lang="en-US" sz="2800" b="1" dirty="0">
-                <a:solidFill>
-                  <a:schemeClr val="accent5">
-                    <a:lumMod val="75000"/>
-                  </a:schemeClr>
-                </a:solidFill>
-              </a:rPr>
-              <a:t>14% </a:t>
-            </a:r>
-            <a:endParaRPr lang="en-AU" sz="2800" b="1" dirty="0">
-              <a:solidFill>
-                <a:schemeClr val="accent5">
-                  <a:lumMod val="75000"/>
-                </a:schemeClr>
-              </a:solidFill>
-            </a:endParaRPr>
-          </a:p>
-        </p:txBody>
-      </p:sp>
-      <p:sp>
-        <p:nvSpPr>
-          <p:cNvPr id="12" name="TextBox 11">
-            <a:extLst>
-              <a:ext uri="{FF2B5EF4-FFF2-40B4-BE49-F238E27FC236}">
-                <a16:creationId xmlns:a16="http://schemas.microsoft.com/office/drawing/2014/main" id="{70699F52-CAA9-4BC5-B8B8-9F83A08896E9}"/>
-              </a:ext>
-            </a:extLst>
-          </p:cNvPr>
-          <p:cNvSpPr txBox="1"/>
-          <p:nvPr/>
-        </p:nvSpPr>
-        <p:spPr>
-          <a:xfrm>
-            <a:off x="10284454" y="3973184"/>
-            <a:ext cx="1411550" cy="369332"/>
-          </a:xfrm>
-          <a:prstGeom prst="rect">
-            <a:avLst/>
-          </a:prstGeom>
-          <a:noFill/>
-        </p:spPr>
-        <p:txBody>
-          <a:bodyPr wrap="square" rtlCol="0">
-            <a:spAutoFit/>
-          </a:bodyPr>
-          <a:lstStyle/>
-          <a:p>
-            <a:r>
-              <a:rPr lang="en-US" dirty="0"/>
-              <a:t>Wheatbelt</a:t>
-            </a:r>
-            <a:endParaRPr lang="en-AU" dirty="0"/>
-          </a:p>
-        </p:txBody>
-      </p:sp>
-      <p:sp>
-        <p:nvSpPr>
-          <p:cNvPr id="6" name="TextBox 5">
-            <a:extLst>
-              <a:ext uri="{FF2B5EF4-FFF2-40B4-BE49-F238E27FC236}">
-                <a16:creationId xmlns:a16="http://schemas.microsoft.com/office/drawing/2014/main" id="{C987D19C-AF58-4261-85BD-EC96F1129277}"/>
+              <a:t>Most crimes have decreased, stealing had decreased the most (enter %)</a:t>
+            </a:r>
+          </a:p>
+        </p:txBody>
+      </p:sp>
+      <p:sp>
+        <p:nvSpPr>
+          <p:cNvPr id="7" name="TextBox 6">
+            <a:extLst>
+              <a:ext uri="{FF2B5EF4-FFF2-40B4-BE49-F238E27FC236}">
+                <a16:creationId xmlns:a16="http://schemas.microsoft.com/office/drawing/2014/main" id="{5072554C-8D6D-4F35-98DF-B3969817DD47}"/>
               </a:ext>
             </a:extLst>
           </p:cNvPr>
@@ -5308,7 +5615,7 @@
     </p:spTree>
     <p:extLst>
       <p:ext uri="{BB962C8B-B14F-4D97-AF65-F5344CB8AC3E}">
-        <p14:creationId xmlns:p14="http://schemas.microsoft.com/office/powerpoint/2010/main" val="1004985326"/>
+        <p14:creationId xmlns:p14="http://schemas.microsoft.com/office/powerpoint/2010/main" val="2353605513"/>
       </p:ext>
     </p:extLst>
   </p:cSld>
@@ -5522,354 +5829,6 @@
                   <a:schemeClr val="bg1"/>
                 </a:solidFill>
               </a:rPr>
-              <a:t>Have all types of crime decreased?</a:t>
-            </a:r>
-          </a:p>
-        </p:txBody>
-      </p:sp>
-      <p:pic>
-        <p:nvPicPr>
-          <p:cNvPr id="6" name="Picture Placeholder 5" descr="Chart, line chart&#10;&#10;Description automatically generated">
-            <a:extLst>
-              <a:ext uri="{FF2B5EF4-FFF2-40B4-BE49-F238E27FC236}">
-                <a16:creationId xmlns:a16="http://schemas.microsoft.com/office/drawing/2014/main" id="{CEDFCCE7-4594-40BA-B857-B596E8CA0022}"/>
-              </a:ext>
-            </a:extLst>
-          </p:cNvPr>
-          <p:cNvPicPr>
-            <a:picLocks noGrp="1" noChangeAspect="1"/>
-          </p:cNvPicPr>
-          <p:nvPr>
-            <p:ph type="pic" idx="1"/>
-          </p:nvPr>
-        </p:nvPicPr>
-        <p:blipFill rotWithShape="1">
-          <a:blip r:embed="rId2">
-            <a:extLst>
-              <a:ext uri="{28A0092B-C50C-407E-A947-70E740481C1C}">
-                <a14:useLocalDpi xmlns:a14="http://schemas.microsoft.com/office/drawing/2010/main" val="0"/>
-              </a:ext>
-            </a:extLst>
-          </a:blip>
-          <a:srcRect l="-1" t="1" r="-886" b="1"/>
-          <a:stretch/>
-        </p:blipFill>
-        <p:spPr>
-          <a:xfrm>
-            <a:off x="841247" y="2516777"/>
-            <a:ext cx="7348595" cy="3660185"/>
-          </a:xfrm>
-          <a:prstGeom prst="rect">
-            <a:avLst/>
-          </a:prstGeom>
-        </p:spPr>
-      </p:pic>
-      <p:sp>
-        <p:nvSpPr>
-          <p:cNvPr id="4" name="Text Placeholder 3">
-            <a:extLst>
-              <a:ext uri="{FF2B5EF4-FFF2-40B4-BE49-F238E27FC236}">
-                <a16:creationId xmlns:a16="http://schemas.microsoft.com/office/drawing/2014/main" id="{B9986A79-0465-4DA4-890F-B22B112965B9}"/>
-              </a:ext>
-            </a:extLst>
-          </p:cNvPr>
-          <p:cNvSpPr>
-            <a:spLocks noGrp="1"/>
-          </p:cNvSpPr>
-          <p:nvPr>
-            <p:ph type="body" sz="half" idx="2"/>
-          </p:nvPr>
-        </p:nvSpPr>
-        <p:spPr>
-          <a:xfrm>
-            <a:off x="7546849" y="2884715"/>
-            <a:ext cx="3803904" cy="3660185"/>
-          </a:xfrm>
-        </p:spPr>
-        <p:txBody>
-          <a:bodyPr vert="horz" lIns="91440" tIns="45720" rIns="91440" bIns="45720" rtlCol="0" anchor="ctr">
-            <a:normAutofit/>
-          </a:bodyPr>
-          <a:lstStyle/>
-          <a:p>
-            <a:pPr indent="-228600">
-              <a:buFont typeface="Arial" panose="020B0604020202020204" pitchFamily="34" charset="0"/>
-              <a:buChar char="•"/>
-            </a:pPr>
-            <a:r>
-              <a:rPr lang="en-US" sz="2200" dirty="0"/>
-              <a:t>Top 6 most frequently committed crimes</a:t>
-            </a:r>
-          </a:p>
-          <a:p>
-            <a:pPr indent="-228600">
-              <a:buFont typeface="Arial" panose="020B0604020202020204" pitchFamily="34" charset="0"/>
-              <a:buChar char="•"/>
-            </a:pPr>
-            <a:r>
-              <a:rPr lang="en-US" sz="2200" dirty="0"/>
-              <a:t>Most crimes have decreased, stealing had decreased the most (enter %)</a:t>
-            </a:r>
-          </a:p>
-        </p:txBody>
-      </p:sp>
-      <p:sp>
-        <p:nvSpPr>
-          <p:cNvPr id="7" name="TextBox 6">
-            <a:extLst>
-              <a:ext uri="{FF2B5EF4-FFF2-40B4-BE49-F238E27FC236}">
-                <a16:creationId xmlns:a16="http://schemas.microsoft.com/office/drawing/2014/main" id="{5072554C-8D6D-4F35-98DF-B3969817DD47}"/>
-              </a:ext>
-            </a:extLst>
-          </p:cNvPr>
-          <p:cNvSpPr txBox="1"/>
-          <p:nvPr/>
-        </p:nvSpPr>
-        <p:spPr>
-          <a:xfrm>
-            <a:off x="548639" y="6299651"/>
-            <a:ext cx="1774836" cy="369332"/>
-          </a:xfrm>
-          <a:prstGeom prst="rect">
-            <a:avLst/>
-          </a:prstGeom>
-          <a:noFill/>
-        </p:spPr>
-        <p:txBody>
-          <a:bodyPr wrap="square" rtlCol="0">
-            <a:spAutoFit/>
-          </a:bodyPr>
-          <a:lstStyle/>
-          <a:p>
-            <a:r>
-              <a:rPr lang="en-US" dirty="0"/>
-              <a:t>Calculated</a:t>
-            </a:r>
-            <a:r>
-              <a:rPr lang="en-US" baseline="30000" dirty="0"/>
-              <a:t>1,2</a:t>
-            </a:r>
-            <a:endParaRPr lang="en-AU" baseline="30000" dirty="0"/>
-          </a:p>
-        </p:txBody>
-      </p:sp>
-    </p:spTree>
-    <p:extLst>
-      <p:ext uri="{BB962C8B-B14F-4D97-AF65-F5344CB8AC3E}">
-        <p14:creationId xmlns:p14="http://schemas.microsoft.com/office/powerpoint/2010/main" val="2353605513"/>
-      </p:ext>
-    </p:extLst>
-  </p:cSld>
-  <p:clrMapOvr>
-    <a:masterClrMapping/>
-  </p:clrMapOvr>
-</p:sld>
-</file>
-
-<file path=ppt/slides/slide5.xml><?xml version="1.0" encoding="utf-8"?>
-<p:sld xmlns:a="http://schemas.openxmlformats.org/drawingml/2006/main" xmlns:r="http://schemas.openxmlformats.org/officeDocument/2006/relationships" xmlns:p="http://schemas.openxmlformats.org/presentationml/2006/main">
-  <p:cSld>
-    <p:bg>
-      <p:bgPr>
-        <a:solidFill>
-          <a:schemeClr val="bg1"/>
-        </a:solidFill>
-        <a:effectLst/>
-      </p:bgPr>
-    </p:bg>
-    <p:spTree>
-      <p:nvGrpSpPr>
-        <p:cNvPr id="1" name=""/>
-        <p:cNvGrpSpPr/>
-        <p:nvPr/>
-      </p:nvGrpSpPr>
-      <p:grpSpPr>
-        <a:xfrm>
-          <a:off x="0" y="0"/>
-          <a:ext cx="0" cy="0"/>
-          <a:chOff x="0" y="0"/>
-          <a:chExt cx="0" cy="0"/>
-        </a:xfrm>
-      </p:grpSpPr>
-      <p:sp>
-        <p:nvSpPr>
-          <p:cNvPr id="11" name="Rectangle 10">
-            <a:extLst>
-              <a:ext uri="{FF2B5EF4-FFF2-40B4-BE49-F238E27FC236}">
-                <a16:creationId xmlns:a16="http://schemas.microsoft.com/office/drawing/2014/main" id="{FF9B822F-893E-44C8-963C-64F50ACECBB2}"/>
-              </a:ext>
-              <a:ext uri="{C183D7F6-B498-43B3-948B-1728B52AA6E4}">
-                <adec:decorative xmlns:adec="http://schemas.microsoft.com/office/drawing/2017/decorative" val="1"/>
-              </a:ext>
-            </a:extLst>
-          </p:cNvPr>
-          <p:cNvSpPr>
-            <a:spLocks noGrp="1" noRot="1" noChangeAspect="1" noMove="1" noResize="1" noEditPoints="1" noAdjustHandles="1" noChangeArrowheads="1" noChangeShapeType="1" noTextEdit="1"/>
-          </p:cNvSpPr>
-          <p:nvPr>
-            <p:extLst>
-              <p:ext uri="{386F3935-93C4-4BCD-93E2-E3B085C9AB24}">
-                <p16:designElem xmlns:p16="http://schemas.microsoft.com/office/powerpoint/2015/main" val="1"/>
-              </p:ext>
-            </p:extLst>
-          </p:nvPr>
-        </p:nvSpPr>
-        <p:spPr>
-          <a:xfrm>
-            <a:off x="0" y="0"/>
-            <a:ext cx="12192000" cy="6858000"/>
-          </a:xfrm>
-          <a:prstGeom prst="rect">
-            <a:avLst/>
-          </a:prstGeom>
-          <a:solidFill>
-            <a:schemeClr val="bg1"/>
-          </a:solidFill>
-          <a:ln w="12700" cap="flat" cmpd="sng" algn="ctr">
-            <a:noFill/>
-            <a:prstDash val="solid"/>
-            <a:miter lim="800000"/>
-          </a:ln>
-          <a:effectLst/>
-          <a:extLst>
-            <a:ext uri="{91240B29-F687-4F45-9708-019B960494DF}">
-              <a14:hiddenLine xmlns:a14="http://schemas.microsoft.com/office/drawing/2010/main" w="12700" cap="flat" cmpd="sng" algn="ctr">
-                <a:solidFill>
-                  <a:schemeClr val="accent1">
-                    <a:shade val="50000"/>
-                  </a:schemeClr>
-                </a:solidFill>
-                <a:prstDash val="solid"/>
-                <a:miter lim="800000"/>
-              </a14:hiddenLine>
-            </a:ext>
-          </a:extLst>
-        </p:spPr>
-        <p:style>
-          <a:lnRef idx="2">
-            <a:schemeClr val="accent1">
-              <a:shade val="50000"/>
-            </a:schemeClr>
-          </a:lnRef>
-          <a:fillRef idx="1">
-            <a:schemeClr val="accent1"/>
-          </a:fillRef>
-          <a:effectRef idx="0">
-            <a:schemeClr val="accent1"/>
-          </a:effectRef>
-          <a:fontRef idx="minor">
-            <a:schemeClr val="lt1"/>
-          </a:fontRef>
-        </p:style>
-        <p:txBody>
-          <a:bodyPr rtlCol="0" anchor="ctr"/>
-          <a:lstStyle/>
-          <a:p>
-            <a:pPr algn="ctr"/>
-            <a:endParaRPr lang="en-US"/>
-          </a:p>
-        </p:txBody>
-      </p:sp>
-      <p:sp>
-        <p:nvSpPr>
-          <p:cNvPr id="13" name="Rectangle 12">
-            <a:extLst>
-              <a:ext uri="{FF2B5EF4-FFF2-40B4-BE49-F238E27FC236}">
-                <a16:creationId xmlns:a16="http://schemas.microsoft.com/office/drawing/2014/main" id="{EBF87945-A001-489F-9D9B-7D9435F0B9CA}"/>
-              </a:ext>
-              <a:ext uri="{C183D7F6-B498-43B3-948B-1728B52AA6E4}">
-                <adec:decorative xmlns:adec="http://schemas.microsoft.com/office/drawing/2017/decorative" val="1"/>
-              </a:ext>
-            </a:extLst>
-          </p:cNvPr>
-          <p:cNvSpPr>
-            <a:spLocks noGrp="1" noRot="1" noChangeAspect="1" noMove="1" noResize="1" noEditPoints="1" noAdjustHandles="1" noChangeArrowheads="1" noChangeShapeType="1" noTextEdit="1"/>
-          </p:cNvSpPr>
-          <p:nvPr>
-            <p:extLst>
-              <p:ext uri="{386F3935-93C4-4BCD-93E2-E3B085C9AB24}">
-                <p16:designElem xmlns:p16="http://schemas.microsoft.com/office/powerpoint/2015/main" val="1"/>
-              </p:ext>
-            </p:extLst>
-          </p:nvPr>
-        </p:nvSpPr>
-        <p:spPr>
-          <a:xfrm>
-            <a:off x="548639" y="347471"/>
-            <a:ext cx="11100816" cy="1801368"/>
-          </a:xfrm>
-          <a:prstGeom prst="rect">
-            <a:avLst/>
-          </a:prstGeom>
-          <a:solidFill>
-            <a:schemeClr val="tx1">
-              <a:lumMod val="75000"/>
-              <a:lumOff val="25000"/>
-            </a:schemeClr>
-          </a:solidFill>
-          <a:ln>
-            <a:noFill/>
-          </a:ln>
-        </p:spPr>
-        <p:style>
-          <a:lnRef idx="2">
-            <a:schemeClr val="accent1">
-              <a:shade val="50000"/>
-            </a:schemeClr>
-          </a:lnRef>
-          <a:fillRef idx="1">
-            <a:schemeClr val="accent1"/>
-          </a:fillRef>
-          <a:effectRef idx="0">
-            <a:schemeClr val="accent1"/>
-          </a:effectRef>
-          <a:fontRef idx="minor">
-            <a:schemeClr val="lt1"/>
-          </a:fontRef>
-        </p:style>
-        <p:txBody>
-          <a:bodyPr rtlCol="0" anchor="ctr"/>
-          <a:lstStyle/>
-          <a:p>
-            <a:pPr algn="ctr"/>
-            <a:endParaRPr lang="en-US"/>
-          </a:p>
-        </p:txBody>
-      </p:sp>
-      <p:sp>
-        <p:nvSpPr>
-          <p:cNvPr id="2" name="Title 1">
-            <a:extLst>
-              <a:ext uri="{FF2B5EF4-FFF2-40B4-BE49-F238E27FC236}">
-                <a16:creationId xmlns:a16="http://schemas.microsoft.com/office/drawing/2014/main" id="{9636D2E9-D7B7-4742-9EA5-FB8A61C41812}"/>
-              </a:ext>
-            </a:extLst>
-          </p:cNvPr>
-          <p:cNvSpPr>
-            <a:spLocks noGrp="1"/>
-          </p:cNvSpPr>
-          <p:nvPr>
-            <p:ph type="title"/>
-          </p:nvPr>
-        </p:nvSpPr>
-        <p:spPr>
-          <a:xfrm>
-            <a:off x="838200" y="585216"/>
-            <a:ext cx="10515600" cy="1325563"/>
-          </a:xfrm>
-        </p:spPr>
-        <p:txBody>
-          <a:bodyPr vert="horz" lIns="91440" tIns="45720" rIns="91440" bIns="45720" rtlCol="0" anchor="ctr">
-            <a:normAutofit/>
-          </a:bodyPr>
-          <a:lstStyle/>
-          <a:p>
-            <a:r>
-              <a:rPr lang="en-US" sz="4400" dirty="0">
-                <a:solidFill>
-                  <a:schemeClr val="bg1"/>
-                </a:solidFill>
-              </a:rPr>
               <a:t>What about reports of increased domestic violence?</a:t>
             </a:r>
           </a:p>
@@ -5890,7 +5849,7 @@
           <p:nvPr>
             <p:extLst>
               <p:ext uri="{D42A27DB-BD31-4B8C-83A1-F6EECF244321}">
-                <p14:modId xmlns:p14="http://schemas.microsoft.com/office/powerpoint/2010/main" val="2452158900"/>
+                <p14:modId xmlns:p14="http://schemas.microsoft.com/office/powerpoint/2010/main" val="3090071442"/>
               </p:ext>
             </p:extLst>
           </p:nvPr>
@@ -5923,7 +5882,7 @@
                       <a:pPr lvl="1" algn="l"/>
                       <a:r>
                         <a:rPr lang="en-US" dirty="0"/>
-                        <a:t>Selection from 200 Guardian headlines on DV and lockdown</a:t>
+                        <a:t>Selection from 1000 Guardian headlines on DV and lockdown</a:t>
                       </a:r>
                       <a:r>
                         <a:rPr lang="en-US" baseline="30000" dirty="0"/>
@@ -6173,7 +6132,7 @@
 </p:sld>
 </file>
 
-<file path=ppt/slides/slide6.xml><?xml version="1.0" encoding="utf-8"?>
+<file path=ppt/slides/slide5.xml><?xml version="1.0" encoding="utf-8"?>
 <p:sld xmlns:a="http://schemas.openxmlformats.org/drawingml/2006/main" xmlns:r="http://schemas.openxmlformats.org/officeDocument/2006/relationships" xmlns:p="http://schemas.openxmlformats.org/presentationml/2006/main">
   <p:cSld>
     <p:spTree>
@@ -6250,7 +6209,7 @@
           </p:nvPr>
         </p:nvPicPr>
         <p:blipFill>
-          <a:blip r:embed="rId2">
+          <a:blip r:embed="rId3">
             <a:extLst>
               <a:ext uri="{28A0092B-C50C-407E-A947-70E740481C1C}">
                 <a14:useLocalDpi xmlns:a14="http://schemas.microsoft.com/office/drawing/2010/main" val="0"/>
@@ -6621,7 +6580,7 @@
 </p:sld>
 </file>
 
-<file path=ppt/slides/slide7.xml><?xml version="1.0" encoding="utf-8"?>
+<file path=ppt/slides/slide6.xml><?xml version="1.0" encoding="utf-8"?>
 <p:sld xmlns:a="http://schemas.openxmlformats.org/drawingml/2006/main" xmlns:r="http://schemas.openxmlformats.org/officeDocument/2006/relationships" xmlns:p="http://schemas.openxmlformats.org/presentationml/2006/main">
   <p:cSld>
     <p:spTree>
@@ -7038,7 +6997,7 @@
 </p:sld>
 </file>
 
-<file path=ppt/slides/slide8.xml><?xml version="1.0" encoding="utf-8"?>
+<file path=ppt/slides/slide7.xml><?xml version="1.0" encoding="utf-8"?>
 <p:sld xmlns:a="http://schemas.openxmlformats.org/drawingml/2006/main" xmlns:r="http://schemas.openxmlformats.org/officeDocument/2006/relationships" xmlns:p="http://schemas.openxmlformats.org/presentationml/2006/main">
   <p:cSld>
     <p:spTree>
@@ -7258,7 +7217,7 @@
 </p:sld>
 </file>
 
-<file path=ppt/slides/slide9.xml><?xml version="1.0" encoding="utf-8"?>
+<file path=ppt/slides/slide8.xml><?xml version="1.0" encoding="utf-8"?>
 <p:sld xmlns:a="http://schemas.openxmlformats.org/drawingml/2006/main" xmlns:r="http://schemas.openxmlformats.org/officeDocument/2006/relationships" xmlns:p="http://schemas.openxmlformats.org/presentationml/2006/main">
   <p:cSld>
     <p:spTree>
@@ -7292,7 +7251,7 @@
           </p:nvPr>
         </p:nvPicPr>
         <p:blipFill rotWithShape="1">
-          <a:blip r:embed="rId2">
+          <a:blip r:embed="rId3">
             <a:extLst>
               <a:ext uri="{28A0092B-C50C-407E-A947-70E740481C1C}">
                 <a14:useLocalDpi xmlns:a14="http://schemas.microsoft.com/office/drawing/2010/main" val="0"/>
@@ -7327,8 +7286,8 @@
         </p:nvSpPr>
         <p:spPr>
           <a:xfrm>
-            <a:off x="839789" y="2057400"/>
-            <a:ext cx="2773424" cy="3811588"/>
+            <a:off x="839789" y="2422689"/>
+            <a:ext cx="2773424" cy="3455726"/>
           </a:xfrm>
         </p:spPr>
         <p:txBody>
@@ -7465,6 +7424,623 @@
     <p:extLst>
       <p:ext uri="{BB962C8B-B14F-4D97-AF65-F5344CB8AC3E}">
         <p14:creationId xmlns:p14="http://schemas.microsoft.com/office/powerpoint/2010/main" val="866885034"/>
+      </p:ext>
+    </p:extLst>
+  </p:cSld>
+  <p:clrMapOvr>
+    <a:masterClrMapping/>
+  </p:clrMapOvr>
+</p:sld>
+</file>
+
+<file path=ppt/slides/slide9.xml><?xml version="1.0" encoding="utf-8"?>
+<p:sld xmlns:a="http://schemas.openxmlformats.org/drawingml/2006/main" xmlns:r="http://schemas.openxmlformats.org/officeDocument/2006/relationships" xmlns:p="http://schemas.openxmlformats.org/presentationml/2006/main">
+  <p:cSld>
+    <p:bg>
+      <p:bgPr>
+        <a:solidFill>
+          <a:schemeClr val="bg1"/>
+        </a:solidFill>
+        <a:effectLst/>
+      </p:bgPr>
+    </p:bg>
+    <p:spTree>
+      <p:nvGrpSpPr>
+        <p:cNvPr id="1" name=""/>
+        <p:cNvGrpSpPr/>
+        <p:nvPr/>
+      </p:nvGrpSpPr>
+      <p:grpSpPr>
+        <a:xfrm>
+          <a:off x="0" y="0"/>
+          <a:ext cx="0" cy="0"/>
+          <a:chOff x="0" y="0"/>
+          <a:chExt cx="0" cy="0"/>
+        </a:xfrm>
+      </p:grpSpPr>
+      <p:sp>
+        <p:nvSpPr>
+          <p:cNvPr id="13" name="Rectangle 12">
+            <a:extLst>
+              <a:ext uri="{FF2B5EF4-FFF2-40B4-BE49-F238E27FC236}">
+                <a16:creationId xmlns:a16="http://schemas.microsoft.com/office/drawing/2014/main" id="{FF9B822F-893E-44C8-963C-64F50ACECBB2}"/>
+              </a:ext>
+              <a:ext uri="{C183D7F6-B498-43B3-948B-1728B52AA6E4}">
+                <adec:decorative xmlns:adec="http://schemas.microsoft.com/office/drawing/2017/decorative" val="1"/>
+              </a:ext>
+            </a:extLst>
+          </p:cNvPr>
+          <p:cNvSpPr>
+            <a:spLocks noGrp="1" noRot="1" noChangeAspect="1" noMove="1" noResize="1" noEditPoints="1" noAdjustHandles="1" noChangeArrowheads="1" noChangeShapeType="1" noTextEdit="1"/>
+          </p:cNvSpPr>
+          <p:nvPr>
+            <p:extLst>
+              <p:ext uri="{386F3935-93C4-4BCD-93E2-E3B085C9AB24}">
+                <p16:designElem xmlns:p16="http://schemas.microsoft.com/office/powerpoint/2015/main" val="1"/>
+              </p:ext>
+            </p:extLst>
+          </p:nvPr>
+        </p:nvSpPr>
+        <p:spPr>
+          <a:xfrm>
+            <a:off x="0" y="0"/>
+            <a:ext cx="12192000" cy="6858000"/>
+          </a:xfrm>
+          <a:prstGeom prst="rect">
+            <a:avLst/>
+          </a:prstGeom>
+          <a:solidFill>
+            <a:schemeClr val="bg1"/>
+          </a:solidFill>
+          <a:ln w="12700" cap="flat" cmpd="sng" algn="ctr">
+            <a:noFill/>
+            <a:prstDash val="solid"/>
+            <a:miter lim="800000"/>
+          </a:ln>
+          <a:effectLst/>
+          <a:extLst>
+            <a:ext uri="{91240B29-F687-4F45-9708-019B960494DF}">
+              <a14:hiddenLine xmlns:a14="http://schemas.microsoft.com/office/drawing/2010/main" w="12700" cap="flat" cmpd="sng" algn="ctr">
+                <a:solidFill>
+                  <a:schemeClr val="accent1">
+                    <a:shade val="50000"/>
+                  </a:schemeClr>
+                </a:solidFill>
+                <a:prstDash val="solid"/>
+                <a:miter lim="800000"/>
+              </a14:hiddenLine>
+            </a:ext>
+          </a:extLst>
+        </p:spPr>
+        <p:style>
+          <a:lnRef idx="2">
+            <a:schemeClr val="accent1">
+              <a:shade val="50000"/>
+            </a:schemeClr>
+          </a:lnRef>
+          <a:fillRef idx="1">
+            <a:schemeClr val="accent1"/>
+          </a:fillRef>
+          <a:effectRef idx="0">
+            <a:schemeClr val="accent1"/>
+          </a:effectRef>
+          <a:fontRef idx="minor">
+            <a:schemeClr val="lt1"/>
+          </a:fontRef>
+        </p:style>
+        <p:txBody>
+          <a:bodyPr rtlCol="0" anchor="ctr"/>
+          <a:lstStyle/>
+          <a:p>
+            <a:pPr algn="ctr"/>
+            <a:endParaRPr lang="en-US"/>
+          </a:p>
+        </p:txBody>
+      </p:sp>
+      <p:sp>
+        <p:nvSpPr>
+          <p:cNvPr id="15" name="Rectangle 14">
+            <a:extLst>
+              <a:ext uri="{FF2B5EF4-FFF2-40B4-BE49-F238E27FC236}">
+                <a16:creationId xmlns:a16="http://schemas.microsoft.com/office/drawing/2014/main" id="{EBF87945-A001-489F-9D9B-7D9435F0B9CA}"/>
+              </a:ext>
+              <a:ext uri="{C183D7F6-B498-43B3-948B-1728B52AA6E4}">
+                <adec:decorative xmlns:adec="http://schemas.microsoft.com/office/drawing/2017/decorative" val="1"/>
+              </a:ext>
+            </a:extLst>
+          </p:cNvPr>
+          <p:cNvSpPr>
+            <a:spLocks noGrp="1" noRot="1" noChangeAspect="1" noMove="1" noResize="1" noEditPoints="1" noAdjustHandles="1" noChangeArrowheads="1" noChangeShapeType="1" noTextEdit="1"/>
+          </p:cNvSpPr>
+          <p:nvPr>
+            <p:extLst>
+              <p:ext uri="{386F3935-93C4-4BCD-93E2-E3B085C9AB24}">
+                <p16:designElem xmlns:p16="http://schemas.microsoft.com/office/powerpoint/2015/main" val="1"/>
+              </p:ext>
+            </p:extLst>
+          </p:nvPr>
+        </p:nvSpPr>
+        <p:spPr>
+          <a:xfrm>
+            <a:off x="548639" y="347471"/>
+            <a:ext cx="11100816" cy="1801368"/>
+          </a:xfrm>
+          <a:prstGeom prst="rect">
+            <a:avLst/>
+          </a:prstGeom>
+          <a:solidFill>
+            <a:schemeClr val="tx1">
+              <a:lumMod val="75000"/>
+              <a:lumOff val="25000"/>
+            </a:schemeClr>
+          </a:solidFill>
+          <a:ln>
+            <a:noFill/>
+          </a:ln>
+        </p:spPr>
+        <p:style>
+          <a:lnRef idx="2">
+            <a:schemeClr val="accent1">
+              <a:shade val="50000"/>
+            </a:schemeClr>
+          </a:lnRef>
+          <a:fillRef idx="1">
+            <a:schemeClr val="accent1"/>
+          </a:fillRef>
+          <a:effectRef idx="0">
+            <a:schemeClr val="accent1"/>
+          </a:effectRef>
+          <a:fontRef idx="minor">
+            <a:schemeClr val="lt1"/>
+          </a:fontRef>
+        </p:style>
+        <p:txBody>
+          <a:bodyPr rtlCol="0" anchor="ctr"/>
+          <a:lstStyle/>
+          <a:p>
+            <a:pPr algn="ctr"/>
+            <a:endParaRPr lang="en-US"/>
+          </a:p>
+        </p:txBody>
+      </p:sp>
+      <p:sp>
+        <p:nvSpPr>
+          <p:cNvPr id="2" name="Title 1">
+            <a:extLst>
+              <a:ext uri="{FF2B5EF4-FFF2-40B4-BE49-F238E27FC236}">
+                <a16:creationId xmlns:a16="http://schemas.microsoft.com/office/drawing/2014/main" id="{8C29985F-696A-4D65-B7B5-62E63D61278B}"/>
+              </a:ext>
+            </a:extLst>
+          </p:cNvPr>
+          <p:cNvSpPr>
+            <a:spLocks noGrp="1"/>
+          </p:cNvSpPr>
+          <p:nvPr>
+            <p:ph type="title"/>
+          </p:nvPr>
+        </p:nvSpPr>
+        <p:spPr>
+          <a:xfrm>
+            <a:off x="838200" y="573632"/>
+            <a:ext cx="10515600" cy="1325563"/>
+          </a:xfrm>
+        </p:spPr>
+        <p:txBody>
+          <a:bodyPr vert="horz" lIns="91440" tIns="45720" rIns="91440" bIns="45720" rtlCol="0" anchor="ctr">
+            <a:normAutofit/>
+          </a:bodyPr>
+          <a:lstStyle/>
+          <a:p>
+            <a:r>
+              <a:rPr lang="en-US" sz="4400" dirty="0">
+                <a:solidFill>
+                  <a:schemeClr val="bg1"/>
+                </a:solidFill>
+              </a:rPr>
+              <a:t>Sources</a:t>
+            </a:r>
+          </a:p>
+        </p:txBody>
+      </p:sp>
+      <p:sp>
+        <p:nvSpPr>
+          <p:cNvPr id="4" name="Text Placeholder 3">
+            <a:extLst>
+              <a:ext uri="{FF2B5EF4-FFF2-40B4-BE49-F238E27FC236}">
+                <a16:creationId xmlns:a16="http://schemas.microsoft.com/office/drawing/2014/main" id="{56E0BC9C-BDAA-465D-BE62-F3774E1F886A}"/>
+              </a:ext>
+            </a:extLst>
+          </p:cNvPr>
+          <p:cNvSpPr>
+            <a:spLocks noGrp="1"/>
+          </p:cNvSpPr>
+          <p:nvPr>
+            <p:ph type="body" sz="half" idx="2"/>
+          </p:nvPr>
+        </p:nvSpPr>
+        <p:spPr>
+          <a:xfrm>
+            <a:off x="548639" y="2675854"/>
+            <a:ext cx="4667938" cy="3886200"/>
+          </a:xfrm>
+        </p:spPr>
+        <p:txBody>
+          <a:bodyPr vert="horz" lIns="91440" tIns="45720" rIns="91440" bIns="45720" rtlCol="0" anchor="ctr">
+            <a:normAutofit fontScale="70000" lnSpcReduction="20000"/>
+          </a:bodyPr>
+          <a:lstStyle/>
+          <a:p>
+            <a:pPr marL="228600" indent="-457200">
+              <a:buFont typeface="+mj-lt"/>
+              <a:buAutoNum type="arabicPeriod"/>
+            </a:pPr>
+            <a:r>
+              <a:rPr lang="en-US" sz="2200" dirty="0"/>
+              <a:t>WA crime statistics - </a:t>
+            </a:r>
+            <a:r>
+              <a:rPr lang="en-US" sz="2200" dirty="0">
+                <a:hlinkClick r:id="rId2"/>
+              </a:rPr>
+              <a:t>https://www.police.wa.gov.au/Crime/CrimeStatistics#/</a:t>
+            </a:r>
+            <a:endParaRPr lang="en-US" sz="2200" dirty="0"/>
+          </a:p>
+          <a:p>
+            <a:pPr marL="228600" indent="-457200">
+              <a:buFont typeface="+mj-lt"/>
+              <a:buAutoNum type="arabicPeriod"/>
+            </a:pPr>
+            <a:endParaRPr lang="en-US" sz="2200" dirty="0"/>
+          </a:p>
+          <a:p>
+            <a:pPr marL="228600" indent="-457200">
+              <a:buFont typeface="+mj-lt"/>
+              <a:buAutoNum type="arabicPeriod"/>
+            </a:pPr>
+            <a:r>
+              <a:rPr lang="en-US" sz="2200" dirty="0"/>
+              <a:t>WA Parliamentary Library - </a:t>
+            </a:r>
+            <a:r>
+              <a:rPr lang="en-US" sz="2200" dirty="0">
+                <a:hlinkClick r:id="rId3"/>
+              </a:rPr>
+              <a:t>https://profile.id.com.au/wapl/population-estimate?BMID=40</a:t>
+            </a:r>
+            <a:endParaRPr lang="en-US" sz="2200" dirty="0"/>
+          </a:p>
+          <a:p>
+            <a:pPr marL="228600" indent="-457200">
+              <a:buFont typeface="+mj-lt"/>
+              <a:buAutoNum type="arabicPeriod"/>
+            </a:pPr>
+            <a:endParaRPr lang="en-US" sz="2200" dirty="0"/>
+          </a:p>
+          <a:p>
+            <a:pPr marL="228600" indent="-457200">
+              <a:buFont typeface="+mj-lt"/>
+              <a:buAutoNum type="arabicPeriod"/>
+            </a:pPr>
+            <a:r>
+              <a:rPr lang="en-US" sz="2200" dirty="0"/>
+              <a:t>ABS Crime </a:t>
+            </a:r>
+            <a:r>
+              <a:rPr lang="en-US" sz="2200" dirty="0" err="1"/>
+              <a:t>Victimisation</a:t>
+            </a:r>
+            <a:r>
+              <a:rPr lang="en-US" sz="2200" dirty="0"/>
+              <a:t> Report  - </a:t>
+            </a:r>
+            <a:r>
+              <a:rPr lang="en-US" sz="2200" dirty="0">
+                <a:hlinkClick r:id="rId4"/>
+              </a:rPr>
+              <a:t>https://www.abs.gov.au/statistics/people/crime-and-justice/crime-victimisation-australia/latest-release</a:t>
+            </a:r>
+            <a:endParaRPr lang="en-US" sz="2200" dirty="0"/>
+          </a:p>
+          <a:p>
+            <a:pPr marL="228600" indent="-457200">
+              <a:buFont typeface="+mj-lt"/>
+              <a:buAutoNum type="arabicPeriod"/>
+            </a:pPr>
+            <a:endParaRPr lang="en-US" sz="2200" dirty="0"/>
+          </a:p>
+          <a:p>
+            <a:pPr marL="228600" indent="-457200">
+              <a:buFont typeface="+mj-lt"/>
+              <a:buAutoNum type="arabicPeriod"/>
+            </a:pPr>
+            <a:r>
+              <a:rPr lang="en-US" sz="2200" dirty="0"/>
+              <a:t>ABS Personal Safety Report – </a:t>
+            </a:r>
+            <a:r>
+              <a:rPr lang="en-US" sz="2200" dirty="0">
+                <a:hlinkClick r:id="rId5"/>
+              </a:rPr>
+              <a:t>https://www.abs.gov.au/statistics/people/crime-and-justice/personal-safety-australia/latest-release</a:t>
+            </a:r>
+            <a:endParaRPr lang="en-US" sz="2200" dirty="0"/>
+          </a:p>
+          <a:p>
+            <a:pPr indent="-228600">
+              <a:buFont typeface="Arial" panose="020B0604020202020204" pitchFamily="34" charset="0"/>
+              <a:buChar char="•"/>
+            </a:pPr>
+            <a:endParaRPr lang="en-US" sz="2200" dirty="0"/>
+          </a:p>
+          <a:p>
+            <a:endParaRPr lang="en-US" sz="2200" dirty="0"/>
+          </a:p>
+          <a:p>
+            <a:pPr indent="-228600">
+              <a:buFont typeface="Arial" panose="020B0604020202020204" pitchFamily="34" charset="0"/>
+              <a:buChar char="•"/>
+            </a:pPr>
+            <a:endParaRPr lang="en-US" sz="2200" dirty="0"/>
+          </a:p>
+        </p:txBody>
+      </p:sp>
+      <p:sp>
+        <p:nvSpPr>
+          <p:cNvPr id="16" name="Text Placeholder 3">
+            <a:extLst>
+              <a:ext uri="{FF2B5EF4-FFF2-40B4-BE49-F238E27FC236}">
+                <a16:creationId xmlns:a16="http://schemas.microsoft.com/office/drawing/2014/main" id="{2204A806-418A-499B-90E0-FFF27EC32384}"/>
+              </a:ext>
+            </a:extLst>
+          </p:cNvPr>
+          <p:cNvSpPr txBox="1">
+            <a:spLocks/>
+          </p:cNvSpPr>
+          <p:nvPr/>
+        </p:nvSpPr>
+        <p:spPr>
+          <a:xfrm>
+            <a:off x="6370319" y="2145525"/>
+            <a:ext cx="4667938" cy="3886200"/>
+          </a:xfrm>
+          <a:prstGeom prst="rect">
+            <a:avLst/>
+          </a:prstGeom>
+        </p:spPr>
+        <p:txBody>
+          <a:bodyPr vert="horz" lIns="91440" tIns="45720" rIns="91440" bIns="45720" rtlCol="0" anchor="ctr">
+            <a:normAutofit/>
+          </a:bodyPr>
+          <a:lstStyle>
+            <a:lvl1pPr marL="0" indent="0" algn="l" defTabSz="914400" rtl="0" eaLnBrk="1" latinLnBrk="0" hangingPunct="1">
+              <a:lnSpc>
+                <a:spcPct val="90000"/>
+              </a:lnSpc>
+              <a:spcBef>
+                <a:spcPts val="1000"/>
+              </a:spcBef>
+              <a:buFont typeface="Arial" panose="020B0604020202020204" pitchFamily="34" charset="0"/>
+              <a:buNone/>
+              <a:defRPr sz="1600" kern="1200">
+                <a:solidFill>
+                  <a:schemeClr val="tx1"/>
+                </a:solidFill>
+                <a:latin typeface="+mn-lt"/>
+                <a:ea typeface="+mn-ea"/>
+                <a:cs typeface="+mn-cs"/>
+              </a:defRPr>
+            </a:lvl1pPr>
+            <a:lvl2pPr marL="457200" indent="0" algn="l" defTabSz="914400" rtl="0" eaLnBrk="1" latinLnBrk="0" hangingPunct="1">
+              <a:lnSpc>
+                <a:spcPct val="90000"/>
+              </a:lnSpc>
+              <a:spcBef>
+                <a:spcPts val="500"/>
+              </a:spcBef>
+              <a:buFont typeface="Arial" panose="020B0604020202020204" pitchFamily="34" charset="0"/>
+              <a:buNone/>
+              <a:defRPr sz="1400" kern="1200">
+                <a:solidFill>
+                  <a:schemeClr val="tx1"/>
+                </a:solidFill>
+                <a:latin typeface="+mn-lt"/>
+                <a:ea typeface="+mn-ea"/>
+                <a:cs typeface="+mn-cs"/>
+              </a:defRPr>
+            </a:lvl2pPr>
+            <a:lvl3pPr marL="914400" indent="0" algn="l" defTabSz="914400" rtl="0" eaLnBrk="1" latinLnBrk="0" hangingPunct="1">
+              <a:lnSpc>
+                <a:spcPct val="90000"/>
+              </a:lnSpc>
+              <a:spcBef>
+                <a:spcPts val="500"/>
+              </a:spcBef>
+              <a:buFont typeface="Arial" panose="020B0604020202020204" pitchFamily="34" charset="0"/>
+              <a:buNone/>
+              <a:defRPr sz="1200" kern="1200">
+                <a:solidFill>
+                  <a:schemeClr val="tx1"/>
+                </a:solidFill>
+                <a:latin typeface="+mn-lt"/>
+                <a:ea typeface="+mn-ea"/>
+                <a:cs typeface="+mn-cs"/>
+              </a:defRPr>
+            </a:lvl3pPr>
+            <a:lvl4pPr marL="1371600" indent="0" algn="l" defTabSz="914400" rtl="0" eaLnBrk="1" latinLnBrk="0" hangingPunct="1">
+              <a:lnSpc>
+                <a:spcPct val="90000"/>
+              </a:lnSpc>
+              <a:spcBef>
+                <a:spcPts val="500"/>
+              </a:spcBef>
+              <a:buFont typeface="Arial" panose="020B0604020202020204" pitchFamily="34" charset="0"/>
+              <a:buNone/>
+              <a:defRPr sz="1000" kern="1200">
+                <a:solidFill>
+                  <a:schemeClr val="tx1"/>
+                </a:solidFill>
+                <a:latin typeface="+mn-lt"/>
+                <a:ea typeface="+mn-ea"/>
+                <a:cs typeface="+mn-cs"/>
+              </a:defRPr>
+            </a:lvl4pPr>
+            <a:lvl5pPr marL="1828800" indent="0" algn="l" defTabSz="914400" rtl="0" eaLnBrk="1" latinLnBrk="0" hangingPunct="1">
+              <a:lnSpc>
+                <a:spcPct val="90000"/>
+              </a:lnSpc>
+              <a:spcBef>
+                <a:spcPts val="500"/>
+              </a:spcBef>
+              <a:buFont typeface="Arial" panose="020B0604020202020204" pitchFamily="34" charset="0"/>
+              <a:buNone/>
+              <a:defRPr sz="1000" kern="1200">
+                <a:solidFill>
+                  <a:schemeClr val="tx1"/>
+                </a:solidFill>
+                <a:latin typeface="+mn-lt"/>
+                <a:ea typeface="+mn-ea"/>
+                <a:cs typeface="+mn-cs"/>
+              </a:defRPr>
+            </a:lvl5pPr>
+            <a:lvl6pPr marL="2286000" indent="0" algn="l" defTabSz="914400" rtl="0" eaLnBrk="1" latinLnBrk="0" hangingPunct="1">
+              <a:lnSpc>
+                <a:spcPct val="90000"/>
+              </a:lnSpc>
+              <a:spcBef>
+                <a:spcPts val="500"/>
+              </a:spcBef>
+              <a:buFont typeface="Arial" panose="020B0604020202020204" pitchFamily="34" charset="0"/>
+              <a:buNone/>
+              <a:defRPr sz="1000" kern="1200">
+                <a:solidFill>
+                  <a:schemeClr val="tx1"/>
+                </a:solidFill>
+                <a:latin typeface="+mn-lt"/>
+                <a:ea typeface="+mn-ea"/>
+                <a:cs typeface="+mn-cs"/>
+              </a:defRPr>
+            </a:lvl6pPr>
+            <a:lvl7pPr marL="2743200" indent="0" algn="l" defTabSz="914400" rtl="0" eaLnBrk="1" latinLnBrk="0" hangingPunct="1">
+              <a:lnSpc>
+                <a:spcPct val="90000"/>
+              </a:lnSpc>
+              <a:spcBef>
+                <a:spcPts val="500"/>
+              </a:spcBef>
+              <a:buFont typeface="Arial" panose="020B0604020202020204" pitchFamily="34" charset="0"/>
+              <a:buNone/>
+              <a:defRPr sz="1000" kern="1200">
+                <a:solidFill>
+                  <a:schemeClr val="tx1"/>
+                </a:solidFill>
+                <a:latin typeface="+mn-lt"/>
+                <a:ea typeface="+mn-ea"/>
+                <a:cs typeface="+mn-cs"/>
+              </a:defRPr>
+            </a:lvl7pPr>
+            <a:lvl8pPr marL="3200400" indent="0" algn="l" defTabSz="914400" rtl="0" eaLnBrk="1" latinLnBrk="0" hangingPunct="1">
+              <a:lnSpc>
+                <a:spcPct val="90000"/>
+              </a:lnSpc>
+              <a:spcBef>
+                <a:spcPts val="500"/>
+              </a:spcBef>
+              <a:buFont typeface="Arial" panose="020B0604020202020204" pitchFamily="34" charset="0"/>
+              <a:buNone/>
+              <a:defRPr sz="1000" kern="1200">
+                <a:solidFill>
+                  <a:schemeClr val="tx1"/>
+                </a:solidFill>
+                <a:latin typeface="+mn-lt"/>
+                <a:ea typeface="+mn-ea"/>
+                <a:cs typeface="+mn-cs"/>
+              </a:defRPr>
+            </a:lvl8pPr>
+            <a:lvl9pPr marL="3657600" indent="0" algn="l" defTabSz="914400" rtl="0" eaLnBrk="1" latinLnBrk="0" hangingPunct="1">
+              <a:lnSpc>
+                <a:spcPct val="90000"/>
+              </a:lnSpc>
+              <a:spcBef>
+                <a:spcPts val="500"/>
+              </a:spcBef>
+              <a:buFont typeface="Arial" panose="020B0604020202020204" pitchFamily="34" charset="0"/>
+              <a:buNone/>
+              <a:defRPr sz="1000" kern="1200">
+                <a:solidFill>
+                  <a:schemeClr val="tx1"/>
+                </a:solidFill>
+                <a:latin typeface="+mn-lt"/>
+                <a:ea typeface="+mn-ea"/>
+                <a:cs typeface="+mn-cs"/>
+              </a:defRPr>
+            </a:lvl9pPr>
+          </a:lstStyle>
+          <a:p>
+            <a:endParaRPr lang="en-US" sz="2200" dirty="0"/>
+          </a:p>
+          <a:p>
+            <a:r>
+              <a:rPr lang="en-US" sz="1500" dirty="0"/>
+              <a:t>5. WAPOL District Boundaries - </a:t>
+            </a:r>
+            <a:r>
+              <a:rPr lang="en-US" sz="1500" dirty="0">
+                <a:hlinkClick r:id="rId6"/>
+              </a:rPr>
+              <a:t>https://catalogue.data.wa.gov.au/dataset/wa-police-district-boundaries</a:t>
+            </a:r>
+            <a:endParaRPr lang="en-US" sz="1500" dirty="0"/>
+          </a:p>
+          <a:p>
+            <a:endParaRPr lang="en-US" sz="1500" dirty="0"/>
+          </a:p>
+          <a:p>
+            <a:r>
+              <a:rPr lang="en-US" sz="1500" dirty="0"/>
+              <a:t>6. The Guardian API – </a:t>
+            </a:r>
+            <a:r>
+              <a:rPr lang="en-US" sz="1500" dirty="0">
+                <a:hlinkClick r:id="rId7"/>
+              </a:rPr>
+              <a:t>https://open-platform.theguardian.com/</a:t>
+            </a:r>
+            <a:endParaRPr lang="en-US" sz="1500" dirty="0"/>
+          </a:p>
+          <a:p>
+            <a:pPr indent="-228600">
+              <a:buFont typeface="Arial" panose="020B0604020202020204" pitchFamily="34" charset="0"/>
+              <a:buChar char="•"/>
+            </a:pPr>
+            <a:endParaRPr lang="en-US" sz="1500" dirty="0"/>
+          </a:p>
+          <a:p>
+            <a:r>
+              <a:rPr lang="en-US" sz="1500" dirty="0"/>
+              <a:t>7. Google Trends - </a:t>
+            </a:r>
+            <a:r>
+              <a:rPr lang="en-US" sz="1500" dirty="0">
+                <a:hlinkClick r:id="rId8"/>
+              </a:rPr>
+              <a:t>https://trends.google.com/trends/?geo=AU</a:t>
+            </a:r>
+            <a:endParaRPr lang="en-US" sz="1500" dirty="0"/>
+          </a:p>
+          <a:p>
+            <a:pPr indent="-228600">
+              <a:buFont typeface="Arial" panose="020B0604020202020204" pitchFamily="34" charset="0"/>
+              <a:buChar char="•"/>
+            </a:pPr>
+            <a:endParaRPr lang="en-US" sz="2200" dirty="0"/>
+          </a:p>
+        </p:txBody>
+      </p:sp>
+    </p:spTree>
+    <p:extLst>
+      <p:ext uri="{BB962C8B-B14F-4D97-AF65-F5344CB8AC3E}">
+        <p14:creationId xmlns:p14="http://schemas.microsoft.com/office/powerpoint/2010/main" val="2417921969"/>
       </p:ext>
     </p:extLst>
   </p:cSld>
